--- a/1 - 소리.pptx
+++ b/1 - 소리.pptx
@@ -27,23 +27,31 @@
     <p:sldId id="294" r:id="rId21"/>
     <p:sldId id="295" r:id="rId22"/>
     <p:sldId id="296" r:id="rId23"/>
-    <p:sldId id="277" r:id="rId24"/>
+    <p:sldId id="297" r:id="rId24"/>
+    <p:sldId id="277" r:id="rId25"/>
   </p:sldIdLst>
   <p:sldSz cx="12192000" cy="6858000"/>
   <p:notesSz cx="6858000" cy="9144000"/>
   <p:embeddedFontLst>
     <p:embeddedFont>
+      <p:font typeface="Consolas" panose="020B0609020204030204" pitchFamily="49" charset="0"/>
+      <p:regular r:id="rId26"/>
+      <p:bold r:id="rId27"/>
+      <p:italic r:id="rId28"/>
+      <p:boldItalic r:id="rId29"/>
+    </p:embeddedFont>
+    <p:embeddedFont>
       <p:font typeface="나눔고딕OTF Light" panose="020D0904000000000000" pitchFamily="34" charset="-127"/>
-      <p:regular r:id="rId25"/>
+      <p:regular r:id="rId30"/>
     </p:embeddedFont>
     <p:embeddedFont>
       <p:font typeface="나눔스퀘어OTF Light" panose="020B0600000101010101" pitchFamily="34" charset="-127"/>
-      <p:regular r:id="rId26"/>
+      <p:regular r:id="rId31"/>
     </p:embeddedFont>
     <p:embeddedFont>
       <p:font typeface="맑은 고딕" panose="020B0503020000020004" pitchFamily="50" charset="-127"/>
-      <p:regular r:id="rId27"/>
-      <p:bold r:id="rId28"/>
+      <p:regular r:id="rId32"/>
+      <p:bold r:id="rId33"/>
     </p:embeddedFont>
   </p:embeddedFontLst>
   <p:defaultTextStyle>
@@ -6996,8 +7004,8 @@
         </p:nvSpPr>
         <p:spPr>
           <a:xfrm>
-            <a:off x="2822507" y="4743539"/>
-            <a:ext cx="6546985" cy="707886"/>
+            <a:off x="3470922" y="4743539"/>
+            <a:ext cx="5250155" cy="707886"/>
           </a:xfrm>
           <a:prstGeom prst="rect">
             <a:avLst/>
@@ -7031,21 +7039,7 @@
                 <a:latin typeface="나눔스퀘어OTF Light" panose="020B0600000101010101" pitchFamily="34" charset="-127"/>
                 <a:ea typeface="나눔스퀘어OTF Light" panose="020B0600000101010101" pitchFamily="34" charset="-127"/>
               </a:rPr>
-              <a:t>스냅샷을 </a:t>
-            </a:r>
-            <a:r>
-              <a:rPr lang="en-US" altLang="ko-KR" sz="2000">
-                <a:latin typeface="나눔스퀘어OTF Light" panose="020B0600000101010101" pitchFamily="34" charset="-127"/>
-                <a:ea typeface="나눔스퀘어OTF Light" panose="020B0600000101010101" pitchFamily="34" charset="-127"/>
-              </a:rPr>
-              <a:t>Snapshot2</a:t>
-            </a:r>
-            <a:r>
-              <a:rPr lang="ko-KR" altLang="en-US" sz="2000">
-                <a:latin typeface="나눔스퀘어OTF Light" panose="020B0600000101010101" pitchFamily="34" charset="-127"/>
-                <a:ea typeface="나눔스퀘어OTF Light" panose="020B0600000101010101" pitchFamily="34" charset="-127"/>
-              </a:rPr>
-              <a:t>로 바꾸면 마스터 볼륨의 음량이 증가됨</a:t>
+              <a:t>스냅샷을 믹서에 적용하면 스냅샷의 값으로 바뀜</a:t>
             </a:r>
             <a:endParaRPr lang="en-US" altLang="ko-KR" sz="2000">
               <a:latin typeface="나눔스퀘어OTF Light" panose="020B0600000101010101" pitchFamily="34" charset="-127"/>
@@ -7972,7 +7966,7 @@
         </p:blipFill>
         <p:spPr>
           <a:xfrm>
-            <a:off x="3931214" y="1455041"/>
+            <a:off x="3931214" y="1280474"/>
             <a:ext cx="4329572" cy="929134"/>
           </a:xfrm>
           <a:prstGeom prst="rect">
@@ -7994,7 +7988,7 @@
         </p:nvSpPr>
         <p:spPr>
           <a:xfrm>
-            <a:off x="1821432" y="2597875"/>
+            <a:off x="1821432" y="2423308"/>
             <a:ext cx="8549135" cy="400110"/>
           </a:xfrm>
           <a:prstGeom prst="rect">
@@ -8015,6 +8009,342 @@
                 <a:ea typeface="나눔스퀘어OTF Light" panose="020B0600000101010101" pitchFamily="34" charset="-127"/>
               </a:rPr>
               <a:t>오디오 소스의 아웃풋을 특정한 그룹으로 지정하여 오디오 믹서를 사용할 수 있음</a:t>
+            </a:r>
+            <a:endParaRPr lang="en-US" altLang="ko-KR" sz="2000">
+              <a:latin typeface="나눔스퀘어OTF Light" panose="020B0600000101010101" pitchFamily="34" charset="-127"/>
+              <a:ea typeface="나눔스퀘어OTF Light" panose="020B0600000101010101" pitchFamily="34" charset="-127"/>
+            </a:endParaRPr>
+          </a:p>
+        </p:txBody>
+      </p:sp>
+      <p:sp>
+        <p:nvSpPr>
+          <p:cNvPr id="9" name="TextBox 8">
+            <a:extLst>
+              <a:ext uri="{FF2B5EF4-FFF2-40B4-BE49-F238E27FC236}">
+                <a16:creationId xmlns:a16="http://schemas.microsoft.com/office/drawing/2014/main" id="{2B8AC1FB-2140-4055-97F7-B9010415AA6A}"/>
+              </a:ext>
+            </a:extLst>
+          </p:cNvPr>
+          <p:cNvSpPr txBox="1"/>
+          <p:nvPr/>
+        </p:nvSpPr>
+        <p:spPr>
+          <a:xfrm>
+            <a:off x="3047307" y="3534310"/>
+            <a:ext cx="6097384" cy="2031325"/>
+          </a:xfrm>
+          <a:prstGeom prst="rect">
+            <a:avLst/>
+          </a:prstGeom>
+          <a:solidFill>
+            <a:schemeClr val="tx1"/>
+          </a:solidFill>
+        </p:spPr>
+        <p:txBody>
+          <a:bodyPr wrap="square">
+            <a:spAutoFit/>
+          </a:bodyPr>
+          <a:lstStyle/>
+          <a:p>
+            <a:r>
+              <a:rPr lang="en-US" altLang="ko-KR" b="0">
+                <a:solidFill>
+                  <a:srgbClr val="D4D4D4"/>
+                </a:solidFill>
+                <a:effectLst/>
+                <a:latin typeface="Consolas" panose="020B0609020204030204" pitchFamily="49" charset="0"/>
+              </a:rPr>
+              <a:t>[</a:t>
+            </a:r>
+            <a:r>
+              <a:rPr lang="en-US" altLang="ko-KR" b="0">
+                <a:solidFill>
+                  <a:srgbClr val="4EC9B0"/>
+                </a:solidFill>
+                <a:effectLst/>
+                <a:latin typeface="Consolas" panose="020B0609020204030204" pitchFamily="49" charset="0"/>
+              </a:rPr>
+              <a:t>SerializeField</a:t>
+            </a:r>
+            <a:r>
+              <a:rPr lang="en-US" altLang="ko-KR" b="0">
+                <a:solidFill>
+                  <a:srgbClr val="D4D4D4"/>
+                </a:solidFill>
+                <a:effectLst/>
+                <a:latin typeface="Consolas" panose="020B0609020204030204" pitchFamily="49" charset="0"/>
+              </a:rPr>
+              <a:t>]</a:t>
+            </a:r>
+          </a:p>
+          <a:p>
+            <a:r>
+              <a:rPr lang="en-US" altLang="ko-KR" b="0">
+                <a:solidFill>
+                  <a:srgbClr val="4EC9B0"/>
+                </a:solidFill>
+                <a:effectLst/>
+                <a:latin typeface="Consolas" panose="020B0609020204030204" pitchFamily="49" charset="0"/>
+              </a:rPr>
+              <a:t>AudioMixer</a:t>
+            </a:r>
+            <a:r>
+              <a:rPr lang="en-US" altLang="ko-KR" b="0">
+                <a:solidFill>
+                  <a:srgbClr val="D4D4D4"/>
+                </a:solidFill>
+                <a:effectLst/>
+                <a:latin typeface="Consolas" panose="020B0609020204030204" pitchFamily="49" charset="0"/>
+              </a:rPr>
+              <a:t> </a:t>
+            </a:r>
+            <a:r>
+              <a:rPr lang="en-US" altLang="ko-KR" b="0">
+                <a:solidFill>
+                  <a:srgbClr val="9CDCFE"/>
+                </a:solidFill>
+                <a:effectLst/>
+                <a:latin typeface="Consolas" panose="020B0609020204030204" pitchFamily="49" charset="0"/>
+              </a:rPr>
+              <a:t>mixer</a:t>
+            </a:r>
+            <a:r>
+              <a:rPr lang="en-US" altLang="ko-KR" b="0">
+                <a:solidFill>
+                  <a:srgbClr val="D4D4D4"/>
+                </a:solidFill>
+                <a:effectLst/>
+                <a:latin typeface="Consolas" panose="020B0609020204030204" pitchFamily="49" charset="0"/>
+              </a:rPr>
+              <a:t>;</a:t>
+            </a:r>
+          </a:p>
+          <a:p>
+            <a:br>
+              <a:rPr lang="en-US" altLang="ko-KR" b="0">
+                <a:solidFill>
+                  <a:srgbClr val="D4D4D4"/>
+                </a:solidFill>
+                <a:effectLst/>
+                <a:latin typeface="Consolas" panose="020B0609020204030204" pitchFamily="49" charset="0"/>
+              </a:rPr>
+            </a:br>
+            <a:r>
+              <a:rPr lang="en-US" altLang="ko-KR" b="0">
+                <a:solidFill>
+                  <a:srgbClr val="569CD6"/>
+                </a:solidFill>
+                <a:effectLst/>
+                <a:latin typeface="Consolas" panose="020B0609020204030204" pitchFamily="49" charset="0"/>
+              </a:rPr>
+              <a:t>void</a:t>
+            </a:r>
+            <a:r>
+              <a:rPr lang="en-US" altLang="ko-KR" b="0">
+                <a:solidFill>
+                  <a:srgbClr val="D4D4D4"/>
+                </a:solidFill>
+                <a:effectLst/>
+                <a:latin typeface="Consolas" panose="020B0609020204030204" pitchFamily="49" charset="0"/>
+              </a:rPr>
+              <a:t> </a:t>
+            </a:r>
+            <a:r>
+              <a:rPr lang="en-US" altLang="ko-KR" b="0">
+                <a:solidFill>
+                  <a:srgbClr val="DCDCAA"/>
+                </a:solidFill>
+                <a:effectLst/>
+                <a:latin typeface="Consolas" panose="020B0609020204030204" pitchFamily="49" charset="0"/>
+              </a:rPr>
+              <a:t>Start</a:t>
+            </a:r>
+            <a:r>
+              <a:rPr lang="en-US" altLang="ko-KR" b="0">
+                <a:solidFill>
+                  <a:srgbClr val="D4D4D4"/>
+                </a:solidFill>
+                <a:effectLst/>
+                <a:latin typeface="Consolas" panose="020B0609020204030204" pitchFamily="49" charset="0"/>
+              </a:rPr>
+              <a:t>()</a:t>
+            </a:r>
+          </a:p>
+          <a:p>
+            <a:r>
+              <a:rPr lang="en-US" altLang="ko-KR" b="0">
+                <a:solidFill>
+                  <a:srgbClr val="D4D4D4"/>
+                </a:solidFill>
+                <a:effectLst/>
+                <a:latin typeface="Consolas" panose="020B0609020204030204" pitchFamily="49" charset="0"/>
+              </a:rPr>
+              <a:t>{</a:t>
+            </a:r>
+          </a:p>
+          <a:p>
+            <a:r>
+              <a:rPr lang="en-US" altLang="ko-KR" b="0">
+                <a:solidFill>
+                  <a:srgbClr val="D4D4D4"/>
+                </a:solidFill>
+                <a:effectLst/>
+                <a:latin typeface="Consolas" panose="020B0609020204030204" pitchFamily="49" charset="0"/>
+              </a:rPr>
+              <a:t>    </a:t>
+            </a:r>
+            <a:r>
+              <a:rPr lang="en-US" altLang="ko-KR" b="0">
+                <a:solidFill>
+                  <a:srgbClr val="9CDCFE"/>
+                </a:solidFill>
+                <a:effectLst/>
+                <a:latin typeface="Consolas" panose="020B0609020204030204" pitchFamily="49" charset="0"/>
+              </a:rPr>
+              <a:t>mixer</a:t>
+            </a:r>
+            <a:r>
+              <a:rPr lang="en-US" altLang="ko-KR" b="0">
+                <a:solidFill>
+                  <a:srgbClr val="D4D4D4"/>
+                </a:solidFill>
+                <a:effectLst/>
+                <a:latin typeface="Consolas" panose="020B0609020204030204" pitchFamily="49" charset="0"/>
+              </a:rPr>
+              <a:t>.</a:t>
+            </a:r>
+            <a:r>
+              <a:rPr lang="en-US" altLang="ko-KR" b="0">
+                <a:solidFill>
+                  <a:srgbClr val="DCDCAA"/>
+                </a:solidFill>
+                <a:effectLst/>
+                <a:latin typeface="Consolas" panose="020B0609020204030204" pitchFamily="49" charset="0"/>
+              </a:rPr>
+              <a:t>SetFloat</a:t>
+            </a:r>
+            <a:r>
+              <a:rPr lang="en-US" altLang="ko-KR" b="0">
+                <a:solidFill>
+                  <a:srgbClr val="D4D4D4"/>
+                </a:solidFill>
+                <a:effectLst/>
+                <a:latin typeface="Consolas" panose="020B0609020204030204" pitchFamily="49" charset="0"/>
+              </a:rPr>
+              <a:t>(</a:t>
+            </a:r>
+            <a:r>
+              <a:rPr lang="en-US" altLang="ko-KR" b="0">
+                <a:solidFill>
+                  <a:srgbClr val="CE9178"/>
+                </a:solidFill>
+                <a:effectLst/>
+                <a:latin typeface="Consolas" panose="020B0609020204030204" pitchFamily="49" charset="0"/>
+              </a:rPr>
+              <a:t>"playerVol"</a:t>
+            </a:r>
+            <a:r>
+              <a:rPr lang="en-US" altLang="ko-KR" b="0">
+                <a:solidFill>
+                  <a:srgbClr val="D4D4D4"/>
+                </a:solidFill>
+                <a:effectLst/>
+                <a:latin typeface="Consolas" panose="020B0609020204030204" pitchFamily="49" charset="0"/>
+              </a:rPr>
+              <a:t>, -</a:t>
+            </a:r>
+            <a:r>
+              <a:rPr lang="en-US" altLang="ko-KR" b="0">
+                <a:solidFill>
+                  <a:srgbClr val="B5CEA8"/>
+                </a:solidFill>
+                <a:effectLst/>
+                <a:latin typeface="Consolas" panose="020B0609020204030204" pitchFamily="49" charset="0"/>
+              </a:rPr>
+              <a:t>80.0f</a:t>
+            </a:r>
+            <a:r>
+              <a:rPr lang="en-US" altLang="ko-KR" b="0">
+                <a:solidFill>
+                  <a:srgbClr val="D4D4D4"/>
+                </a:solidFill>
+                <a:effectLst/>
+                <a:latin typeface="Consolas" panose="020B0609020204030204" pitchFamily="49" charset="0"/>
+              </a:rPr>
+              <a:t>);</a:t>
+            </a:r>
+          </a:p>
+          <a:p>
+            <a:r>
+              <a:rPr lang="en-US" altLang="ko-KR" b="0">
+                <a:solidFill>
+                  <a:srgbClr val="D4D4D4"/>
+                </a:solidFill>
+                <a:effectLst/>
+                <a:latin typeface="Consolas" panose="020B0609020204030204" pitchFamily="49" charset="0"/>
+              </a:rPr>
+              <a:t>}</a:t>
+            </a:r>
+          </a:p>
+        </p:txBody>
+      </p:sp>
+      <p:sp>
+        <p:nvSpPr>
+          <p:cNvPr id="11" name="TextBox 10">
+            <a:extLst>
+              <a:ext uri="{FF2B5EF4-FFF2-40B4-BE49-F238E27FC236}">
+                <a16:creationId xmlns:a16="http://schemas.microsoft.com/office/drawing/2014/main" id="{45268CE6-D43E-4259-BD9D-D63A76A0A652}"/>
+              </a:ext>
+            </a:extLst>
+          </p:cNvPr>
+          <p:cNvSpPr txBox="1"/>
+          <p:nvPr/>
+        </p:nvSpPr>
+        <p:spPr>
+          <a:xfrm>
+            <a:off x="2695054" y="5692806"/>
+            <a:ext cx="7206461" cy="400110"/>
+          </a:xfrm>
+          <a:prstGeom prst="rect">
+            <a:avLst/>
+          </a:prstGeom>
+          <a:noFill/>
+        </p:spPr>
+        <p:txBody>
+          <a:bodyPr wrap="none" rtlCol="0">
+            <a:spAutoFit/>
+          </a:bodyPr>
+          <a:lstStyle/>
+          <a:p>
+            <a:pPr algn="ctr"/>
+            <a:r>
+              <a:rPr lang="en-US" altLang="ko-KR" sz="2000">
+                <a:latin typeface="나눔스퀘어OTF Light" panose="020B0600000101010101" pitchFamily="34" charset="-127"/>
+                <a:ea typeface="나눔스퀘어OTF Light" panose="020B0600000101010101" pitchFamily="34" charset="-127"/>
+              </a:rPr>
+              <a:t>Exposed Parameter </a:t>
+            </a:r>
+            <a:r>
+              <a:rPr lang="ko-KR" altLang="en-US" sz="2000">
+                <a:latin typeface="나눔스퀘어OTF Light" panose="020B0600000101010101" pitchFamily="34" charset="-127"/>
+                <a:ea typeface="나눔스퀘어OTF Light" panose="020B0600000101010101" pitchFamily="34" charset="-127"/>
+              </a:rPr>
+              <a:t>설정 이후 </a:t>
+            </a:r>
+            <a:r>
+              <a:rPr lang="en-US" altLang="ko-KR" sz="2000">
+                <a:latin typeface="나눔스퀘어OTF Light" panose="020B0600000101010101" pitchFamily="34" charset="-127"/>
+                <a:ea typeface="나눔스퀘어OTF Light" panose="020B0600000101010101" pitchFamily="34" charset="-127"/>
+              </a:rPr>
+              <a:t>C# </a:t>
+            </a:r>
+            <a:r>
+              <a:rPr lang="ko-KR" altLang="en-US" sz="2000">
+                <a:latin typeface="나눔스퀘어OTF Light" panose="020B0600000101010101" pitchFamily="34" charset="-127"/>
+                <a:ea typeface="나눔스퀘어OTF Light" panose="020B0600000101010101" pitchFamily="34" charset="-127"/>
+              </a:rPr>
+              <a:t>코드로 믹서의 값 변경하는 코드</a:t>
             </a:r>
             <a:endParaRPr lang="en-US" altLang="ko-KR" sz="2000">
               <a:latin typeface="나눔스퀘어OTF Light" panose="020B0600000101010101" pitchFamily="34" charset="-127"/>
@@ -8037,6 +8367,124 @@
 </file>
 
 <file path=ppt/slides/slide23.xml><?xml version="1.0" encoding="utf-8"?>
+<p:sld xmlns:a="http://schemas.openxmlformats.org/drawingml/2006/main" xmlns:r="http://schemas.openxmlformats.org/officeDocument/2006/relationships" xmlns:p="http://schemas.openxmlformats.org/presentationml/2006/main">
+  <p:cSld>
+    <p:spTree>
+      <p:nvGrpSpPr>
+        <p:cNvPr id="1" name=""/>
+        <p:cNvGrpSpPr/>
+        <p:nvPr/>
+      </p:nvGrpSpPr>
+      <p:grpSpPr>
+        <a:xfrm>
+          <a:off x="0" y="0"/>
+          <a:ext cx="0" cy="0"/>
+          <a:chOff x="0" y="0"/>
+          <a:chExt cx="0" cy="0"/>
+        </a:xfrm>
+      </p:grpSpPr>
+      <p:sp>
+        <p:nvSpPr>
+          <p:cNvPr id="6" name="TextBox 5">
+            <a:extLst>
+              <a:ext uri="{FF2B5EF4-FFF2-40B4-BE49-F238E27FC236}">
+                <a16:creationId xmlns:a16="http://schemas.microsoft.com/office/drawing/2014/main" id="{F453C929-8CA3-4E79-AF5D-99EC8407C6CF}"/>
+              </a:ext>
+            </a:extLst>
+          </p:cNvPr>
+          <p:cNvSpPr txBox="1"/>
+          <p:nvPr/>
+        </p:nvSpPr>
+        <p:spPr>
+          <a:xfrm>
+            <a:off x="171888" y="194702"/>
+            <a:ext cx="2698175" cy="523220"/>
+          </a:xfrm>
+          <a:prstGeom prst="rect">
+            <a:avLst/>
+          </a:prstGeom>
+          <a:noFill/>
+        </p:spPr>
+        <p:txBody>
+          <a:bodyPr wrap="none" rtlCol="0">
+            <a:spAutoFit/>
+          </a:bodyPr>
+          <a:lstStyle/>
+          <a:p>
+            <a:r>
+              <a:rPr lang="en-US" altLang="ko-KR" sz="2800">
+                <a:latin typeface="나눔스퀘어OTF Light" panose="020B0600000101010101" pitchFamily="34" charset="-127"/>
+                <a:ea typeface="나눔스퀘어OTF Light" panose="020B0600000101010101" pitchFamily="34" charset="-127"/>
+              </a:rPr>
+              <a:t>4. </a:t>
+            </a:r>
+            <a:r>
+              <a:rPr lang="ko-KR" altLang="en-US" sz="2800">
+                <a:latin typeface="나눔스퀘어OTF Light" panose="020B0600000101010101" pitchFamily="34" charset="-127"/>
+                <a:ea typeface="나눔스퀘어OTF Light" panose="020B0600000101010101" pitchFamily="34" charset="-127"/>
+              </a:rPr>
+              <a:t>사운드 매니저</a:t>
+            </a:r>
+          </a:p>
+        </p:txBody>
+      </p:sp>
+      <p:cxnSp>
+        <p:nvCxnSpPr>
+          <p:cNvPr id="4" name="직선 연결선 3">
+            <a:extLst>
+              <a:ext uri="{FF2B5EF4-FFF2-40B4-BE49-F238E27FC236}">
+                <a16:creationId xmlns:a16="http://schemas.microsoft.com/office/drawing/2014/main" id="{7442459B-3DED-44F0-9E4C-B50601FEB425}"/>
+              </a:ext>
+            </a:extLst>
+          </p:cNvPr>
+          <p:cNvCxnSpPr>
+            <a:cxnSpLocks/>
+          </p:cNvCxnSpPr>
+          <p:nvPr/>
+        </p:nvCxnSpPr>
+        <p:spPr>
+          <a:xfrm>
+            <a:off x="132133" y="780690"/>
+            <a:ext cx="819295" cy="0"/>
+          </a:xfrm>
+          <a:prstGeom prst="line">
+            <a:avLst/>
+          </a:prstGeom>
+          <a:ln>
+            <a:solidFill>
+              <a:schemeClr val="tx1"/>
+            </a:solidFill>
+          </a:ln>
+        </p:spPr>
+        <p:style>
+          <a:lnRef idx="1">
+            <a:schemeClr val="accent1"/>
+          </a:lnRef>
+          <a:fillRef idx="0">
+            <a:schemeClr val="accent1"/>
+          </a:fillRef>
+          <a:effectRef idx="0">
+            <a:schemeClr val="accent1"/>
+          </a:effectRef>
+          <a:fontRef idx="minor">
+            <a:schemeClr val="tx1"/>
+          </a:fontRef>
+        </p:style>
+      </p:cxnSp>
+    </p:spTree>
+    <p:extLst>
+      <p:ext uri="{BB962C8B-B14F-4D97-AF65-F5344CB8AC3E}">
+        <p14:creationId xmlns:p14="http://schemas.microsoft.com/office/powerpoint/2010/main" val="3742434320"/>
+      </p:ext>
+    </p:extLst>
+  </p:cSld>
+  <p:clrMapOvr>
+    <a:masterClrMapping/>
+  </p:clrMapOvr>
+</p:sld>
+</file>
+
+<file path=ppt/slides/slide24.xml><?xml version="1.0" encoding="utf-8"?>
 <p:sld xmlns:a="http://schemas.openxmlformats.org/drawingml/2006/main" xmlns:r="http://schemas.openxmlformats.org/officeDocument/2006/relationships" xmlns:p="http://schemas.openxmlformats.org/presentationml/2006/main">
   <p:cSld>
     <p:spTree>

--- a/1 - 소리.pptx
+++ b/1 - 소리.pptx
@@ -28,30 +28,32 @@
     <p:sldId id="295" r:id="rId22"/>
     <p:sldId id="296" r:id="rId23"/>
     <p:sldId id="297" r:id="rId24"/>
-    <p:sldId id="277" r:id="rId25"/>
+    <p:sldId id="298" r:id="rId25"/>
+    <p:sldId id="299" r:id="rId26"/>
+    <p:sldId id="277" r:id="rId27"/>
   </p:sldIdLst>
   <p:sldSz cx="12192000" cy="6858000"/>
   <p:notesSz cx="6858000" cy="9144000"/>
   <p:embeddedFontLst>
     <p:embeddedFont>
       <p:font typeface="Consolas" panose="020B0609020204030204" pitchFamily="49" charset="0"/>
-      <p:regular r:id="rId26"/>
-      <p:bold r:id="rId27"/>
-      <p:italic r:id="rId28"/>
-      <p:boldItalic r:id="rId29"/>
+      <p:regular r:id="rId28"/>
+      <p:bold r:id="rId29"/>
+      <p:italic r:id="rId30"/>
+      <p:boldItalic r:id="rId31"/>
     </p:embeddedFont>
     <p:embeddedFont>
       <p:font typeface="나눔고딕OTF Light" panose="020D0904000000000000" pitchFamily="34" charset="-127"/>
-      <p:regular r:id="rId30"/>
+      <p:regular r:id="rId32"/>
     </p:embeddedFont>
     <p:embeddedFont>
       <p:font typeface="나눔스퀘어OTF Light" panose="020B0600000101010101" pitchFamily="34" charset="-127"/>
-      <p:regular r:id="rId31"/>
+      <p:regular r:id="rId33"/>
     </p:embeddedFont>
     <p:embeddedFont>
       <p:font typeface="맑은 고딕" panose="020B0503020000020004" pitchFamily="50" charset="-127"/>
-      <p:regular r:id="rId32"/>
-      <p:bold r:id="rId33"/>
+      <p:regular r:id="rId34"/>
+      <p:bold r:id="rId35"/>
     </p:embeddedFont>
   </p:embeddedFontLst>
   <p:defaultTextStyle>
@@ -304,7 +306,7 @@
           <a:p>
             <a:fld id="{3BAD717E-5B48-41D6-98B3-DB23E84BF0BC}" type="datetimeFigureOut">
               <a:rPr lang="ko-KR" altLang="en-US" smtClean="0"/>
-              <a:t>2022-01-16</a:t>
+              <a:t>2022-01-17</a:t>
             </a:fld>
             <a:endParaRPr lang="ko-KR" altLang="en-US"/>
           </a:p>
@@ -502,7 +504,7 @@
           <a:p>
             <a:fld id="{3BAD717E-5B48-41D6-98B3-DB23E84BF0BC}" type="datetimeFigureOut">
               <a:rPr lang="ko-KR" altLang="en-US" smtClean="0"/>
-              <a:t>2022-01-16</a:t>
+              <a:t>2022-01-17</a:t>
             </a:fld>
             <a:endParaRPr lang="ko-KR" altLang="en-US"/>
           </a:p>
@@ -710,7 +712,7 @@
           <a:p>
             <a:fld id="{3BAD717E-5B48-41D6-98B3-DB23E84BF0BC}" type="datetimeFigureOut">
               <a:rPr lang="ko-KR" altLang="en-US" smtClean="0"/>
-              <a:t>2022-01-16</a:t>
+              <a:t>2022-01-17</a:t>
             </a:fld>
             <a:endParaRPr lang="ko-KR" altLang="en-US"/>
           </a:p>
@@ -908,7 +910,7 @@
           <a:p>
             <a:fld id="{3BAD717E-5B48-41D6-98B3-DB23E84BF0BC}" type="datetimeFigureOut">
               <a:rPr lang="ko-KR" altLang="en-US" smtClean="0"/>
-              <a:t>2022-01-16</a:t>
+              <a:t>2022-01-17</a:t>
             </a:fld>
             <a:endParaRPr lang="ko-KR" altLang="en-US"/>
           </a:p>
@@ -1183,7 +1185,7 @@
           <a:p>
             <a:fld id="{3BAD717E-5B48-41D6-98B3-DB23E84BF0BC}" type="datetimeFigureOut">
               <a:rPr lang="ko-KR" altLang="en-US" smtClean="0"/>
-              <a:t>2022-01-16</a:t>
+              <a:t>2022-01-17</a:t>
             </a:fld>
             <a:endParaRPr lang="ko-KR" altLang="en-US"/>
           </a:p>
@@ -1448,7 +1450,7 @@
           <a:p>
             <a:fld id="{3BAD717E-5B48-41D6-98B3-DB23E84BF0BC}" type="datetimeFigureOut">
               <a:rPr lang="ko-KR" altLang="en-US" smtClean="0"/>
-              <a:t>2022-01-16</a:t>
+              <a:t>2022-01-17</a:t>
             </a:fld>
             <a:endParaRPr lang="ko-KR" altLang="en-US"/>
           </a:p>
@@ -1860,7 +1862,7 @@
           <a:p>
             <a:fld id="{3BAD717E-5B48-41D6-98B3-DB23E84BF0BC}" type="datetimeFigureOut">
               <a:rPr lang="ko-KR" altLang="en-US" smtClean="0"/>
-              <a:t>2022-01-16</a:t>
+              <a:t>2022-01-17</a:t>
             </a:fld>
             <a:endParaRPr lang="ko-KR" altLang="en-US"/>
           </a:p>
@@ -2001,7 +2003,7 @@
           <a:p>
             <a:fld id="{3BAD717E-5B48-41D6-98B3-DB23E84BF0BC}" type="datetimeFigureOut">
               <a:rPr lang="ko-KR" altLang="en-US" smtClean="0"/>
-              <a:t>2022-01-16</a:t>
+              <a:t>2022-01-17</a:t>
             </a:fld>
             <a:endParaRPr lang="ko-KR" altLang="en-US"/>
           </a:p>
@@ -2114,7 +2116,7 @@
           <a:p>
             <a:fld id="{3BAD717E-5B48-41D6-98B3-DB23E84BF0BC}" type="datetimeFigureOut">
               <a:rPr lang="ko-KR" altLang="en-US" smtClean="0"/>
-              <a:t>2022-01-16</a:t>
+              <a:t>2022-01-17</a:t>
             </a:fld>
             <a:endParaRPr lang="ko-KR" altLang="en-US"/>
           </a:p>
@@ -2425,7 +2427,7 @@
           <a:p>
             <a:fld id="{3BAD717E-5B48-41D6-98B3-DB23E84BF0BC}" type="datetimeFigureOut">
               <a:rPr lang="ko-KR" altLang="en-US" smtClean="0"/>
-              <a:t>2022-01-16</a:t>
+              <a:t>2022-01-17</a:t>
             </a:fld>
             <a:endParaRPr lang="ko-KR" altLang="en-US"/>
           </a:p>
@@ -2713,7 +2715,7 @@
           <a:p>
             <a:fld id="{3BAD717E-5B48-41D6-98B3-DB23E84BF0BC}" type="datetimeFigureOut">
               <a:rPr lang="ko-KR" altLang="en-US" smtClean="0"/>
-              <a:t>2022-01-16</a:t>
+              <a:t>2022-01-17</a:t>
             </a:fld>
             <a:endParaRPr lang="ko-KR" altLang="en-US"/>
           </a:p>
@@ -2954,7 +2956,7 @@
           <a:p>
             <a:fld id="{3BAD717E-5B48-41D6-98B3-DB23E84BF0BC}" type="datetimeFigureOut">
               <a:rPr lang="ko-KR" altLang="en-US" smtClean="0"/>
-              <a:t>2022-01-16</a:t>
+              <a:t>2022-01-17</a:t>
             </a:fld>
             <a:endParaRPr lang="ko-KR" altLang="en-US"/>
           </a:p>
@@ -8515,6 +8517,242 @@
         </p:nvSpPr>
         <p:spPr>
           <a:xfrm>
+            <a:off x="171888" y="194702"/>
+            <a:ext cx="2698175" cy="523220"/>
+          </a:xfrm>
+          <a:prstGeom prst="rect">
+            <a:avLst/>
+          </a:prstGeom>
+          <a:noFill/>
+        </p:spPr>
+        <p:txBody>
+          <a:bodyPr wrap="none" rtlCol="0">
+            <a:spAutoFit/>
+          </a:bodyPr>
+          <a:lstStyle/>
+          <a:p>
+            <a:r>
+              <a:rPr lang="en-US" altLang="ko-KR" sz="2800">
+                <a:latin typeface="나눔스퀘어OTF Light" panose="020B0600000101010101" pitchFamily="34" charset="-127"/>
+                <a:ea typeface="나눔스퀘어OTF Light" panose="020B0600000101010101" pitchFamily="34" charset="-127"/>
+              </a:rPr>
+              <a:t>4. </a:t>
+            </a:r>
+            <a:r>
+              <a:rPr lang="ko-KR" altLang="en-US" sz="2800">
+                <a:latin typeface="나눔스퀘어OTF Light" panose="020B0600000101010101" pitchFamily="34" charset="-127"/>
+                <a:ea typeface="나눔스퀘어OTF Light" panose="020B0600000101010101" pitchFamily="34" charset="-127"/>
+              </a:rPr>
+              <a:t>사운드 매니저</a:t>
+            </a:r>
+          </a:p>
+        </p:txBody>
+      </p:sp>
+      <p:cxnSp>
+        <p:nvCxnSpPr>
+          <p:cNvPr id="4" name="직선 연결선 3">
+            <a:extLst>
+              <a:ext uri="{FF2B5EF4-FFF2-40B4-BE49-F238E27FC236}">
+                <a16:creationId xmlns:a16="http://schemas.microsoft.com/office/drawing/2014/main" id="{7442459B-3DED-44F0-9E4C-B50601FEB425}"/>
+              </a:ext>
+            </a:extLst>
+          </p:cNvPr>
+          <p:cNvCxnSpPr>
+            <a:cxnSpLocks/>
+          </p:cNvCxnSpPr>
+          <p:nvPr/>
+        </p:nvCxnSpPr>
+        <p:spPr>
+          <a:xfrm>
+            <a:off x="132133" y="780690"/>
+            <a:ext cx="819295" cy="0"/>
+          </a:xfrm>
+          <a:prstGeom prst="line">
+            <a:avLst/>
+          </a:prstGeom>
+          <a:ln>
+            <a:solidFill>
+              <a:schemeClr val="tx1"/>
+            </a:solidFill>
+          </a:ln>
+        </p:spPr>
+        <p:style>
+          <a:lnRef idx="1">
+            <a:schemeClr val="accent1"/>
+          </a:lnRef>
+          <a:fillRef idx="0">
+            <a:schemeClr val="accent1"/>
+          </a:fillRef>
+          <a:effectRef idx="0">
+            <a:schemeClr val="accent1"/>
+          </a:effectRef>
+          <a:fontRef idx="minor">
+            <a:schemeClr val="tx1"/>
+          </a:fontRef>
+        </p:style>
+      </p:cxnSp>
+    </p:spTree>
+    <p:extLst>
+      <p:ext uri="{BB962C8B-B14F-4D97-AF65-F5344CB8AC3E}">
+        <p14:creationId xmlns:p14="http://schemas.microsoft.com/office/powerpoint/2010/main" val="3098877981"/>
+      </p:ext>
+    </p:extLst>
+  </p:cSld>
+  <p:clrMapOvr>
+    <a:masterClrMapping/>
+  </p:clrMapOvr>
+</p:sld>
+</file>
+
+<file path=ppt/slides/slide25.xml><?xml version="1.0" encoding="utf-8"?>
+<p:sld xmlns:a="http://schemas.openxmlformats.org/drawingml/2006/main" xmlns:r="http://schemas.openxmlformats.org/officeDocument/2006/relationships" xmlns:p="http://schemas.openxmlformats.org/presentationml/2006/main">
+  <p:cSld>
+    <p:spTree>
+      <p:nvGrpSpPr>
+        <p:cNvPr id="1" name=""/>
+        <p:cNvGrpSpPr/>
+        <p:nvPr/>
+      </p:nvGrpSpPr>
+      <p:grpSpPr>
+        <a:xfrm>
+          <a:off x="0" y="0"/>
+          <a:ext cx="0" cy="0"/>
+          <a:chOff x="0" y="0"/>
+          <a:chExt cx="0" cy="0"/>
+        </a:xfrm>
+      </p:grpSpPr>
+      <p:sp>
+        <p:nvSpPr>
+          <p:cNvPr id="6" name="TextBox 5">
+            <a:extLst>
+              <a:ext uri="{FF2B5EF4-FFF2-40B4-BE49-F238E27FC236}">
+                <a16:creationId xmlns:a16="http://schemas.microsoft.com/office/drawing/2014/main" id="{F453C929-8CA3-4E79-AF5D-99EC8407C6CF}"/>
+              </a:ext>
+            </a:extLst>
+          </p:cNvPr>
+          <p:cNvSpPr txBox="1"/>
+          <p:nvPr/>
+        </p:nvSpPr>
+        <p:spPr>
+          <a:xfrm>
+            <a:off x="171888" y="194702"/>
+            <a:ext cx="2698175" cy="523220"/>
+          </a:xfrm>
+          <a:prstGeom prst="rect">
+            <a:avLst/>
+          </a:prstGeom>
+          <a:noFill/>
+        </p:spPr>
+        <p:txBody>
+          <a:bodyPr wrap="none" rtlCol="0">
+            <a:spAutoFit/>
+          </a:bodyPr>
+          <a:lstStyle/>
+          <a:p>
+            <a:r>
+              <a:rPr lang="en-US" altLang="ko-KR" sz="2800">
+                <a:latin typeface="나눔스퀘어OTF Light" panose="020B0600000101010101" pitchFamily="34" charset="-127"/>
+                <a:ea typeface="나눔스퀘어OTF Light" panose="020B0600000101010101" pitchFamily="34" charset="-127"/>
+              </a:rPr>
+              <a:t>4. </a:t>
+            </a:r>
+            <a:r>
+              <a:rPr lang="ko-KR" altLang="en-US" sz="2800">
+                <a:latin typeface="나눔스퀘어OTF Light" panose="020B0600000101010101" pitchFamily="34" charset="-127"/>
+                <a:ea typeface="나눔스퀘어OTF Light" panose="020B0600000101010101" pitchFamily="34" charset="-127"/>
+              </a:rPr>
+              <a:t>사운드 매니저</a:t>
+            </a:r>
+          </a:p>
+        </p:txBody>
+      </p:sp>
+      <p:cxnSp>
+        <p:nvCxnSpPr>
+          <p:cNvPr id="4" name="직선 연결선 3">
+            <a:extLst>
+              <a:ext uri="{FF2B5EF4-FFF2-40B4-BE49-F238E27FC236}">
+                <a16:creationId xmlns:a16="http://schemas.microsoft.com/office/drawing/2014/main" id="{7442459B-3DED-44F0-9E4C-B50601FEB425}"/>
+              </a:ext>
+            </a:extLst>
+          </p:cNvPr>
+          <p:cNvCxnSpPr>
+            <a:cxnSpLocks/>
+          </p:cNvCxnSpPr>
+          <p:nvPr/>
+        </p:nvCxnSpPr>
+        <p:spPr>
+          <a:xfrm>
+            <a:off x="132133" y="780690"/>
+            <a:ext cx="819295" cy="0"/>
+          </a:xfrm>
+          <a:prstGeom prst="line">
+            <a:avLst/>
+          </a:prstGeom>
+          <a:ln>
+            <a:solidFill>
+              <a:schemeClr val="tx1"/>
+            </a:solidFill>
+          </a:ln>
+        </p:spPr>
+        <p:style>
+          <a:lnRef idx="1">
+            <a:schemeClr val="accent1"/>
+          </a:lnRef>
+          <a:fillRef idx="0">
+            <a:schemeClr val="accent1"/>
+          </a:fillRef>
+          <a:effectRef idx="0">
+            <a:schemeClr val="accent1"/>
+          </a:effectRef>
+          <a:fontRef idx="minor">
+            <a:schemeClr val="tx1"/>
+          </a:fontRef>
+        </p:style>
+      </p:cxnSp>
+    </p:spTree>
+    <p:extLst>
+      <p:ext uri="{BB962C8B-B14F-4D97-AF65-F5344CB8AC3E}">
+        <p14:creationId xmlns:p14="http://schemas.microsoft.com/office/powerpoint/2010/main" val="2682452554"/>
+      </p:ext>
+    </p:extLst>
+  </p:cSld>
+  <p:clrMapOvr>
+    <a:masterClrMapping/>
+  </p:clrMapOvr>
+</p:sld>
+</file>
+
+<file path=ppt/slides/slide26.xml><?xml version="1.0" encoding="utf-8"?>
+<p:sld xmlns:a="http://schemas.openxmlformats.org/drawingml/2006/main" xmlns:r="http://schemas.openxmlformats.org/officeDocument/2006/relationships" xmlns:p="http://schemas.openxmlformats.org/presentationml/2006/main">
+  <p:cSld>
+    <p:spTree>
+      <p:nvGrpSpPr>
+        <p:cNvPr id="1" name=""/>
+        <p:cNvGrpSpPr/>
+        <p:nvPr/>
+      </p:nvGrpSpPr>
+      <p:grpSpPr>
+        <a:xfrm>
+          <a:off x="0" y="0"/>
+          <a:ext cx="0" cy="0"/>
+          <a:chOff x="0" y="0"/>
+          <a:chExt cx="0" cy="0"/>
+        </a:xfrm>
+      </p:grpSpPr>
+      <p:sp>
+        <p:nvSpPr>
+          <p:cNvPr id="6" name="TextBox 5">
+            <a:extLst>
+              <a:ext uri="{FF2B5EF4-FFF2-40B4-BE49-F238E27FC236}">
+                <a16:creationId xmlns:a16="http://schemas.microsoft.com/office/drawing/2014/main" id="{F453C929-8CA3-4E79-AF5D-99EC8407C6CF}"/>
+              </a:ext>
+            </a:extLst>
+          </p:cNvPr>
+          <p:cNvSpPr txBox="1"/>
+          <p:nvPr/>
+        </p:nvSpPr>
+        <p:spPr>
+          <a:xfrm>
             <a:off x="5770431" y="2629032"/>
             <a:ext cx="651140" cy="707886"/>
           </a:xfrm>

--- a/1 - 소리.pptx
+++ b/1 - 소리.pptx
@@ -28,32 +28,39 @@
     <p:sldId id="295" r:id="rId22"/>
     <p:sldId id="296" r:id="rId23"/>
     <p:sldId id="297" r:id="rId24"/>
-    <p:sldId id="298" r:id="rId25"/>
-    <p:sldId id="299" r:id="rId26"/>
-    <p:sldId id="277" r:id="rId27"/>
+    <p:sldId id="300" r:id="rId25"/>
+    <p:sldId id="298" r:id="rId26"/>
+    <p:sldId id="301" r:id="rId27"/>
+    <p:sldId id="302" r:id="rId28"/>
+    <p:sldId id="303" r:id="rId29"/>
+    <p:sldId id="304" r:id="rId30"/>
+    <p:sldId id="305" r:id="rId31"/>
+    <p:sldId id="306" r:id="rId32"/>
+    <p:sldId id="307" r:id="rId33"/>
+    <p:sldId id="277" r:id="rId34"/>
   </p:sldIdLst>
   <p:sldSz cx="12192000" cy="6858000"/>
   <p:notesSz cx="6858000" cy="9144000"/>
   <p:embeddedFontLst>
     <p:embeddedFont>
       <p:font typeface="Consolas" panose="020B0609020204030204" pitchFamily="49" charset="0"/>
-      <p:regular r:id="rId28"/>
-      <p:bold r:id="rId29"/>
-      <p:italic r:id="rId30"/>
-      <p:boldItalic r:id="rId31"/>
+      <p:regular r:id="rId35"/>
+      <p:bold r:id="rId36"/>
+      <p:italic r:id="rId37"/>
+      <p:boldItalic r:id="rId38"/>
     </p:embeddedFont>
     <p:embeddedFont>
       <p:font typeface="나눔고딕OTF Light" panose="020D0904000000000000" pitchFamily="34" charset="-127"/>
-      <p:regular r:id="rId32"/>
+      <p:regular r:id="rId39"/>
     </p:embeddedFont>
     <p:embeddedFont>
       <p:font typeface="나눔스퀘어OTF Light" panose="020B0600000101010101" pitchFamily="34" charset="-127"/>
-      <p:regular r:id="rId33"/>
+      <p:regular r:id="rId40"/>
     </p:embeddedFont>
     <p:embeddedFont>
       <p:font typeface="맑은 고딕" panose="020B0503020000020004" pitchFamily="50" charset="-127"/>
-      <p:regular r:id="rId34"/>
-      <p:bold r:id="rId35"/>
+      <p:regular r:id="rId41"/>
+      <p:bold r:id="rId42"/>
     </p:embeddedFont>
   </p:embeddedFontLst>
   <p:defaultTextStyle>
@@ -306,7 +313,7 @@
           <a:p>
             <a:fld id="{3BAD717E-5B48-41D6-98B3-DB23E84BF0BC}" type="datetimeFigureOut">
               <a:rPr lang="ko-KR" altLang="en-US" smtClean="0"/>
-              <a:t>2022-01-17</a:t>
+              <a:t>2022-01-23</a:t>
             </a:fld>
             <a:endParaRPr lang="ko-KR" altLang="en-US"/>
           </a:p>
@@ -504,7 +511,7 @@
           <a:p>
             <a:fld id="{3BAD717E-5B48-41D6-98B3-DB23E84BF0BC}" type="datetimeFigureOut">
               <a:rPr lang="ko-KR" altLang="en-US" smtClean="0"/>
-              <a:t>2022-01-17</a:t>
+              <a:t>2022-01-23</a:t>
             </a:fld>
             <a:endParaRPr lang="ko-KR" altLang="en-US"/>
           </a:p>
@@ -712,7 +719,7 @@
           <a:p>
             <a:fld id="{3BAD717E-5B48-41D6-98B3-DB23E84BF0BC}" type="datetimeFigureOut">
               <a:rPr lang="ko-KR" altLang="en-US" smtClean="0"/>
-              <a:t>2022-01-17</a:t>
+              <a:t>2022-01-23</a:t>
             </a:fld>
             <a:endParaRPr lang="ko-KR" altLang="en-US"/>
           </a:p>
@@ -910,7 +917,7 @@
           <a:p>
             <a:fld id="{3BAD717E-5B48-41D6-98B3-DB23E84BF0BC}" type="datetimeFigureOut">
               <a:rPr lang="ko-KR" altLang="en-US" smtClean="0"/>
-              <a:t>2022-01-17</a:t>
+              <a:t>2022-01-23</a:t>
             </a:fld>
             <a:endParaRPr lang="ko-KR" altLang="en-US"/>
           </a:p>
@@ -1185,7 +1192,7 @@
           <a:p>
             <a:fld id="{3BAD717E-5B48-41D6-98B3-DB23E84BF0BC}" type="datetimeFigureOut">
               <a:rPr lang="ko-KR" altLang="en-US" smtClean="0"/>
-              <a:t>2022-01-17</a:t>
+              <a:t>2022-01-23</a:t>
             </a:fld>
             <a:endParaRPr lang="ko-KR" altLang="en-US"/>
           </a:p>
@@ -1450,7 +1457,7 @@
           <a:p>
             <a:fld id="{3BAD717E-5B48-41D6-98B3-DB23E84BF0BC}" type="datetimeFigureOut">
               <a:rPr lang="ko-KR" altLang="en-US" smtClean="0"/>
-              <a:t>2022-01-17</a:t>
+              <a:t>2022-01-23</a:t>
             </a:fld>
             <a:endParaRPr lang="ko-KR" altLang="en-US"/>
           </a:p>
@@ -1862,7 +1869,7 @@
           <a:p>
             <a:fld id="{3BAD717E-5B48-41D6-98B3-DB23E84BF0BC}" type="datetimeFigureOut">
               <a:rPr lang="ko-KR" altLang="en-US" smtClean="0"/>
-              <a:t>2022-01-17</a:t>
+              <a:t>2022-01-23</a:t>
             </a:fld>
             <a:endParaRPr lang="ko-KR" altLang="en-US"/>
           </a:p>
@@ -2003,7 +2010,7 @@
           <a:p>
             <a:fld id="{3BAD717E-5B48-41D6-98B3-DB23E84BF0BC}" type="datetimeFigureOut">
               <a:rPr lang="ko-KR" altLang="en-US" smtClean="0"/>
-              <a:t>2022-01-17</a:t>
+              <a:t>2022-01-23</a:t>
             </a:fld>
             <a:endParaRPr lang="ko-KR" altLang="en-US"/>
           </a:p>
@@ -2116,7 +2123,7 @@
           <a:p>
             <a:fld id="{3BAD717E-5B48-41D6-98B3-DB23E84BF0BC}" type="datetimeFigureOut">
               <a:rPr lang="ko-KR" altLang="en-US" smtClean="0"/>
-              <a:t>2022-01-17</a:t>
+              <a:t>2022-01-23</a:t>
             </a:fld>
             <a:endParaRPr lang="ko-KR" altLang="en-US"/>
           </a:p>
@@ -2427,7 +2434,7 @@
           <a:p>
             <a:fld id="{3BAD717E-5B48-41D6-98B3-DB23E84BF0BC}" type="datetimeFigureOut">
               <a:rPr lang="ko-KR" altLang="en-US" smtClean="0"/>
-              <a:t>2022-01-17</a:t>
+              <a:t>2022-01-23</a:t>
             </a:fld>
             <a:endParaRPr lang="ko-KR" altLang="en-US"/>
           </a:p>
@@ -2715,7 +2722,7 @@
           <a:p>
             <a:fld id="{3BAD717E-5B48-41D6-98B3-DB23E84BF0BC}" type="datetimeFigureOut">
               <a:rPr lang="ko-KR" altLang="en-US" smtClean="0"/>
-              <a:t>2022-01-17</a:t>
+              <a:t>2022-01-23</a:t>
             </a:fld>
             <a:endParaRPr lang="ko-KR" altLang="en-US"/>
           </a:p>
@@ -2956,7 +2963,7 @@
           <a:p>
             <a:fld id="{3BAD717E-5B48-41D6-98B3-DB23E84BF0BC}" type="datetimeFigureOut">
               <a:rPr lang="ko-KR" altLang="en-US" smtClean="0"/>
-              <a:t>2022-01-17</a:t>
+              <a:t>2022-01-23</a:t>
             </a:fld>
             <a:endParaRPr lang="ko-KR" altLang="en-US"/>
           </a:p>
@@ -8473,6 +8480,130 @@
           </a:fontRef>
         </p:style>
       </p:cxnSp>
+      <p:sp>
+        <p:nvSpPr>
+          <p:cNvPr id="3" name="타원 2">
+            <a:extLst>
+              <a:ext uri="{FF2B5EF4-FFF2-40B4-BE49-F238E27FC236}">
+                <a16:creationId xmlns:a16="http://schemas.microsoft.com/office/drawing/2014/main" id="{BEEC16F7-1C02-4163-963A-A3DF91E64737}"/>
+              </a:ext>
+            </a:extLst>
+          </p:cNvPr>
+          <p:cNvSpPr/>
+          <p:nvPr/>
+        </p:nvSpPr>
+        <p:spPr>
+          <a:xfrm>
+            <a:off x="5426825" y="2443942"/>
+            <a:ext cx="1338349" cy="1338349"/>
+          </a:xfrm>
+          <a:prstGeom prst="ellipse">
+            <a:avLst/>
+          </a:prstGeom>
+          <a:solidFill>
+            <a:schemeClr val="bg1"/>
+          </a:solidFill>
+          <a:ln>
+            <a:solidFill>
+              <a:schemeClr val="tx1"/>
+            </a:solidFill>
+          </a:ln>
+        </p:spPr>
+        <p:style>
+          <a:lnRef idx="2">
+            <a:schemeClr val="accent1">
+              <a:shade val="50000"/>
+            </a:schemeClr>
+          </a:lnRef>
+          <a:fillRef idx="1">
+            <a:schemeClr val="accent1"/>
+          </a:fillRef>
+          <a:effectRef idx="0">
+            <a:schemeClr val="accent1"/>
+          </a:effectRef>
+          <a:fontRef idx="minor">
+            <a:schemeClr val="lt1"/>
+          </a:fontRef>
+        </p:style>
+        <p:txBody>
+          <a:bodyPr rtlCol="0" anchor="ctr"/>
+          <a:lstStyle/>
+          <a:p>
+            <a:pPr algn="ctr"/>
+            <a:endParaRPr lang="ko-KR" altLang="en-US"/>
+          </a:p>
+        </p:txBody>
+      </p:sp>
+      <p:sp>
+        <p:nvSpPr>
+          <p:cNvPr id="7" name="TextBox 6">
+            <a:extLst>
+              <a:ext uri="{FF2B5EF4-FFF2-40B4-BE49-F238E27FC236}">
+                <a16:creationId xmlns:a16="http://schemas.microsoft.com/office/drawing/2014/main" id="{A4D9482A-449E-4F1A-A347-20F12D9A37B4}"/>
+              </a:ext>
+            </a:extLst>
+          </p:cNvPr>
+          <p:cNvSpPr txBox="1"/>
+          <p:nvPr/>
+        </p:nvSpPr>
+        <p:spPr>
+          <a:xfrm>
+            <a:off x="4643678" y="4019352"/>
+            <a:ext cx="2904641" cy="707886"/>
+          </a:xfrm>
+          <a:prstGeom prst="rect">
+            <a:avLst/>
+          </a:prstGeom>
+          <a:noFill/>
+        </p:spPr>
+        <p:txBody>
+          <a:bodyPr wrap="none" rtlCol="0">
+            <a:spAutoFit/>
+          </a:bodyPr>
+          <a:lstStyle/>
+          <a:p>
+            <a:pPr algn="ctr"/>
+            <a:r>
+              <a:rPr lang="ko-KR" altLang="en-US" sz="2000">
+                <a:latin typeface="나눔스퀘어OTF Light" panose="020B0600000101010101" pitchFamily="34" charset="-127"/>
+                <a:ea typeface="나눔스퀘어OTF Light" panose="020B0600000101010101" pitchFamily="34" charset="-127"/>
+              </a:rPr>
+              <a:t>오브젝트 </a:t>
+            </a:r>
+            <a:r>
+              <a:rPr lang="en-US" altLang="ko-KR" sz="2000">
+                <a:latin typeface="나눔스퀘어OTF Light" panose="020B0600000101010101" pitchFamily="34" charset="-127"/>
+                <a:ea typeface="나눔스퀘어OTF Light" panose="020B0600000101010101" pitchFamily="34" charset="-127"/>
+              </a:rPr>
+              <a:t>= Audio Source</a:t>
+            </a:r>
+          </a:p>
+          <a:p>
+            <a:pPr algn="ctr"/>
+            <a:r>
+              <a:rPr lang="en-US" altLang="ko-KR" sz="2000">
+                <a:latin typeface="나눔스퀘어OTF Light" panose="020B0600000101010101" pitchFamily="34" charset="-127"/>
+                <a:ea typeface="나눔스퀘어OTF Light" panose="020B0600000101010101" pitchFamily="34" charset="-127"/>
+              </a:rPr>
+              <a:t>(</a:t>
+            </a:r>
+            <a:r>
+              <a:rPr lang="ko-KR" altLang="en-US" sz="2000">
+                <a:latin typeface="나눔스퀘어OTF Light" panose="020B0600000101010101" pitchFamily="34" charset="-127"/>
+                <a:ea typeface="나눔스퀘어OTF Light" panose="020B0600000101010101" pitchFamily="34" charset="-127"/>
+              </a:rPr>
+              <a:t>소리 재생 중</a:t>
+            </a:r>
+            <a:r>
+              <a:rPr lang="en-US" altLang="ko-KR" sz="2000">
+                <a:latin typeface="나눔스퀘어OTF Light" panose="020B0600000101010101" pitchFamily="34" charset="-127"/>
+                <a:ea typeface="나눔스퀘어OTF Light" panose="020B0600000101010101" pitchFamily="34" charset="-127"/>
+              </a:rPr>
+              <a:t>)</a:t>
+            </a:r>
+          </a:p>
+        </p:txBody>
+      </p:sp>
     </p:spTree>
     <p:extLst>
       <p:ext uri="{BB962C8B-B14F-4D97-AF65-F5344CB8AC3E}">
@@ -8591,10 +8722,131 @@
           </a:fontRef>
         </p:style>
       </p:cxnSp>
+      <p:sp>
+        <p:nvSpPr>
+          <p:cNvPr id="7" name="TextBox 6">
+            <a:extLst>
+              <a:ext uri="{FF2B5EF4-FFF2-40B4-BE49-F238E27FC236}">
+                <a16:creationId xmlns:a16="http://schemas.microsoft.com/office/drawing/2014/main" id="{A4D9482A-449E-4F1A-A347-20F12D9A37B4}"/>
+              </a:ext>
+            </a:extLst>
+          </p:cNvPr>
+          <p:cNvSpPr txBox="1"/>
+          <p:nvPr/>
+        </p:nvSpPr>
+        <p:spPr>
+          <a:xfrm>
+            <a:off x="4929658" y="4019352"/>
+            <a:ext cx="2332690" cy="707886"/>
+          </a:xfrm>
+          <a:prstGeom prst="rect">
+            <a:avLst/>
+          </a:prstGeom>
+          <a:noFill/>
+        </p:spPr>
+        <p:txBody>
+          <a:bodyPr wrap="none" rtlCol="0">
+            <a:spAutoFit/>
+          </a:bodyPr>
+          <a:lstStyle/>
+          <a:p>
+            <a:pPr algn="ctr"/>
+            <a:r>
+              <a:rPr lang="ko-KR" altLang="en-US" sz="2000">
+                <a:latin typeface="나눔스퀘어OTF Light" panose="020B0600000101010101" pitchFamily="34" charset="-127"/>
+                <a:ea typeface="나눔스퀘어OTF Light" panose="020B0600000101010101" pitchFamily="34" charset="-127"/>
+              </a:rPr>
+              <a:t>제거된 오브젝트</a:t>
+            </a:r>
+            <a:endParaRPr lang="en-US" altLang="ko-KR" sz="2000">
+              <a:latin typeface="나눔스퀘어OTF Light" panose="020B0600000101010101" pitchFamily="34" charset="-127"/>
+              <a:ea typeface="나눔스퀘어OTF Light" panose="020B0600000101010101" pitchFamily="34" charset="-127"/>
+            </a:endParaRPr>
+          </a:p>
+          <a:p>
+            <a:pPr algn="ctr"/>
+            <a:r>
+              <a:rPr lang="en-US" altLang="ko-KR" sz="2000">
+                <a:latin typeface="나눔스퀘어OTF Light" panose="020B0600000101010101" pitchFamily="34" charset="-127"/>
+                <a:ea typeface="나눔스퀘어OTF Light" panose="020B0600000101010101" pitchFamily="34" charset="-127"/>
+              </a:rPr>
+              <a:t>(</a:t>
+            </a:r>
+            <a:r>
+              <a:rPr lang="ko-KR" altLang="en-US" sz="2000">
+                <a:latin typeface="나눔스퀘어OTF Light" panose="020B0600000101010101" pitchFamily="34" charset="-127"/>
+                <a:ea typeface="나눔스퀘어OTF Light" panose="020B0600000101010101" pitchFamily="34" charset="-127"/>
+              </a:rPr>
+              <a:t>소리 재생이 불가능</a:t>
+            </a:r>
+            <a:r>
+              <a:rPr lang="en-US" altLang="ko-KR" sz="2000">
+                <a:latin typeface="나눔스퀘어OTF Light" panose="020B0600000101010101" pitchFamily="34" charset="-127"/>
+                <a:ea typeface="나눔스퀘어OTF Light" panose="020B0600000101010101" pitchFamily="34" charset="-127"/>
+              </a:rPr>
+              <a:t>)</a:t>
+            </a:r>
+          </a:p>
+        </p:txBody>
+      </p:sp>
+      <p:sp>
+        <p:nvSpPr>
+          <p:cNvPr id="8" name="타원 7">
+            <a:extLst>
+              <a:ext uri="{FF2B5EF4-FFF2-40B4-BE49-F238E27FC236}">
+                <a16:creationId xmlns:a16="http://schemas.microsoft.com/office/drawing/2014/main" id="{E968797C-F9CD-446E-A23D-5579B68FE985}"/>
+              </a:ext>
+            </a:extLst>
+          </p:cNvPr>
+          <p:cNvSpPr/>
+          <p:nvPr/>
+        </p:nvSpPr>
+        <p:spPr>
+          <a:xfrm>
+            <a:off x="5426825" y="2443942"/>
+            <a:ext cx="1338349" cy="1338349"/>
+          </a:xfrm>
+          <a:prstGeom prst="ellipse">
+            <a:avLst/>
+          </a:prstGeom>
+          <a:solidFill>
+            <a:schemeClr val="bg1"/>
+          </a:solidFill>
+          <a:ln>
+            <a:solidFill>
+              <a:schemeClr val="bg2"/>
+            </a:solidFill>
+          </a:ln>
+        </p:spPr>
+        <p:style>
+          <a:lnRef idx="2">
+            <a:schemeClr val="accent1">
+              <a:shade val="50000"/>
+            </a:schemeClr>
+          </a:lnRef>
+          <a:fillRef idx="1">
+            <a:schemeClr val="accent1"/>
+          </a:fillRef>
+          <a:effectRef idx="0">
+            <a:schemeClr val="accent1"/>
+          </a:effectRef>
+          <a:fontRef idx="minor">
+            <a:schemeClr val="lt1"/>
+          </a:fontRef>
+        </p:style>
+        <p:txBody>
+          <a:bodyPr rtlCol="0" anchor="ctr"/>
+          <a:lstStyle/>
+          <a:p>
+            <a:pPr algn="ctr"/>
+            <a:endParaRPr lang="ko-KR" altLang="en-US"/>
+          </a:p>
+        </p:txBody>
+      </p:sp>
     </p:spTree>
     <p:extLst>
       <p:ext uri="{BB962C8B-B14F-4D97-AF65-F5344CB8AC3E}">
-        <p14:creationId xmlns:p14="http://schemas.microsoft.com/office/powerpoint/2010/main" val="3098877981"/>
+        <p14:creationId xmlns:p14="http://schemas.microsoft.com/office/powerpoint/2010/main" val="500007181"/>
       </p:ext>
     </p:extLst>
   </p:cSld>
@@ -8709,10 +8961,566 @@
           </a:fontRef>
         </p:style>
       </p:cxnSp>
+      <p:sp>
+        <p:nvSpPr>
+          <p:cNvPr id="2" name="직사각형 1">
+            <a:extLst>
+              <a:ext uri="{FF2B5EF4-FFF2-40B4-BE49-F238E27FC236}">
+                <a16:creationId xmlns:a16="http://schemas.microsoft.com/office/drawing/2014/main" id="{0CFC8C90-102C-49EF-9634-FE216F906B34}"/>
+              </a:ext>
+            </a:extLst>
+          </p:cNvPr>
+          <p:cNvSpPr/>
+          <p:nvPr/>
+        </p:nvSpPr>
+        <p:spPr>
+          <a:xfrm>
+            <a:off x="502540" y="1250642"/>
+            <a:ext cx="448888" cy="448888"/>
+          </a:xfrm>
+          <a:prstGeom prst="rect">
+            <a:avLst/>
+          </a:prstGeom>
+          <a:solidFill>
+            <a:schemeClr val="bg1"/>
+          </a:solidFill>
+          <a:ln>
+            <a:solidFill>
+              <a:schemeClr val="tx1"/>
+            </a:solidFill>
+          </a:ln>
+        </p:spPr>
+        <p:style>
+          <a:lnRef idx="2">
+            <a:schemeClr val="accent1">
+              <a:shade val="50000"/>
+            </a:schemeClr>
+          </a:lnRef>
+          <a:fillRef idx="1">
+            <a:schemeClr val="accent1"/>
+          </a:fillRef>
+          <a:effectRef idx="0">
+            <a:schemeClr val="accent1"/>
+          </a:effectRef>
+          <a:fontRef idx="minor">
+            <a:schemeClr val="lt1"/>
+          </a:fontRef>
+        </p:style>
+        <p:txBody>
+          <a:bodyPr rtlCol="0" anchor="ctr"/>
+          <a:lstStyle/>
+          <a:p>
+            <a:pPr algn="ctr"/>
+            <a:endParaRPr lang="ko-KR" altLang="en-US"/>
+          </a:p>
+        </p:txBody>
+      </p:sp>
+      <p:sp>
+        <p:nvSpPr>
+          <p:cNvPr id="8" name="TextBox 7">
+            <a:extLst>
+              <a:ext uri="{FF2B5EF4-FFF2-40B4-BE49-F238E27FC236}">
+                <a16:creationId xmlns:a16="http://schemas.microsoft.com/office/drawing/2014/main" id="{FAEF27F8-C70D-4D8B-ADA8-E17741A4BDB6}"/>
+              </a:ext>
+            </a:extLst>
+          </p:cNvPr>
+          <p:cNvSpPr txBox="1"/>
+          <p:nvPr/>
+        </p:nvSpPr>
+        <p:spPr>
+          <a:xfrm>
+            <a:off x="1079876" y="1213476"/>
+            <a:ext cx="2236510" cy="523220"/>
+          </a:xfrm>
+          <a:prstGeom prst="rect">
+            <a:avLst/>
+          </a:prstGeom>
+          <a:noFill/>
+        </p:spPr>
+        <p:txBody>
+          <a:bodyPr wrap="none" rtlCol="0">
+            <a:spAutoFit/>
+          </a:bodyPr>
+          <a:lstStyle/>
+          <a:p>
+            <a:r>
+              <a:rPr lang="ko-KR" altLang="en-US" sz="2800">
+                <a:latin typeface="나눔스퀘어OTF Light" panose="020B0600000101010101" pitchFamily="34" charset="-127"/>
+                <a:ea typeface="나눔스퀘어OTF Light" panose="020B0600000101010101" pitchFamily="34" charset="-127"/>
+              </a:rPr>
+              <a:t>사운드 매니저</a:t>
+            </a:r>
+            <a:endParaRPr lang="en-US" altLang="ko-KR" sz="2800">
+              <a:latin typeface="나눔스퀘어OTF Light" panose="020B0600000101010101" pitchFamily="34" charset="-127"/>
+              <a:ea typeface="나눔스퀘어OTF Light" panose="020B0600000101010101" pitchFamily="34" charset="-127"/>
+            </a:endParaRPr>
+          </a:p>
+        </p:txBody>
+      </p:sp>
+      <p:sp>
+        <p:nvSpPr>
+          <p:cNvPr id="9" name="TextBox 8">
+            <a:extLst>
+              <a:ext uri="{FF2B5EF4-FFF2-40B4-BE49-F238E27FC236}">
+                <a16:creationId xmlns:a16="http://schemas.microsoft.com/office/drawing/2014/main" id="{7F179D57-8153-49E5-B4E8-357FDE3BB197}"/>
+              </a:ext>
+            </a:extLst>
+          </p:cNvPr>
+          <p:cNvSpPr txBox="1"/>
+          <p:nvPr/>
+        </p:nvSpPr>
+        <p:spPr>
+          <a:xfrm>
+            <a:off x="1079876" y="1736696"/>
+            <a:ext cx="3717684" cy="707886"/>
+          </a:xfrm>
+          <a:prstGeom prst="rect">
+            <a:avLst/>
+          </a:prstGeom>
+          <a:noFill/>
+        </p:spPr>
+        <p:txBody>
+          <a:bodyPr wrap="none" rtlCol="0">
+            <a:spAutoFit/>
+          </a:bodyPr>
+          <a:lstStyle/>
+          <a:p>
+            <a:r>
+              <a:rPr lang="en-US" altLang="ko-KR" sz="2000">
+                <a:latin typeface="나눔스퀘어OTF Light" panose="020B0600000101010101" pitchFamily="34" charset="-127"/>
+                <a:ea typeface="나눔스퀘어OTF Light" panose="020B0600000101010101" pitchFamily="34" charset="-127"/>
+              </a:rPr>
+              <a:t>Audio Source </a:t>
+            </a:r>
+            <a:r>
+              <a:rPr lang="ko-KR" altLang="en-US" sz="2000">
+                <a:latin typeface="나눔스퀘어OTF Light" panose="020B0600000101010101" pitchFamily="34" charset="-127"/>
+                <a:ea typeface="나눔스퀘어OTF Light" panose="020B0600000101010101" pitchFamily="34" charset="-127"/>
+              </a:rPr>
+              <a:t>들을 갖고 있음</a:t>
+            </a:r>
+            <a:endParaRPr lang="en-US" altLang="ko-KR" sz="2000">
+              <a:latin typeface="나눔스퀘어OTF Light" panose="020B0600000101010101" pitchFamily="34" charset="-127"/>
+              <a:ea typeface="나눔스퀘어OTF Light" panose="020B0600000101010101" pitchFamily="34" charset="-127"/>
+            </a:endParaRPr>
+          </a:p>
+          <a:p>
+            <a:r>
+              <a:rPr lang="ko-KR" altLang="en-US" sz="2000">
+                <a:latin typeface="나눔스퀘어OTF Light" panose="020B0600000101010101" pitchFamily="34" charset="-127"/>
+                <a:ea typeface="나눔스퀘어OTF Light" panose="020B0600000101010101" pitchFamily="34" charset="-127"/>
+              </a:rPr>
+              <a:t>소리들을 제어하기 위한 컴포넌트</a:t>
+            </a:r>
+            <a:endParaRPr lang="en-US" altLang="ko-KR" sz="2000">
+              <a:latin typeface="나눔스퀘어OTF Light" panose="020B0600000101010101" pitchFamily="34" charset="-127"/>
+              <a:ea typeface="나눔스퀘어OTF Light" panose="020B0600000101010101" pitchFamily="34" charset="-127"/>
+            </a:endParaRPr>
+          </a:p>
+        </p:txBody>
+      </p:sp>
+      <p:grpSp>
+        <p:nvGrpSpPr>
+          <p:cNvPr id="3" name="그룹 2">
+            <a:extLst>
+              <a:ext uri="{FF2B5EF4-FFF2-40B4-BE49-F238E27FC236}">
+                <a16:creationId xmlns:a16="http://schemas.microsoft.com/office/drawing/2014/main" id="{62CF9159-82BE-4C5D-8CA1-898A33E639D0}"/>
+              </a:ext>
+            </a:extLst>
+          </p:cNvPr>
+          <p:cNvGrpSpPr/>
+          <p:nvPr/>
+        </p:nvGrpSpPr>
+        <p:grpSpPr>
+          <a:xfrm>
+            <a:off x="2205538" y="3266902"/>
+            <a:ext cx="2667397" cy="2283296"/>
+            <a:chOff x="2205538" y="3266902"/>
+            <a:chExt cx="2667397" cy="2283296"/>
+          </a:xfrm>
+        </p:grpSpPr>
+        <p:sp>
+          <p:nvSpPr>
+            <p:cNvPr id="10" name="타원 9">
+              <a:extLst>
+                <a:ext uri="{FF2B5EF4-FFF2-40B4-BE49-F238E27FC236}">
+                  <a16:creationId xmlns:a16="http://schemas.microsoft.com/office/drawing/2014/main" id="{893FDCBC-393E-41C5-A67C-D924376AA723}"/>
+                </a:ext>
+              </a:extLst>
+            </p:cNvPr>
+            <p:cNvSpPr/>
+            <p:nvPr/>
+          </p:nvSpPr>
+          <p:spPr>
+            <a:xfrm>
+              <a:off x="2870063" y="3266902"/>
+              <a:ext cx="1338349" cy="1338349"/>
+            </a:xfrm>
+            <a:prstGeom prst="ellipse">
+              <a:avLst/>
+            </a:prstGeom>
+            <a:solidFill>
+              <a:schemeClr val="bg1"/>
+            </a:solidFill>
+            <a:ln>
+              <a:solidFill>
+                <a:schemeClr val="tx1"/>
+              </a:solidFill>
+            </a:ln>
+          </p:spPr>
+          <p:style>
+            <a:lnRef idx="2">
+              <a:schemeClr val="accent1">
+                <a:shade val="50000"/>
+              </a:schemeClr>
+            </a:lnRef>
+            <a:fillRef idx="1">
+              <a:schemeClr val="accent1"/>
+            </a:fillRef>
+            <a:effectRef idx="0">
+              <a:schemeClr val="accent1"/>
+            </a:effectRef>
+            <a:fontRef idx="minor">
+              <a:schemeClr val="lt1"/>
+            </a:fontRef>
+          </p:style>
+          <p:txBody>
+            <a:bodyPr rtlCol="0" anchor="ctr"/>
+            <a:lstStyle/>
+            <a:p>
+              <a:pPr algn="ctr"/>
+              <a:endParaRPr lang="ko-KR" altLang="en-US"/>
+            </a:p>
+          </p:txBody>
+        </p:sp>
+        <p:sp>
+          <p:nvSpPr>
+            <p:cNvPr id="11" name="TextBox 10">
+              <a:extLst>
+                <a:ext uri="{FF2B5EF4-FFF2-40B4-BE49-F238E27FC236}">
+                  <a16:creationId xmlns:a16="http://schemas.microsoft.com/office/drawing/2014/main" id="{6F183C87-E1E8-4D7F-B4DA-E858762D5BBB}"/>
+                </a:ext>
+              </a:extLst>
+            </p:cNvPr>
+            <p:cNvSpPr txBox="1"/>
+            <p:nvPr/>
+          </p:nvSpPr>
+          <p:spPr>
+            <a:xfrm>
+              <a:off x="2205538" y="4842312"/>
+              <a:ext cx="2667397" cy="707886"/>
+            </a:xfrm>
+            <a:prstGeom prst="rect">
+              <a:avLst/>
+            </a:prstGeom>
+            <a:noFill/>
+          </p:spPr>
+          <p:txBody>
+            <a:bodyPr wrap="none" rtlCol="0">
+              <a:spAutoFit/>
+            </a:bodyPr>
+            <a:lstStyle/>
+            <a:p>
+              <a:pPr algn="ctr"/>
+              <a:r>
+                <a:rPr lang="ko-KR" altLang="en-US" sz="2000">
+                  <a:latin typeface="나눔스퀘어OTF Light" panose="020B0600000101010101" pitchFamily="34" charset="-127"/>
+                  <a:ea typeface="나눔스퀘어OTF Light" panose="020B0600000101010101" pitchFamily="34" charset="-127"/>
+                </a:rPr>
+                <a:t>오브젝트</a:t>
+              </a:r>
+              <a:endParaRPr lang="en-US" altLang="ko-KR" sz="2000">
+                <a:latin typeface="나눔스퀘어OTF Light" panose="020B0600000101010101" pitchFamily="34" charset="-127"/>
+                <a:ea typeface="나눔스퀘어OTF Light" panose="020B0600000101010101" pitchFamily="34" charset="-127"/>
+              </a:endParaRPr>
+            </a:p>
+            <a:p>
+              <a:pPr algn="ctr"/>
+              <a:r>
+                <a:rPr lang="en-US" altLang="ko-KR" sz="2000">
+                  <a:latin typeface="나눔스퀘어OTF Light" panose="020B0600000101010101" pitchFamily="34" charset="-127"/>
+                  <a:ea typeface="나눔스퀘어OTF Light" panose="020B0600000101010101" pitchFamily="34" charset="-127"/>
+                </a:rPr>
+                <a:t>(Audio</a:t>
+              </a:r>
+              <a:r>
+                <a:rPr lang="ko-KR" altLang="en-US" sz="2000">
+                  <a:latin typeface="나눔스퀘어OTF Light" panose="020B0600000101010101" pitchFamily="34" charset="-127"/>
+                  <a:ea typeface="나눔스퀘어OTF Light" panose="020B0600000101010101" pitchFamily="34" charset="-127"/>
+                </a:rPr>
+                <a:t> </a:t>
+              </a:r>
+              <a:r>
+                <a:rPr lang="en-US" altLang="ko-KR" sz="2000">
+                  <a:latin typeface="나눔스퀘어OTF Light" panose="020B0600000101010101" pitchFamily="34" charset="-127"/>
+                  <a:ea typeface="나눔스퀘어OTF Light" panose="020B0600000101010101" pitchFamily="34" charset="-127"/>
+                </a:rPr>
+                <a:t>Source</a:t>
+              </a:r>
+              <a:r>
+                <a:rPr lang="ko-KR" altLang="en-US" sz="2000">
+                  <a:latin typeface="나눔스퀘어OTF Light" panose="020B0600000101010101" pitchFamily="34" charset="-127"/>
+                  <a:ea typeface="나눔스퀘어OTF Light" panose="020B0600000101010101" pitchFamily="34" charset="-127"/>
+                </a:rPr>
+                <a:t>가 없음</a:t>
+              </a:r>
+              <a:r>
+                <a:rPr lang="en-US" altLang="ko-KR" sz="2000">
+                  <a:latin typeface="나눔스퀘어OTF Light" panose="020B0600000101010101" pitchFamily="34" charset="-127"/>
+                  <a:ea typeface="나눔스퀘어OTF Light" panose="020B0600000101010101" pitchFamily="34" charset="-127"/>
+                </a:rPr>
+                <a:t>)</a:t>
+              </a:r>
+            </a:p>
+          </p:txBody>
+        </p:sp>
+      </p:grpSp>
+      <p:grpSp>
+        <p:nvGrpSpPr>
+          <p:cNvPr id="12" name="그룹 11">
+            <a:extLst>
+              <a:ext uri="{FF2B5EF4-FFF2-40B4-BE49-F238E27FC236}">
+                <a16:creationId xmlns:a16="http://schemas.microsoft.com/office/drawing/2014/main" id="{882B295D-5393-45A8-93DA-536C6EAB2809}"/>
+              </a:ext>
+            </a:extLst>
+          </p:cNvPr>
+          <p:cNvGrpSpPr/>
+          <p:nvPr/>
+        </p:nvGrpSpPr>
+        <p:grpSpPr>
+          <a:xfrm>
+            <a:off x="7319065" y="3266902"/>
+            <a:ext cx="2667397" cy="2283296"/>
+            <a:chOff x="2205538" y="3266902"/>
+            <a:chExt cx="2667397" cy="2283296"/>
+          </a:xfrm>
+        </p:grpSpPr>
+        <p:sp>
+          <p:nvSpPr>
+            <p:cNvPr id="13" name="타원 12">
+              <a:extLst>
+                <a:ext uri="{FF2B5EF4-FFF2-40B4-BE49-F238E27FC236}">
+                  <a16:creationId xmlns:a16="http://schemas.microsoft.com/office/drawing/2014/main" id="{A9D700FB-CB81-4BFD-88FA-5BECBF22F1A9}"/>
+                </a:ext>
+              </a:extLst>
+            </p:cNvPr>
+            <p:cNvSpPr/>
+            <p:nvPr/>
+          </p:nvSpPr>
+          <p:spPr>
+            <a:xfrm>
+              <a:off x="2870063" y="3266902"/>
+              <a:ext cx="1338349" cy="1338349"/>
+            </a:xfrm>
+            <a:prstGeom prst="ellipse">
+              <a:avLst/>
+            </a:prstGeom>
+            <a:solidFill>
+              <a:schemeClr val="bg1"/>
+            </a:solidFill>
+            <a:ln>
+              <a:solidFill>
+                <a:schemeClr val="tx1"/>
+              </a:solidFill>
+            </a:ln>
+          </p:spPr>
+          <p:style>
+            <a:lnRef idx="2">
+              <a:schemeClr val="accent1">
+                <a:shade val="50000"/>
+              </a:schemeClr>
+            </a:lnRef>
+            <a:fillRef idx="1">
+              <a:schemeClr val="accent1"/>
+            </a:fillRef>
+            <a:effectRef idx="0">
+              <a:schemeClr val="accent1"/>
+            </a:effectRef>
+            <a:fontRef idx="minor">
+              <a:schemeClr val="lt1"/>
+            </a:fontRef>
+          </p:style>
+          <p:txBody>
+            <a:bodyPr rtlCol="0" anchor="ctr"/>
+            <a:lstStyle/>
+            <a:p>
+              <a:pPr algn="ctr"/>
+              <a:endParaRPr lang="ko-KR" altLang="en-US"/>
+            </a:p>
+          </p:txBody>
+        </p:sp>
+        <p:sp>
+          <p:nvSpPr>
+            <p:cNvPr id="14" name="TextBox 13">
+              <a:extLst>
+                <a:ext uri="{FF2B5EF4-FFF2-40B4-BE49-F238E27FC236}">
+                  <a16:creationId xmlns:a16="http://schemas.microsoft.com/office/drawing/2014/main" id="{1318D18B-0875-4EEB-8388-7D24F5798133}"/>
+                </a:ext>
+              </a:extLst>
+            </p:cNvPr>
+            <p:cNvSpPr txBox="1"/>
+            <p:nvPr/>
+          </p:nvSpPr>
+          <p:spPr>
+            <a:xfrm>
+              <a:off x="2205538" y="4842312"/>
+              <a:ext cx="2667397" cy="707886"/>
+            </a:xfrm>
+            <a:prstGeom prst="rect">
+              <a:avLst/>
+            </a:prstGeom>
+            <a:noFill/>
+          </p:spPr>
+          <p:txBody>
+            <a:bodyPr wrap="none" rtlCol="0">
+              <a:spAutoFit/>
+            </a:bodyPr>
+            <a:lstStyle/>
+            <a:p>
+              <a:pPr algn="ctr"/>
+              <a:r>
+                <a:rPr lang="ko-KR" altLang="en-US" sz="2000">
+                  <a:latin typeface="나눔스퀘어OTF Light" panose="020B0600000101010101" pitchFamily="34" charset="-127"/>
+                  <a:ea typeface="나눔스퀘어OTF Light" panose="020B0600000101010101" pitchFamily="34" charset="-127"/>
+                </a:rPr>
+                <a:t>오브젝트</a:t>
+              </a:r>
+              <a:endParaRPr lang="en-US" altLang="ko-KR" sz="2000">
+                <a:latin typeface="나눔스퀘어OTF Light" panose="020B0600000101010101" pitchFamily="34" charset="-127"/>
+                <a:ea typeface="나눔스퀘어OTF Light" panose="020B0600000101010101" pitchFamily="34" charset="-127"/>
+              </a:endParaRPr>
+            </a:p>
+            <a:p>
+              <a:pPr algn="ctr"/>
+              <a:r>
+                <a:rPr lang="en-US" altLang="ko-KR" sz="2000">
+                  <a:latin typeface="나눔스퀘어OTF Light" panose="020B0600000101010101" pitchFamily="34" charset="-127"/>
+                  <a:ea typeface="나눔스퀘어OTF Light" panose="020B0600000101010101" pitchFamily="34" charset="-127"/>
+                </a:rPr>
+                <a:t>(Audio</a:t>
+              </a:r>
+              <a:r>
+                <a:rPr lang="ko-KR" altLang="en-US" sz="2000">
+                  <a:latin typeface="나눔스퀘어OTF Light" panose="020B0600000101010101" pitchFamily="34" charset="-127"/>
+                  <a:ea typeface="나눔스퀘어OTF Light" panose="020B0600000101010101" pitchFamily="34" charset="-127"/>
+                </a:rPr>
+                <a:t> </a:t>
+              </a:r>
+              <a:r>
+                <a:rPr lang="en-US" altLang="ko-KR" sz="2000">
+                  <a:latin typeface="나눔스퀘어OTF Light" panose="020B0600000101010101" pitchFamily="34" charset="-127"/>
+                  <a:ea typeface="나눔스퀘어OTF Light" panose="020B0600000101010101" pitchFamily="34" charset="-127"/>
+                </a:rPr>
+                <a:t>Source</a:t>
+              </a:r>
+              <a:r>
+                <a:rPr lang="ko-KR" altLang="en-US" sz="2000">
+                  <a:latin typeface="나눔스퀘어OTF Light" panose="020B0600000101010101" pitchFamily="34" charset="-127"/>
+                  <a:ea typeface="나눔스퀘어OTF Light" panose="020B0600000101010101" pitchFamily="34" charset="-127"/>
+                </a:rPr>
+                <a:t>가 없음</a:t>
+              </a:r>
+              <a:r>
+                <a:rPr lang="en-US" altLang="ko-KR" sz="2000">
+                  <a:latin typeface="나눔스퀘어OTF Light" panose="020B0600000101010101" pitchFamily="34" charset="-127"/>
+                  <a:ea typeface="나눔스퀘어OTF Light" panose="020B0600000101010101" pitchFamily="34" charset="-127"/>
+                </a:rPr>
+                <a:t>)</a:t>
+              </a:r>
+            </a:p>
+          </p:txBody>
+        </p:sp>
+      </p:grpSp>
+      <p:cxnSp>
+        <p:nvCxnSpPr>
+          <p:cNvPr id="16" name="직선 화살표 연결선 15">
+            <a:extLst>
+              <a:ext uri="{FF2B5EF4-FFF2-40B4-BE49-F238E27FC236}">
+                <a16:creationId xmlns:a16="http://schemas.microsoft.com/office/drawing/2014/main" id="{3EF6DB44-786D-407A-9384-322D4428B32C}"/>
+              </a:ext>
+            </a:extLst>
+          </p:cNvPr>
+          <p:cNvCxnSpPr/>
+          <p:nvPr/>
+        </p:nvCxnSpPr>
+        <p:spPr>
+          <a:xfrm flipH="1" flipV="1">
+            <a:off x="1786651" y="2699056"/>
+            <a:ext cx="822960" cy="839585"/>
+          </a:xfrm>
+          <a:prstGeom prst="straightConnector1">
+            <a:avLst/>
+          </a:prstGeom>
+          <a:ln w="19050">
+            <a:solidFill>
+              <a:schemeClr val="tx1"/>
+            </a:solidFill>
+            <a:tailEnd type="triangle"/>
+          </a:ln>
+        </p:spPr>
+        <p:style>
+          <a:lnRef idx="1">
+            <a:schemeClr val="accent1"/>
+          </a:lnRef>
+          <a:fillRef idx="0">
+            <a:schemeClr val="accent1"/>
+          </a:fillRef>
+          <a:effectRef idx="0">
+            <a:schemeClr val="accent1"/>
+          </a:effectRef>
+          <a:fontRef idx="minor">
+            <a:schemeClr val="tx1"/>
+          </a:fontRef>
+        </p:style>
+      </p:cxnSp>
+      <p:cxnSp>
+        <p:nvCxnSpPr>
+          <p:cNvPr id="17" name="직선 화살표 연결선 16">
+            <a:extLst>
+              <a:ext uri="{FF2B5EF4-FFF2-40B4-BE49-F238E27FC236}">
+                <a16:creationId xmlns:a16="http://schemas.microsoft.com/office/drawing/2014/main" id="{438236BB-C27F-43A4-93A8-798740423B69}"/>
+              </a:ext>
+            </a:extLst>
+          </p:cNvPr>
+          <p:cNvCxnSpPr>
+            <a:cxnSpLocks/>
+          </p:cNvCxnSpPr>
+          <p:nvPr/>
+        </p:nvCxnSpPr>
+        <p:spPr>
+          <a:xfrm flipH="1" flipV="1">
+            <a:off x="4872935" y="2557427"/>
+            <a:ext cx="2907778" cy="1050298"/>
+          </a:xfrm>
+          <a:prstGeom prst="straightConnector1">
+            <a:avLst/>
+          </a:prstGeom>
+          <a:ln w="19050">
+            <a:solidFill>
+              <a:schemeClr val="tx1"/>
+            </a:solidFill>
+            <a:tailEnd type="triangle"/>
+          </a:ln>
+        </p:spPr>
+        <p:style>
+          <a:lnRef idx="1">
+            <a:schemeClr val="accent1"/>
+          </a:lnRef>
+          <a:fillRef idx="0">
+            <a:schemeClr val="accent1"/>
+          </a:fillRef>
+          <a:effectRef idx="0">
+            <a:schemeClr val="accent1"/>
+          </a:effectRef>
+          <a:fontRef idx="minor">
+            <a:schemeClr val="tx1"/>
+          </a:fontRef>
+        </p:style>
+      </p:cxnSp>
     </p:spTree>
     <p:extLst>
       <p:ext uri="{BB962C8B-B14F-4D97-AF65-F5344CB8AC3E}">
-        <p14:creationId xmlns:p14="http://schemas.microsoft.com/office/powerpoint/2010/main" val="2682452554"/>
+        <p14:creationId xmlns:p14="http://schemas.microsoft.com/office/powerpoint/2010/main" val="3098877981"/>
       </p:ext>
     </p:extLst>
   </p:cSld>
@@ -8753,8 +9561,8 @@
         </p:nvSpPr>
         <p:spPr>
           <a:xfrm>
-            <a:off x="5770431" y="2629032"/>
-            <a:ext cx="651140" cy="707886"/>
+            <a:off x="171888" y="194702"/>
+            <a:ext cx="2698175" cy="523220"/>
           </a:xfrm>
           <a:prstGeom prst="rect">
             <a:avLst/>
@@ -8767,58 +9575,19 @@
           </a:bodyPr>
           <a:lstStyle/>
           <a:p>
-            <a:pPr algn="ctr"/>
-            <a:r>
-              <a:rPr lang="ko-KR" altLang="en-US" sz="4000">
-                <a:latin typeface="나눔스퀘어OTF Light" panose="020B0600000101010101" pitchFamily="34" charset="-127"/>
-                <a:ea typeface="나눔스퀘어OTF Light" panose="020B0600000101010101" pitchFamily="34" charset="-127"/>
-              </a:rPr>
-              <a:t>끝</a:t>
-            </a:r>
-          </a:p>
-        </p:txBody>
-      </p:sp>
-      <p:sp>
-        <p:nvSpPr>
-          <p:cNvPr id="3" name="TextBox 2">
-            <a:extLst>
-              <a:ext uri="{FF2B5EF4-FFF2-40B4-BE49-F238E27FC236}">
-                <a16:creationId xmlns:a16="http://schemas.microsoft.com/office/drawing/2014/main" id="{3D4DB731-0D09-4D43-B30D-F113660223A3}"/>
-              </a:ext>
-            </a:extLst>
-          </p:cNvPr>
-          <p:cNvSpPr txBox="1"/>
-          <p:nvPr/>
-        </p:nvSpPr>
-        <p:spPr>
-          <a:xfrm>
-            <a:off x="3595155" y="3336918"/>
-            <a:ext cx="917239" cy="400110"/>
-          </a:xfrm>
-          <a:prstGeom prst="rect">
-            <a:avLst/>
-          </a:prstGeom>
-          <a:noFill/>
-        </p:spPr>
-        <p:txBody>
-          <a:bodyPr wrap="none" rtlCol="0">
-            <a:spAutoFit/>
-          </a:bodyPr>
-          <a:lstStyle/>
-          <a:p>
-            <a:r>
-              <a:rPr lang="en-US" altLang="ko-KR" sz="2000">
-                <a:latin typeface="나눔스퀘어OTF Light" panose="020B0600000101010101" pitchFamily="34" charset="-127"/>
-                <a:ea typeface="나눔스퀘어OTF Light" panose="020B0600000101010101" pitchFamily="34" charset="-127"/>
-              </a:rPr>
-              <a:t>1. </a:t>
-            </a:r>
-            <a:r>
-              <a:rPr lang="ko-KR" altLang="en-US" sz="2000">
-                <a:latin typeface="나눔스퀘어OTF Light" panose="020B0600000101010101" pitchFamily="34" charset="-127"/>
-                <a:ea typeface="나눔스퀘어OTF Light" panose="020B0600000101010101" pitchFamily="34" charset="-127"/>
-              </a:rPr>
-              <a:t>소리</a:t>
+            <a:r>
+              <a:rPr lang="en-US" altLang="ko-KR" sz="2800">
+                <a:latin typeface="나눔스퀘어OTF Light" panose="020B0600000101010101" pitchFamily="34" charset="-127"/>
+                <a:ea typeface="나눔스퀘어OTF Light" panose="020B0600000101010101" pitchFamily="34" charset="-127"/>
+              </a:rPr>
+              <a:t>4. </a:t>
+            </a:r>
+            <a:r>
+              <a:rPr lang="ko-KR" altLang="en-US" sz="2800">
+                <a:latin typeface="나눔스퀘어OTF Light" panose="020B0600000101010101" pitchFamily="34" charset="-127"/>
+                <a:ea typeface="나눔스퀘어OTF Light" panose="020B0600000101010101" pitchFamily="34" charset="-127"/>
+              </a:rPr>
+              <a:t>사운드 매니저</a:t>
             </a:r>
           </a:p>
         </p:txBody>
@@ -8832,13 +9601,15 @@
               </a:ext>
             </a:extLst>
           </p:cNvPr>
-          <p:cNvCxnSpPr/>
+          <p:cNvCxnSpPr>
+            <a:cxnSpLocks/>
+          </p:cNvCxnSpPr>
           <p:nvPr/>
         </p:nvCxnSpPr>
         <p:spPr>
           <a:xfrm>
-            <a:off x="3642861" y="3328967"/>
-            <a:ext cx="4858247" cy="0"/>
+            <a:off x="132133" y="780690"/>
+            <a:ext cx="819295" cy="0"/>
           </a:xfrm>
           <a:prstGeom prst="line">
             <a:avLst/>
@@ -8864,10 +9635,1699 @@
           </a:fontRef>
         </p:style>
       </p:cxnSp>
+      <p:sp>
+        <p:nvSpPr>
+          <p:cNvPr id="2" name="직사각형 1">
+            <a:extLst>
+              <a:ext uri="{FF2B5EF4-FFF2-40B4-BE49-F238E27FC236}">
+                <a16:creationId xmlns:a16="http://schemas.microsoft.com/office/drawing/2014/main" id="{0CFC8C90-102C-49EF-9634-FE216F906B34}"/>
+              </a:ext>
+            </a:extLst>
+          </p:cNvPr>
+          <p:cNvSpPr/>
+          <p:nvPr/>
+        </p:nvSpPr>
+        <p:spPr>
+          <a:xfrm>
+            <a:off x="4126889" y="1990474"/>
+            <a:ext cx="448888" cy="448888"/>
+          </a:xfrm>
+          <a:prstGeom prst="rect">
+            <a:avLst/>
+          </a:prstGeom>
+          <a:solidFill>
+            <a:schemeClr val="bg1"/>
+          </a:solidFill>
+          <a:ln>
+            <a:solidFill>
+              <a:schemeClr val="tx1"/>
+            </a:solidFill>
+          </a:ln>
+        </p:spPr>
+        <p:style>
+          <a:lnRef idx="2">
+            <a:schemeClr val="accent1">
+              <a:shade val="50000"/>
+            </a:schemeClr>
+          </a:lnRef>
+          <a:fillRef idx="1">
+            <a:schemeClr val="accent1"/>
+          </a:fillRef>
+          <a:effectRef idx="0">
+            <a:schemeClr val="accent1"/>
+          </a:effectRef>
+          <a:fontRef idx="minor">
+            <a:schemeClr val="lt1"/>
+          </a:fontRef>
+        </p:style>
+        <p:txBody>
+          <a:bodyPr rtlCol="0" anchor="ctr"/>
+          <a:lstStyle/>
+          <a:p>
+            <a:pPr algn="ctr"/>
+            <a:endParaRPr lang="ko-KR" altLang="en-US"/>
+          </a:p>
+        </p:txBody>
+      </p:sp>
+      <p:sp>
+        <p:nvSpPr>
+          <p:cNvPr id="8" name="TextBox 7">
+            <a:extLst>
+              <a:ext uri="{FF2B5EF4-FFF2-40B4-BE49-F238E27FC236}">
+                <a16:creationId xmlns:a16="http://schemas.microsoft.com/office/drawing/2014/main" id="{FAEF27F8-C70D-4D8B-ADA8-E17741A4BDB6}"/>
+              </a:ext>
+            </a:extLst>
+          </p:cNvPr>
+          <p:cNvSpPr txBox="1"/>
+          <p:nvPr/>
+        </p:nvSpPr>
+        <p:spPr>
+          <a:xfrm>
+            <a:off x="4704225" y="1953308"/>
+            <a:ext cx="2236510" cy="523220"/>
+          </a:xfrm>
+          <a:prstGeom prst="rect">
+            <a:avLst/>
+          </a:prstGeom>
+          <a:noFill/>
+        </p:spPr>
+        <p:txBody>
+          <a:bodyPr wrap="none" rtlCol="0">
+            <a:spAutoFit/>
+          </a:bodyPr>
+          <a:lstStyle/>
+          <a:p>
+            <a:r>
+              <a:rPr lang="ko-KR" altLang="en-US" sz="2800">
+                <a:latin typeface="나눔스퀘어OTF Light" panose="020B0600000101010101" pitchFamily="34" charset="-127"/>
+                <a:ea typeface="나눔스퀘어OTF Light" panose="020B0600000101010101" pitchFamily="34" charset="-127"/>
+              </a:rPr>
+              <a:t>사운드 매니저</a:t>
+            </a:r>
+            <a:endParaRPr lang="en-US" altLang="ko-KR" sz="2800">
+              <a:latin typeface="나눔스퀘어OTF Light" panose="020B0600000101010101" pitchFamily="34" charset="-127"/>
+              <a:ea typeface="나눔스퀘어OTF Light" panose="020B0600000101010101" pitchFamily="34" charset="-127"/>
+            </a:endParaRPr>
+          </a:p>
+        </p:txBody>
+      </p:sp>
+      <p:sp>
+        <p:nvSpPr>
+          <p:cNvPr id="9" name="TextBox 8">
+            <a:extLst>
+              <a:ext uri="{FF2B5EF4-FFF2-40B4-BE49-F238E27FC236}">
+                <a16:creationId xmlns:a16="http://schemas.microsoft.com/office/drawing/2014/main" id="{7F179D57-8153-49E5-B4E8-357FDE3BB197}"/>
+              </a:ext>
+            </a:extLst>
+          </p:cNvPr>
+          <p:cNvSpPr txBox="1"/>
+          <p:nvPr/>
+        </p:nvSpPr>
+        <p:spPr>
+          <a:xfrm>
+            <a:off x="4704225" y="2476528"/>
+            <a:ext cx="3717684" cy="707886"/>
+          </a:xfrm>
+          <a:prstGeom prst="rect">
+            <a:avLst/>
+          </a:prstGeom>
+          <a:noFill/>
+        </p:spPr>
+        <p:txBody>
+          <a:bodyPr wrap="none" rtlCol="0">
+            <a:spAutoFit/>
+          </a:bodyPr>
+          <a:lstStyle/>
+          <a:p>
+            <a:r>
+              <a:rPr lang="en-US" altLang="ko-KR" sz="2000">
+                <a:latin typeface="나눔스퀘어OTF Light" panose="020B0600000101010101" pitchFamily="34" charset="-127"/>
+                <a:ea typeface="나눔스퀘어OTF Light" panose="020B0600000101010101" pitchFamily="34" charset="-127"/>
+              </a:rPr>
+              <a:t>Audio Source </a:t>
+            </a:r>
+            <a:r>
+              <a:rPr lang="ko-KR" altLang="en-US" sz="2000">
+                <a:latin typeface="나눔스퀘어OTF Light" panose="020B0600000101010101" pitchFamily="34" charset="-127"/>
+                <a:ea typeface="나눔스퀘어OTF Light" panose="020B0600000101010101" pitchFamily="34" charset="-127"/>
+              </a:rPr>
+              <a:t>를 갖고 있음</a:t>
+            </a:r>
+            <a:endParaRPr lang="en-US" altLang="ko-KR" sz="2000">
+              <a:latin typeface="나눔스퀘어OTF Light" panose="020B0600000101010101" pitchFamily="34" charset="-127"/>
+              <a:ea typeface="나눔스퀘어OTF Light" panose="020B0600000101010101" pitchFamily="34" charset="-127"/>
+            </a:endParaRPr>
+          </a:p>
+          <a:p>
+            <a:r>
+              <a:rPr lang="ko-KR" altLang="en-US" sz="2000">
+                <a:latin typeface="나눔스퀘어OTF Light" panose="020B0600000101010101" pitchFamily="34" charset="-127"/>
+                <a:ea typeface="나눔스퀘어OTF Light" panose="020B0600000101010101" pitchFamily="34" charset="-127"/>
+              </a:rPr>
+              <a:t>소리들을 제어하기 위한 컴포넌트</a:t>
+            </a:r>
+            <a:endParaRPr lang="en-US" altLang="ko-KR" sz="2000">
+              <a:latin typeface="나눔스퀘어OTF Light" panose="020B0600000101010101" pitchFamily="34" charset="-127"/>
+              <a:ea typeface="나눔스퀘어OTF Light" panose="020B0600000101010101" pitchFamily="34" charset="-127"/>
+            </a:endParaRPr>
+          </a:p>
+        </p:txBody>
+      </p:sp>
+      <p:sp>
+        <p:nvSpPr>
+          <p:cNvPr id="15" name="TextBox 14">
+            <a:extLst>
+              <a:ext uri="{FF2B5EF4-FFF2-40B4-BE49-F238E27FC236}">
+                <a16:creationId xmlns:a16="http://schemas.microsoft.com/office/drawing/2014/main" id="{9439B1E1-2FE4-46D0-BCF9-C008E219274F}"/>
+              </a:ext>
+            </a:extLst>
+          </p:cNvPr>
+          <p:cNvSpPr txBox="1"/>
+          <p:nvPr/>
+        </p:nvSpPr>
+        <p:spPr>
+          <a:xfrm>
+            <a:off x="2781631" y="4010011"/>
+            <a:ext cx="6628738" cy="1015663"/>
+          </a:xfrm>
+          <a:prstGeom prst="rect">
+            <a:avLst/>
+          </a:prstGeom>
+          <a:noFill/>
+        </p:spPr>
+        <p:txBody>
+          <a:bodyPr wrap="none" rtlCol="0">
+            <a:spAutoFit/>
+          </a:bodyPr>
+          <a:lstStyle/>
+          <a:p>
+            <a:r>
+              <a:rPr lang="en-US" altLang="ko-KR" sz="2000">
+                <a:latin typeface="나눔스퀘어OTF Light" panose="020B0600000101010101" pitchFamily="34" charset="-127"/>
+                <a:ea typeface="나눔스퀘어OTF Light" panose="020B0600000101010101" pitchFamily="34" charset="-127"/>
+              </a:rPr>
+              <a:t>1. </a:t>
+            </a:r>
+            <a:r>
+              <a:rPr lang="ko-KR" altLang="en-US" sz="2000">
+                <a:latin typeface="나눔스퀘어OTF Light" panose="020B0600000101010101" pitchFamily="34" charset="-127"/>
+                <a:ea typeface="나눔스퀘어OTF Light" panose="020B0600000101010101" pitchFamily="34" charset="-127"/>
+              </a:rPr>
+              <a:t>오브젝트가 삭제되어도 소리를 재생할 수 있음</a:t>
+            </a:r>
+            <a:endParaRPr lang="en-US" altLang="ko-KR" sz="2000">
+              <a:latin typeface="나눔스퀘어OTF Light" panose="020B0600000101010101" pitchFamily="34" charset="-127"/>
+              <a:ea typeface="나눔스퀘어OTF Light" panose="020B0600000101010101" pitchFamily="34" charset="-127"/>
+            </a:endParaRPr>
+          </a:p>
+          <a:p>
+            <a:r>
+              <a:rPr lang="en-US" altLang="ko-KR" sz="2000">
+                <a:latin typeface="나눔스퀘어OTF Light" panose="020B0600000101010101" pitchFamily="34" charset="-127"/>
+                <a:ea typeface="나눔스퀘어OTF Light" panose="020B0600000101010101" pitchFamily="34" charset="-127"/>
+              </a:rPr>
+              <a:t>2. </a:t>
+            </a:r>
+            <a:r>
+              <a:rPr lang="ko-KR" altLang="en-US" sz="2000">
+                <a:latin typeface="나눔스퀘어OTF Light" panose="020B0600000101010101" pitchFamily="34" charset="-127"/>
+                <a:ea typeface="나눔스퀘어OTF Light" panose="020B0600000101010101" pitchFamily="34" charset="-127"/>
+              </a:rPr>
+              <a:t>오브젝트에 종속적이지 않는 </a:t>
+            </a:r>
+            <a:r>
+              <a:rPr lang="en-US" altLang="ko-KR" sz="2000">
+                <a:latin typeface="나눔스퀘어OTF Light" panose="020B0600000101010101" pitchFamily="34" charset="-127"/>
+                <a:ea typeface="나눔스퀘어OTF Light" panose="020B0600000101010101" pitchFamily="34" charset="-127"/>
+              </a:rPr>
+              <a:t>BGM </a:t>
+            </a:r>
+            <a:r>
+              <a:rPr lang="ko-KR" altLang="en-US" sz="2000">
+                <a:latin typeface="나눔스퀘어OTF Light" panose="020B0600000101010101" pitchFamily="34" charset="-127"/>
+                <a:ea typeface="나눔스퀘어OTF Light" panose="020B0600000101010101" pitchFamily="34" charset="-127"/>
+              </a:rPr>
+              <a:t>등 재생에 적합함</a:t>
+            </a:r>
+            <a:endParaRPr lang="en-US" altLang="ko-KR" sz="2000">
+              <a:latin typeface="나눔스퀘어OTF Light" panose="020B0600000101010101" pitchFamily="34" charset="-127"/>
+              <a:ea typeface="나눔스퀘어OTF Light" panose="020B0600000101010101" pitchFamily="34" charset="-127"/>
+            </a:endParaRPr>
+          </a:p>
+          <a:p>
+            <a:r>
+              <a:rPr lang="en-US" altLang="ko-KR" sz="2000">
+                <a:latin typeface="나눔스퀘어OTF Light" panose="020B0600000101010101" pitchFamily="34" charset="-127"/>
+                <a:ea typeface="나눔스퀘어OTF Light" panose="020B0600000101010101" pitchFamily="34" charset="-127"/>
+              </a:rPr>
+              <a:t>3. </a:t>
+            </a:r>
+            <a:r>
+              <a:rPr lang="ko-KR" altLang="en-US" sz="2000">
+                <a:latin typeface="나눔스퀘어OTF Light" panose="020B0600000101010101" pitchFamily="34" charset="-127"/>
+                <a:ea typeface="나눔스퀘어OTF Light" panose="020B0600000101010101" pitchFamily="34" charset="-127"/>
+              </a:rPr>
+              <a:t>매니저의 위치는 의미가 없기 때문에</a:t>
+            </a:r>
+            <a:r>
+              <a:rPr lang="en-US" altLang="ko-KR" sz="2000">
+                <a:latin typeface="나눔스퀘어OTF Light" panose="020B0600000101010101" pitchFamily="34" charset="-127"/>
+                <a:ea typeface="나눔스퀘어OTF Light" panose="020B0600000101010101" pitchFamily="34" charset="-127"/>
+              </a:rPr>
+              <a:t>, </a:t>
+            </a:r>
+            <a:r>
+              <a:rPr lang="ko-KR" altLang="en-US" sz="2000">
+                <a:latin typeface="나눔스퀘어OTF Light" panose="020B0600000101010101" pitchFamily="34" charset="-127"/>
+                <a:ea typeface="나눔스퀘어OTF Light" panose="020B0600000101010101" pitchFamily="34" charset="-127"/>
+              </a:rPr>
+              <a:t>입체 음향은 불가능함</a:t>
+            </a:r>
+            <a:endParaRPr lang="en-US" altLang="ko-KR" sz="2000">
+              <a:latin typeface="나눔스퀘어OTF Light" panose="020B0600000101010101" pitchFamily="34" charset="-127"/>
+              <a:ea typeface="나눔스퀘어OTF Light" panose="020B0600000101010101" pitchFamily="34" charset="-127"/>
+            </a:endParaRPr>
+          </a:p>
+        </p:txBody>
+      </p:sp>
     </p:spTree>
     <p:extLst>
       <p:ext uri="{BB962C8B-B14F-4D97-AF65-F5344CB8AC3E}">
-        <p14:creationId xmlns:p14="http://schemas.microsoft.com/office/powerpoint/2010/main" val="1544407394"/>
+        <p14:creationId xmlns:p14="http://schemas.microsoft.com/office/powerpoint/2010/main" val="2690003276"/>
+      </p:ext>
+    </p:extLst>
+  </p:cSld>
+  <p:clrMapOvr>
+    <a:masterClrMapping/>
+  </p:clrMapOvr>
+</p:sld>
+</file>
+
+<file path=ppt/slides/slide27.xml><?xml version="1.0" encoding="utf-8"?>
+<p:sld xmlns:a="http://schemas.openxmlformats.org/drawingml/2006/main" xmlns:r="http://schemas.openxmlformats.org/officeDocument/2006/relationships" xmlns:p="http://schemas.openxmlformats.org/presentationml/2006/main">
+  <p:cSld>
+    <p:spTree>
+      <p:nvGrpSpPr>
+        <p:cNvPr id="1" name=""/>
+        <p:cNvGrpSpPr/>
+        <p:nvPr/>
+      </p:nvGrpSpPr>
+      <p:grpSpPr>
+        <a:xfrm>
+          <a:off x="0" y="0"/>
+          <a:ext cx="0" cy="0"/>
+          <a:chOff x="0" y="0"/>
+          <a:chExt cx="0" cy="0"/>
+        </a:xfrm>
+      </p:grpSpPr>
+      <p:sp>
+        <p:nvSpPr>
+          <p:cNvPr id="6" name="TextBox 5">
+            <a:extLst>
+              <a:ext uri="{FF2B5EF4-FFF2-40B4-BE49-F238E27FC236}">
+                <a16:creationId xmlns:a16="http://schemas.microsoft.com/office/drawing/2014/main" id="{F453C929-8CA3-4E79-AF5D-99EC8407C6CF}"/>
+              </a:ext>
+            </a:extLst>
+          </p:cNvPr>
+          <p:cNvSpPr txBox="1"/>
+          <p:nvPr/>
+        </p:nvSpPr>
+        <p:spPr>
+          <a:xfrm>
+            <a:off x="171888" y="194702"/>
+            <a:ext cx="2698175" cy="523220"/>
+          </a:xfrm>
+          <a:prstGeom prst="rect">
+            <a:avLst/>
+          </a:prstGeom>
+          <a:noFill/>
+        </p:spPr>
+        <p:txBody>
+          <a:bodyPr wrap="none" rtlCol="0">
+            <a:spAutoFit/>
+          </a:bodyPr>
+          <a:lstStyle/>
+          <a:p>
+            <a:r>
+              <a:rPr lang="en-US" altLang="ko-KR" sz="2800">
+                <a:latin typeface="나눔스퀘어OTF Light" panose="020B0600000101010101" pitchFamily="34" charset="-127"/>
+                <a:ea typeface="나눔스퀘어OTF Light" panose="020B0600000101010101" pitchFamily="34" charset="-127"/>
+              </a:rPr>
+              <a:t>4. </a:t>
+            </a:r>
+            <a:r>
+              <a:rPr lang="ko-KR" altLang="en-US" sz="2800">
+                <a:latin typeface="나눔스퀘어OTF Light" panose="020B0600000101010101" pitchFamily="34" charset="-127"/>
+                <a:ea typeface="나눔스퀘어OTF Light" panose="020B0600000101010101" pitchFamily="34" charset="-127"/>
+              </a:rPr>
+              <a:t>사운드 매니저</a:t>
+            </a:r>
+          </a:p>
+        </p:txBody>
+      </p:sp>
+      <p:cxnSp>
+        <p:nvCxnSpPr>
+          <p:cNvPr id="4" name="직선 연결선 3">
+            <a:extLst>
+              <a:ext uri="{FF2B5EF4-FFF2-40B4-BE49-F238E27FC236}">
+                <a16:creationId xmlns:a16="http://schemas.microsoft.com/office/drawing/2014/main" id="{7442459B-3DED-44F0-9E4C-B50601FEB425}"/>
+              </a:ext>
+            </a:extLst>
+          </p:cNvPr>
+          <p:cNvCxnSpPr>
+            <a:cxnSpLocks/>
+          </p:cNvCxnSpPr>
+          <p:nvPr/>
+        </p:nvCxnSpPr>
+        <p:spPr>
+          <a:xfrm>
+            <a:off x="132133" y="780690"/>
+            <a:ext cx="819295" cy="0"/>
+          </a:xfrm>
+          <a:prstGeom prst="line">
+            <a:avLst/>
+          </a:prstGeom>
+          <a:ln>
+            <a:solidFill>
+              <a:schemeClr val="tx1"/>
+            </a:solidFill>
+          </a:ln>
+        </p:spPr>
+        <p:style>
+          <a:lnRef idx="1">
+            <a:schemeClr val="accent1"/>
+          </a:lnRef>
+          <a:fillRef idx="0">
+            <a:schemeClr val="accent1"/>
+          </a:fillRef>
+          <a:effectRef idx="0">
+            <a:schemeClr val="accent1"/>
+          </a:effectRef>
+          <a:fontRef idx="minor">
+            <a:schemeClr val="tx1"/>
+          </a:fontRef>
+        </p:style>
+      </p:cxnSp>
+      <p:pic>
+        <p:nvPicPr>
+          <p:cNvPr id="10" name="그림 9">
+            <a:extLst>
+              <a:ext uri="{FF2B5EF4-FFF2-40B4-BE49-F238E27FC236}">
+                <a16:creationId xmlns:a16="http://schemas.microsoft.com/office/drawing/2014/main" id="{67273B74-ACF3-4804-877B-7B3E4D8B9057}"/>
+              </a:ext>
+            </a:extLst>
+          </p:cNvPr>
+          <p:cNvPicPr>
+            <a:picLocks noChangeAspect="1"/>
+          </p:cNvPicPr>
+          <p:nvPr/>
+        </p:nvPicPr>
+        <p:blipFill>
+          <a:blip r:embed="rId2"/>
+          <a:stretch>
+            <a:fillRect/>
+          </a:stretch>
+        </p:blipFill>
+        <p:spPr>
+          <a:xfrm>
+            <a:off x="1045936" y="2233844"/>
+            <a:ext cx="4630733" cy="2612471"/>
+          </a:xfrm>
+          <a:prstGeom prst="rect">
+            <a:avLst/>
+          </a:prstGeom>
+        </p:spPr>
+      </p:pic>
+      <p:pic>
+        <p:nvPicPr>
+          <p:cNvPr id="12" name="그림 11">
+            <a:extLst>
+              <a:ext uri="{FF2B5EF4-FFF2-40B4-BE49-F238E27FC236}">
+                <a16:creationId xmlns:a16="http://schemas.microsoft.com/office/drawing/2014/main" id="{B1B1C2F8-38D1-4CFF-AF3A-B2A78EA86766}"/>
+              </a:ext>
+            </a:extLst>
+          </p:cNvPr>
+          <p:cNvPicPr>
+            <a:picLocks noChangeAspect="1"/>
+          </p:cNvPicPr>
+          <p:nvPr/>
+        </p:nvPicPr>
+        <p:blipFill>
+          <a:blip r:embed="rId3"/>
+          <a:stretch>
+            <a:fillRect/>
+          </a:stretch>
+        </p:blipFill>
+        <p:spPr>
+          <a:xfrm>
+            <a:off x="6515333" y="2233844"/>
+            <a:ext cx="4667339" cy="2612471"/>
+          </a:xfrm>
+          <a:prstGeom prst="rect">
+            <a:avLst/>
+          </a:prstGeom>
+        </p:spPr>
+      </p:pic>
+    </p:spTree>
+    <p:extLst>
+      <p:ext uri="{BB962C8B-B14F-4D97-AF65-F5344CB8AC3E}">
+        <p14:creationId xmlns:p14="http://schemas.microsoft.com/office/powerpoint/2010/main" val="3291713101"/>
+      </p:ext>
+    </p:extLst>
+  </p:cSld>
+  <p:clrMapOvr>
+    <a:masterClrMapping/>
+  </p:clrMapOvr>
+</p:sld>
+</file>
+
+<file path=ppt/slides/slide28.xml><?xml version="1.0" encoding="utf-8"?>
+<p:sld xmlns:a="http://schemas.openxmlformats.org/drawingml/2006/main" xmlns:r="http://schemas.openxmlformats.org/officeDocument/2006/relationships" xmlns:p="http://schemas.openxmlformats.org/presentationml/2006/main">
+  <p:cSld>
+    <p:spTree>
+      <p:nvGrpSpPr>
+        <p:cNvPr id="1" name=""/>
+        <p:cNvGrpSpPr/>
+        <p:nvPr/>
+      </p:nvGrpSpPr>
+      <p:grpSpPr>
+        <a:xfrm>
+          <a:off x="0" y="0"/>
+          <a:ext cx="0" cy="0"/>
+          <a:chOff x="0" y="0"/>
+          <a:chExt cx="0" cy="0"/>
+        </a:xfrm>
+      </p:grpSpPr>
+      <p:sp>
+        <p:nvSpPr>
+          <p:cNvPr id="6" name="TextBox 5">
+            <a:extLst>
+              <a:ext uri="{FF2B5EF4-FFF2-40B4-BE49-F238E27FC236}">
+                <a16:creationId xmlns:a16="http://schemas.microsoft.com/office/drawing/2014/main" id="{F453C929-8CA3-4E79-AF5D-99EC8407C6CF}"/>
+              </a:ext>
+            </a:extLst>
+          </p:cNvPr>
+          <p:cNvSpPr txBox="1"/>
+          <p:nvPr/>
+        </p:nvSpPr>
+        <p:spPr>
+          <a:xfrm>
+            <a:off x="171888" y="194702"/>
+            <a:ext cx="2698175" cy="523220"/>
+          </a:xfrm>
+          <a:prstGeom prst="rect">
+            <a:avLst/>
+          </a:prstGeom>
+          <a:noFill/>
+        </p:spPr>
+        <p:txBody>
+          <a:bodyPr wrap="none" rtlCol="0">
+            <a:spAutoFit/>
+          </a:bodyPr>
+          <a:lstStyle/>
+          <a:p>
+            <a:r>
+              <a:rPr lang="en-US" altLang="ko-KR" sz="2800">
+                <a:latin typeface="나눔스퀘어OTF Light" panose="020B0600000101010101" pitchFamily="34" charset="-127"/>
+                <a:ea typeface="나눔스퀘어OTF Light" panose="020B0600000101010101" pitchFamily="34" charset="-127"/>
+              </a:rPr>
+              <a:t>4. </a:t>
+            </a:r>
+            <a:r>
+              <a:rPr lang="ko-KR" altLang="en-US" sz="2800">
+                <a:latin typeface="나눔스퀘어OTF Light" panose="020B0600000101010101" pitchFamily="34" charset="-127"/>
+                <a:ea typeface="나눔스퀘어OTF Light" panose="020B0600000101010101" pitchFamily="34" charset="-127"/>
+              </a:rPr>
+              <a:t>사운드 매니저</a:t>
+            </a:r>
+          </a:p>
+        </p:txBody>
+      </p:sp>
+      <p:cxnSp>
+        <p:nvCxnSpPr>
+          <p:cNvPr id="4" name="직선 연결선 3">
+            <a:extLst>
+              <a:ext uri="{FF2B5EF4-FFF2-40B4-BE49-F238E27FC236}">
+                <a16:creationId xmlns:a16="http://schemas.microsoft.com/office/drawing/2014/main" id="{7442459B-3DED-44F0-9E4C-B50601FEB425}"/>
+              </a:ext>
+            </a:extLst>
+          </p:cNvPr>
+          <p:cNvCxnSpPr>
+            <a:cxnSpLocks/>
+          </p:cNvCxnSpPr>
+          <p:nvPr/>
+        </p:nvCxnSpPr>
+        <p:spPr>
+          <a:xfrm>
+            <a:off x="132133" y="780690"/>
+            <a:ext cx="819295" cy="0"/>
+          </a:xfrm>
+          <a:prstGeom prst="line">
+            <a:avLst/>
+          </a:prstGeom>
+          <a:ln>
+            <a:solidFill>
+              <a:schemeClr val="tx1"/>
+            </a:solidFill>
+          </a:ln>
+        </p:spPr>
+        <p:style>
+          <a:lnRef idx="1">
+            <a:schemeClr val="accent1"/>
+          </a:lnRef>
+          <a:fillRef idx="0">
+            <a:schemeClr val="accent1"/>
+          </a:fillRef>
+          <a:effectRef idx="0">
+            <a:schemeClr val="accent1"/>
+          </a:effectRef>
+          <a:fontRef idx="minor">
+            <a:schemeClr val="tx1"/>
+          </a:fontRef>
+        </p:style>
+      </p:cxnSp>
+      <p:pic>
+        <p:nvPicPr>
+          <p:cNvPr id="3" name="그림 2">
+            <a:extLst>
+              <a:ext uri="{FF2B5EF4-FFF2-40B4-BE49-F238E27FC236}">
+                <a16:creationId xmlns:a16="http://schemas.microsoft.com/office/drawing/2014/main" id="{4AD7B807-7A17-4675-BBC3-0E66398CA643}"/>
+              </a:ext>
+            </a:extLst>
+          </p:cNvPr>
+          <p:cNvPicPr>
+            <a:picLocks noChangeAspect="1"/>
+          </p:cNvPicPr>
+          <p:nvPr/>
+        </p:nvPicPr>
+        <p:blipFill>
+          <a:blip r:embed="rId2"/>
+          <a:stretch>
+            <a:fillRect/>
+          </a:stretch>
+        </p:blipFill>
+        <p:spPr>
+          <a:xfrm>
+            <a:off x="7959059" y="1422639"/>
+            <a:ext cx="3005422" cy="4528349"/>
+          </a:xfrm>
+          <a:prstGeom prst="rect">
+            <a:avLst/>
+          </a:prstGeom>
+        </p:spPr>
+      </p:pic>
+      <p:pic>
+        <p:nvPicPr>
+          <p:cNvPr id="7" name="그림 6">
+            <a:extLst>
+              <a:ext uri="{FF2B5EF4-FFF2-40B4-BE49-F238E27FC236}">
+                <a16:creationId xmlns:a16="http://schemas.microsoft.com/office/drawing/2014/main" id="{D527D7BD-427B-4BCD-9E4B-AC0D1D66491D}"/>
+              </a:ext>
+            </a:extLst>
+          </p:cNvPr>
+          <p:cNvPicPr>
+            <a:picLocks noChangeAspect="1"/>
+          </p:cNvPicPr>
+          <p:nvPr/>
+        </p:nvPicPr>
+        <p:blipFill>
+          <a:blip r:embed="rId3"/>
+          <a:stretch>
+            <a:fillRect/>
+          </a:stretch>
+        </p:blipFill>
+        <p:spPr>
+          <a:xfrm>
+            <a:off x="2624059" y="2019511"/>
+            <a:ext cx="3464612" cy="1259860"/>
+          </a:xfrm>
+          <a:prstGeom prst="rect">
+            <a:avLst/>
+          </a:prstGeom>
+        </p:spPr>
+      </p:pic>
+      <p:sp>
+        <p:nvSpPr>
+          <p:cNvPr id="11" name="TextBox 10">
+            <a:extLst>
+              <a:ext uri="{FF2B5EF4-FFF2-40B4-BE49-F238E27FC236}">
+                <a16:creationId xmlns:a16="http://schemas.microsoft.com/office/drawing/2014/main" id="{3A96869E-233F-4554-84B2-5BE52460AB53}"/>
+              </a:ext>
+            </a:extLst>
+          </p:cNvPr>
+          <p:cNvSpPr txBox="1"/>
+          <p:nvPr/>
+        </p:nvSpPr>
+        <p:spPr>
+          <a:xfrm>
+            <a:off x="1231150" y="3919240"/>
+            <a:ext cx="6250429" cy="1323439"/>
+          </a:xfrm>
+          <a:prstGeom prst="rect">
+            <a:avLst/>
+          </a:prstGeom>
+          <a:noFill/>
+        </p:spPr>
+        <p:txBody>
+          <a:bodyPr wrap="none" rtlCol="0">
+            <a:spAutoFit/>
+          </a:bodyPr>
+          <a:lstStyle/>
+          <a:p>
+            <a:r>
+              <a:rPr lang="ko-KR" altLang="en-US" sz="2000">
+                <a:latin typeface="나눔스퀘어OTF Light" panose="020B0600000101010101" pitchFamily="34" charset="-127"/>
+                <a:ea typeface="나눔스퀘어OTF Light" panose="020B0600000101010101" pitchFamily="34" charset="-127"/>
+              </a:rPr>
+              <a:t>하나의 오디오 소스는 동시에 한 소리만 재생이 가능하므로</a:t>
+            </a:r>
+            <a:endParaRPr lang="en-US" altLang="ko-KR" sz="2000">
+              <a:latin typeface="나눔스퀘어OTF Light" panose="020B0600000101010101" pitchFamily="34" charset="-127"/>
+              <a:ea typeface="나눔스퀘어OTF Light" panose="020B0600000101010101" pitchFamily="34" charset="-127"/>
+            </a:endParaRPr>
+          </a:p>
+          <a:p>
+            <a:r>
+              <a:rPr lang="ko-KR" altLang="en-US" sz="2000">
+                <a:latin typeface="나눔스퀘어OTF Light" panose="020B0600000101010101" pitchFamily="34" charset="-127"/>
+                <a:ea typeface="나눔스퀘어OTF Light" panose="020B0600000101010101" pitchFamily="34" charset="-127"/>
+              </a:rPr>
+              <a:t>재생이 필요한 범주마다 오브젝트를 따로 생성함</a:t>
+            </a:r>
+            <a:endParaRPr lang="en-US" altLang="ko-KR" sz="2000">
+              <a:latin typeface="나눔스퀘어OTF Light" panose="020B0600000101010101" pitchFamily="34" charset="-127"/>
+              <a:ea typeface="나눔스퀘어OTF Light" panose="020B0600000101010101" pitchFamily="34" charset="-127"/>
+            </a:endParaRPr>
+          </a:p>
+          <a:p>
+            <a:endParaRPr lang="en-US" altLang="ko-KR" sz="2000">
+              <a:latin typeface="나눔스퀘어OTF Light" panose="020B0600000101010101" pitchFamily="34" charset="-127"/>
+              <a:ea typeface="나눔스퀘어OTF Light" panose="020B0600000101010101" pitchFamily="34" charset="-127"/>
+            </a:endParaRPr>
+          </a:p>
+          <a:p>
+            <a:r>
+              <a:rPr lang="en-US" altLang="ko-KR" sz="2000">
+                <a:latin typeface="나눔스퀘어OTF Light" panose="020B0600000101010101" pitchFamily="34" charset="-127"/>
+                <a:ea typeface="나눔스퀘어OTF Light" panose="020B0600000101010101" pitchFamily="34" charset="-127"/>
+              </a:rPr>
+              <a:t>(</a:t>
+            </a:r>
+            <a:r>
+              <a:rPr lang="ko-KR" altLang="en-US" sz="2000">
+                <a:latin typeface="나눔스퀘어OTF Light" panose="020B0600000101010101" pitchFamily="34" charset="-127"/>
+                <a:ea typeface="나눔스퀘어OTF Light" panose="020B0600000101010101" pitchFamily="34" charset="-127"/>
+              </a:rPr>
+              <a:t>효과음의 경우 가변적으로 오브젝트를 생성해도 됨</a:t>
+            </a:r>
+            <a:r>
+              <a:rPr lang="en-US" altLang="ko-KR" sz="2000">
+                <a:latin typeface="나눔스퀘어OTF Light" panose="020B0600000101010101" pitchFamily="34" charset="-127"/>
+                <a:ea typeface="나눔스퀘어OTF Light" panose="020B0600000101010101" pitchFamily="34" charset="-127"/>
+              </a:rPr>
+              <a:t>)</a:t>
+            </a:r>
+          </a:p>
+        </p:txBody>
+      </p:sp>
+    </p:spTree>
+    <p:extLst>
+      <p:ext uri="{BB962C8B-B14F-4D97-AF65-F5344CB8AC3E}">
+        <p14:creationId xmlns:p14="http://schemas.microsoft.com/office/powerpoint/2010/main" val="3879361491"/>
+      </p:ext>
+    </p:extLst>
+  </p:cSld>
+  <p:clrMapOvr>
+    <a:masterClrMapping/>
+  </p:clrMapOvr>
+</p:sld>
+</file>
+
+<file path=ppt/slides/slide29.xml><?xml version="1.0" encoding="utf-8"?>
+<p:sld xmlns:a="http://schemas.openxmlformats.org/drawingml/2006/main" xmlns:r="http://schemas.openxmlformats.org/officeDocument/2006/relationships" xmlns:p="http://schemas.openxmlformats.org/presentationml/2006/main">
+  <p:cSld>
+    <p:spTree>
+      <p:nvGrpSpPr>
+        <p:cNvPr id="1" name=""/>
+        <p:cNvGrpSpPr/>
+        <p:nvPr/>
+      </p:nvGrpSpPr>
+      <p:grpSpPr>
+        <a:xfrm>
+          <a:off x="0" y="0"/>
+          <a:ext cx="0" cy="0"/>
+          <a:chOff x="0" y="0"/>
+          <a:chExt cx="0" cy="0"/>
+        </a:xfrm>
+      </p:grpSpPr>
+      <p:sp>
+        <p:nvSpPr>
+          <p:cNvPr id="6" name="TextBox 5">
+            <a:extLst>
+              <a:ext uri="{FF2B5EF4-FFF2-40B4-BE49-F238E27FC236}">
+                <a16:creationId xmlns:a16="http://schemas.microsoft.com/office/drawing/2014/main" id="{F453C929-8CA3-4E79-AF5D-99EC8407C6CF}"/>
+              </a:ext>
+            </a:extLst>
+          </p:cNvPr>
+          <p:cNvSpPr txBox="1"/>
+          <p:nvPr/>
+        </p:nvSpPr>
+        <p:spPr>
+          <a:xfrm>
+            <a:off x="171888" y="194702"/>
+            <a:ext cx="2698175" cy="523220"/>
+          </a:xfrm>
+          <a:prstGeom prst="rect">
+            <a:avLst/>
+          </a:prstGeom>
+          <a:noFill/>
+        </p:spPr>
+        <p:txBody>
+          <a:bodyPr wrap="none" rtlCol="0">
+            <a:spAutoFit/>
+          </a:bodyPr>
+          <a:lstStyle/>
+          <a:p>
+            <a:r>
+              <a:rPr lang="en-US" altLang="ko-KR" sz="2800">
+                <a:latin typeface="나눔스퀘어OTF Light" panose="020B0600000101010101" pitchFamily="34" charset="-127"/>
+                <a:ea typeface="나눔스퀘어OTF Light" panose="020B0600000101010101" pitchFamily="34" charset="-127"/>
+              </a:rPr>
+              <a:t>4. </a:t>
+            </a:r>
+            <a:r>
+              <a:rPr lang="ko-KR" altLang="en-US" sz="2800">
+                <a:latin typeface="나눔스퀘어OTF Light" panose="020B0600000101010101" pitchFamily="34" charset="-127"/>
+                <a:ea typeface="나눔스퀘어OTF Light" panose="020B0600000101010101" pitchFamily="34" charset="-127"/>
+              </a:rPr>
+              <a:t>사운드 매니저</a:t>
+            </a:r>
+          </a:p>
+        </p:txBody>
+      </p:sp>
+      <p:cxnSp>
+        <p:nvCxnSpPr>
+          <p:cNvPr id="4" name="직선 연결선 3">
+            <a:extLst>
+              <a:ext uri="{FF2B5EF4-FFF2-40B4-BE49-F238E27FC236}">
+                <a16:creationId xmlns:a16="http://schemas.microsoft.com/office/drawing/2014/main" id="{7442459B-3DED-44F0-9E4C-B50601FEB425}"/>
+              </a:ext>
+            </a:extLst>
+          </p:cNvPr>
+          <p:cNvCxnSpPr>
+            <a:cxnSpLocks/>
+          </p:cNvCxnSpPr>
+          <p:nvPr/>
+        </p:nvCxnSpPr>
+        <p:spPr>
+          <a:xfrm>
+            <a:off x="132133" y="780690"/>
+            <a:ext cx="819295" cy="0"/>
+          </a:xfrm>
+          <a:prstGeom prst="line">
+            <a:avLst/>
+          </a:prstGeom>
+          <a:ln>
+            <a:solidFill>
+              <a:schemeClr val="tx1"/>
+            </a:solidFill>
+          </a:ln>
+        </p:spPr>
+        <p:style>
+          <a:lnRef idx="1">
+            <a:schemeClr val="accent1"/>
+          </a:lnRef>
+          <a:fillRef idx="0">
+            <a:schemeClr val="accent1"/>
+          </a:fillRef>
+          <a:effectRef idx="0">
+            <a:schemeClr val="accent1"/>
+          </a:effectRef>
+          <a:fontRef idx="minor">
+            <a:schemeClr val="tx1"/>
+          </a:fontRef>
+        </p:style>
+      </p:cxnSp>
+      <p:sp>
+        <p:nvSpPr>
+          <p:cNvPr id="8" name="TextBox 7">
+            <a:extLst>
+              <a:ext uri="{FF2B5EF4-FFF2-40B4-BE49-F238E27FC236}">
+                <a16:creationId xmlns:a16="http://schemas.microsoft.com/office/drawing/2014/main" id="{30CE6A11-FEA4-4E44-A88F-3AEB320B87F7}"/>
+              </a:ext>
+            </a:extLst>
+          </p:cNvPr>
+          <p:cNvSpPr txBox="1"/>
+          <p:nvPr/>
+        </p:nvSpPr>
+        <p:spPr>
+          <a:xfrm>
+            <a:off x="2295003" y="1138844"/>
+            <a:ext cx="7601989" cy="3970318"/>
+          </a:xfrm>
+          <a:prstGeom prst="rect">
+            <a:avLst/>
+          </a:prstGeom>
+          <a:solidFill>
+            <a:schemeClr val="tx1"/>
+          </a:solidFill>
+        </p:spPr>
+        <p:txBody>
+          <a:bodyPr wrap="square">
+            <a:spAutoFit/>
+          </a:bodyPr>
+          <a:lstStyle/>
+          <a:p>
+            <a:r>
+              <a:rPr lang="en-US" altLang="ko-KR" sz="1400" b="0">
+                <a:solidFill>
+                  <a:srgbClr val="569CD6"/>
+                </a:solidFill>
+                <a:effectLst/>
+                <a:latin typeface="Consolas" panose="020B0609020204030204" pitchFamily="49" charset="0"/>
+              </a:rPr>
+              <a:t>public</a:t>
+            </a:r>
+            <a:r>
+              <a:rPr lang="en-US" altLang="ko-KR" sz="1400" b="0">
+                <a:solidFill>
+                  <a:srgbClr val="D4D4D4"/>
+                </a:solidFill>
+                <a:effectLst/>
+                <a:latin typeface="Consolas" panose="020B0609020204030204" pitchFamily="49" charset="0"/>
+              </a:rPr>
+              <a:t> </a:t>
+            </a:r>
+            <a:r>
+              <a:rPr lang="en-US" altLang="ko-KR" sz="1400" b="0">
+                <a:solidFill>
+                  <a:srgbClr val="569CD6"/>
+                </a:solidFill>
+                <a:effectLst/>
+                <a:latin typeface="Consolas" panose="020B0609020204030204" pitchFamily="49" charset="0"/>
+              </a:rPr>
+              <a:t>class</a:t>
+            </a:r>
+            <a:r>
+              <a:rPr lang="en-US" altLang="ko-KR" sz="1400" b="0">
+                <a:solidFill>
+                  <a:srgbClr val="D4D4D4"/>
+                </a:solidFill>
+                <a:effectLst/>
+                <a:latin typeface="Consolas" panose="020B0609020204030204" pitchFamily="49" charset="0"/>
+              </a:rPr>
+              <a:t> </a:t>
+            </a:r>
+            <a:r>
+              <a:rPr lang="en-US" altLang="ko-KR" sz="1400" b="0">
+                <a:solidFill>
+                  <a:srgbClr val="4EC9B0"/>
+                </a:solidFill>
+                <a:effectLst/>
+                <a:latin typeface="Consolas" panose="020B0609020204030204" pitchFamily="49" charset="0"/>
+              </a:rPr>
+              <a:t>SoundManager</a:t>
+            </a:r>
+            <a:r>
+              <a:rPr lang="en-US" altLang="ko-KR" sz="1400" b="0">
+                <a:solidFill>
+                  <a:srgbClr val="D4D4D4"/>
+                </a:solidFill>
+                <a:effectLst/>
+                <a:latin typeface="Consolas" panose="020B0609020204030204" pitchFamily="49" charset="0"/>
+              </a:rPr>
+              <a:t> : </a:t>
+            </a:r>
+            <a:r>
+              <a:rPr lang="en-US" altLang="ko-KR" sz="1400" b="0">
+                <a:solidFill>
+                  <a:srgbClr val="4EC9B0"/>
+                </a:solidFill>
+                <a:effectLst/>
+                <a:latin typeface="Consolas" panose="020B0609020204030204" pitchFamily="49" charset="0"/>
+              </a:rPr>
+              <a:t>MonoBehaviour</a:t>
+            </a:r>
+            <a:endParaRPr lang="en-US" altLang="ko-KR" sz="1400" b="0">
+              <a:solidFill>
+                <a:srgbClr val="D4D4D4"/>
+              </a:solidFill>
+              <a:effectLst/>
+              <a:latin typeface="Consolas" panose="020B0609020204030204" pitchFamily="49" charset="0"/>
+            </a:endParaRPr>
+          </a:p>
+          <a:p>
+            <a:r>
+              <a:rPr lang="en-US" altLang="ko-KR" sz="1400" b="0">
+                <a:solidFill>
+                  <a:srgbClr val="D4D4D4"/>
+                </a:solidFill>
+                <a:effectLst/>
+                <a:latin typeface="Consolas" panose="020B0609020204030204" pitchFamily="49" charset="0"/>
+              </a:rPr>
+              <a:t>{</a:t>
+            </a:r>
+          </a:p>
+          <a:p>
+            <a:r>
+              <a:rPr lang="en-US" altLang="ko-KR" sz="1400" b="0">
+                <a:solidFill>
+                  <a:srgbClr val="D4D4D4"/>
+                </a:solidFill>
+                <a:effectLst/>
+                <a:latin typeface="Consolas" panose="020B0609020204030204" pitchFamily="49" charset="0"/>
+              </a:rPr>
+              <a:t>    </a:t>
+            </a:r>
+            <a:r>
+              <a:rPr lang="en-US" altLang="ko-KR" sz="1400" b="0">
+                <a:solidFill>
+                  <a:srgbClr val="569CD6"/>
+                </a:solidFill>
+                <a:effectLst/>
+                <a:latin typeface="Consolas" panose="020B0609020204030204" pitchFamily="49" charset="0"/>
+              </a:rPr>
+              <a:t>public</a:t>
+            </a:r>
+            <a:r>
+              <a:rPr lang="en-US" altLang="ko-KR" sz="1400" b="0">
+                <a:solidFill>
+                  <a:srgbClr val="D4D4D4"/>
+                </a:solidFill>
+                <a:effectLst/>
+                <a:latin typeface="Consolas" panose="020B0609020204030204" pitchFamily="49" charset="0"/>
+              </a:rPr>
+              <a:t> </a:t>
+            </a:r>
+            <a:r>
+              <a:rPr lang="en-US" altLang="ko-KR" sz="1400" b="0">
+                <a:solidFill>
+                  <a:srgbClr val="569CD6"/>
+                </a:solidFill>
+                <a:effectLst/>
+                <a:latin typeface="Consolas" panose="020B0609020204030204" pitchFamily="49" charset="0"/>
+              </a:rPr>
+              <a:t>enum</a:t>
+            </a:r>
+            <a:r>
+              <a:rPr lang="en-US" altLang="ko-KR" sz="1400" b="0">
+                <a:solidFill>
+                  <a:srgbClr val="D4D4D4"/>
+                </a:solidFill>
+                <a:effectLst/>
+                <a:latin typeface="Consolas" panose="020B0609020204030204" pitchFamily="49" charset="0"/>
+              </a:rPr>
+              <a:t> </a:t>
+            </a:r>
+            <a:r>
+              <a:rPr lang="en-US" altLang="ko-KR" sz="1400" b="0">
+                <a:solidFill>
+                  <a:srgbClr val="4EC9B0"/>
+                </a:solidFill>
+                <a:effectLst/>
+                <a:latin typeface="Consolas" panose="020B0609020204030204" pitchFamily="49" charset="0"/>
+              </a:rPr>
+              <a:t>SoundType</a:t>
+            </a:r>
+            <a:endParaRPr lang="en-US" altLang="ko-KR" sz="1400" b="0">
+              <a:solidFill>
+                <a:srgbClr val="D4D4D4"/>
+              </a:solidFill>
+              <a:effectLst/>
+              <a:latin typeface="Consolas" panose="020B0609020204030204" pitchFamily="49" charset="0"/>
+            </a:endParaRPr>
+          </a:p>
+          <a:p>
+            <a:r>
+              <a:rPr lang="en-US" altLang="ko-KR" sz="1400" b="0">
+                <a:solidFill>
+                  <a:srgbClr val="D4D4D4"/>
+                </a:solidFill>
+                <a:effectLst/>
+                <a:latin typeface="Consolas" panose="020B0609020204030204" pitchFamily="49" charset="0"/>
+              </a:rPr>
+              <a:t>    {</a:t>
+            </a:r>
+          </a:p>
+          <a:p>
+            <a:r>
+              <a:rPr lang="en-US" altLang="ko-KR" sz="1400" b="0">
+                <a:solidFill>
+                  <a:srgbClr val="D4D4D4"/>
+                </a:solidFill>
+                <a:effectLst/>
+                <a:latin typeface="Consolas" panose="020B0609020204030204" pitchFamily="49" charset="0"/>
+              </a:rPr>
+              <a:t>        </a:t>
+            </a:r>
+            <a:r>
+              <a:rPr lang="en-US" altLang="ko-KR" sz="1400" b="0">
+                <a:solidFill>
+                  <a:srgbClr val="9CDCFE"/>
+                </a:solidFill>
+                <a:effectLst/>
+                <a:latin typeface="Consolas" panose="020B0609020204030204" pitchFamily="49" charset="0"/>
+              </a:rPr>
+              <a:t>BGM</a:t>
+            </a:r>
+            <a:r>
+              <a:rPr lang="en-US" altLang="ko-KR" sz="1400" b="0">
+                <a:solidFill>
+                  <a:srgbClr val="D4D4D4"/>
+                </a:solidFill>
+                <a:effectLst/>
+                <a:latin typeface="Consolas" panose="020B0609020204030204" pitchFamily="49" charset="0"/>
+              </a:rPr>
+              <a:t> = </a:t>
+            </a:r>
+            <a:r>
+              <a:rPr lang="en-US" altLang="ko-KR" sz="1400" b="0">
+                <a:solidFill>
+                  <a:srgbClr val="B5CEA8"/>
+                </a:solidFill>
+                <a:effectLst/>
+                <a:latin typeface="Consolas" panose="020B0609020204030204" pitchFamily="49" charset="0"/>
+              </a:rPr>
+              <a:t>0</a:t>
+            </a:r>
+            <a:r>
+              <a:rPr lang="en-US" altLang="ko-KR" sz="1400" b="0">
+                <a:solidFill>
+                  <a:srgbClr val="D4D4D4"/>
+                </a:solidFill>
+                <a:effectLst/>
+                <a:latin typeface="Consolas" panose="020B0609020204030204" pitchFamily="49" charset="0"/>
+              </a:rPr>
+              <a:t>,</a:t>
+            </a:r>
+          </a:p>
+          <a:p>
+            <a:r>
+              <a:rPr lang="en-US" altLang="ko-KR" sz="1400" b="0">
+                <a:solidFill>
+                  <a:srgbClr val="D4D4D4"/>
+                </a:solidFill>
+                <a:effectLst/>
+                <a:latin typeface="Consolas" panose="020B0609020204030204" pitchFamily="49" charset="0"/>
+              </a:rPr>
+              <a:t>        </a:t>
+            </a:r>
+            <a:r>
+              <a:rPr lang="en-US" altLang="ko-KR" sz="1400" b="0">
+                <a:solidFill>
+                  <a:srgbClr val="9CDCFE"/>
+                </a:solidFill>
+                <a:effectLst/>
+                <a:latin typeface="Consolas" panose="020B0609020204030204" pitchFamily="49" charset="0"/>
+              </a:rPr>
+              <a:t>Effect</a:t>
+            </a:r>
+            <a:r>
+              <a:rPr lang="en-US" altLang="ko-KR" sz="1400" b="0">
+                <a:solidFill>
+                  <a:srgbClr val="D4D4D4"/>
+                </a:solidFill>
+                <a:effectLst/>
+                <a:latin typeface="Consolas" panose="020B0609020204030204" pitchFamily="49" charset="0"/>
+              </a:rPr>
+              <a:t> = </a:t>
+            </a:r>
+            <a:r>
+              <a:rPr lang="en-US" altLang="ko-KR" sz="1400" b="0">
+                <a:solidFill>
+                  <a:srgbClr val="B5CEA8"/>
+                </a:solidFill>
+                <a:effectLst/>
+                <a:latin typeface="Consolas" panose="020B0609020204030204" pitchFamily="49" charset="0"/>
+              </a:rPr>
+              <a:t>1</a:t>
+            </a:r>
+            <a:endParaRPr lang="en-US" altLang="ko-KR" sz="1400" b="0">
+              <a:solidFill>
+                <a:srgbClr val="D4D4D4"/>
+              </a:solidFill>
+              <a:effectLst/>
+              <a:latin typeface="Consolas" panose="020B0609020204030204" pitchFamily="49" charset="0"/>
+            </a:endParaRPr>
+          </a:p>
+          <a:p>
+            <a:r>
+              <a:rPr lang="en-US" altLang="ko-KR" sz="1400" b="0">
+                <a:solidFill>
+                  <a:srgbClr val="D4D4D4"/>
+                </a:solidFill>
+                <a:effectLst/>
+                <a:latin typeface="Consolas" panose="020B0609020204030204" pitchFamily="49" charset="0"/>
+              </a:rPr>
+              <a:t>    }</a:t>
+            </a:r>
+          </a:p>
+          <a:p>
+            <a:endParaRPr lang="en-US" altLang="ko-KR" sz="1400" b="0">
+              <a:solidFill>
+                <a:srgbClr val="D4D4D4"/>
+              </a:solidFill>
+              <a:effectLst/>
+              <a:latin typeface="Consolas" panose="020B0609020204030204" pitchFamily="49" charset="0"/>
+            </a:endParaRPr>
+          </a:p>
+          <a:p>
+            <a:r>
+              <a:rPr lang="en-US" altLang="ko-KR" sz="1400" b="0">
+                <a:solidFill>
+                  <a:srgbClr val="D4D4D4"/>
+                </a:solidFill>
+                <a:effectLst/>
+                <a:latin typeface="Consolas" panose="020B0609020204030204" pitchFamily="49" charset="0"/>
+              </a:rPr>
+              <a:t>    </a:t>
+            </a:r>
+            <a:r>
+              <a:rPr lang="en-US" altLang="ko-KR" sz="1400" b="0">
+                <a:solidFill>
+                  <a:srgbClr val="569CD6"/>
+                </a:solidFill>
+                <a:effectLst/>
+                <a:latin typeface="Consolas" panose="020B0609020204030204" pitchFamily="49" charset="0"/>
+              </a:rPr>
+              <a:t>public</a:t>
+            </a:r>
+            <a:r>
+              <a:rPr lang="en-US" altLang="ko-KR" sz="1400" b="0">
+                <a:solidFill>
+                  <a:srgbClr val="D4D4D4"/>
+                </a:solidFill>
+                <a:effectLst/>
+                <a:latin typeface="Consolas" panose="020B0609020204030204" pitchFamily="49" charset="0"/>
+              </a:rPr>
+              <a:t> </a:t>
+            </a:r>
+            <a:r>
+              <a:rPr lang="en-US" altLang="ko-KR" sz="1400" b="0">
+                <a:solidFill>
+                  <a:srgbClr val="569CD6"/>
+                </a:solidFill>
+                <a:effectLst/>
+                <a:latin typeface="Consolas" panose="020B0609020204030204" pitchFamily="49" charset="0"/>
+              </a:rPr>
+              <a:t>static</a:t>
+            </a:r>
+            <a:r>
+              <a:rPr lang="en-US" altLang="ko-KR" sz="1400" b="0">
+                <a:solidFill>
+                  <a:srgbClr val="D4D4D4"/>
+                </a:solidFill>
+                <a:effectLst/>
+                <a:latin typeface="Consolas" panose="020B0609020204030204" pitchFamily="49" charset="0"/>
+              </a:rPr>
+              <a:t> </a:t>
+            </a:r>
+            <a:r>
+              <a:rPr lang="en-US" altLang="ko-KR" sz="1400" b="0">
+                <a:solidFill>
+                  <a:srgbClr val="4EC9B0"/>
+                </a:solidFill>
+                <a:effectLst/>
+                <a:latin typeface="Consolas" panose="020B0609020204030204" pitchFamily="49" charset="0"/>
+              </a:rPr>
+              <a:t>SoundManager</a:t>
+            </a:r>
+            <a:r>
+              <a:rPr lang="en-US" altLang="ko-KR" sz="1400" b="0">
+                <a:solidFill>
+                  <a:srgbClr val="D4D4D4"/>
+                </a:solidFill>
+                <a:effectLst/>
+                <a:latin typeface="Consolas" panose="020B0609020204030204" pitchFamily="49" charset="0"/>
+              </a:rPr>
+              <a:t> </a:t>
+            </a:r>
+            <a:r>
+              <a:rPr lang="en-US" altLang="ko-KR" sz="1400" b="0">
+                <a:solidFill>
+                  <a:srgbClr val="9CDCFE"/>
+                </a:solidFill>
+                <a:effectLst/>
+                <a:latin typeface="Consolas" panose="020B0609020204030204" pitchFamily="49" charset="0"/>
+              </a:rPr>
+              <a:t>Instance</a:t>
+            </a:r>
+            <a:r>
+              <a:rPr lang="en-US" altLang="ko-KR" sz="1400" b="0">
+                <a:solidFill>
+                  <a:srgbClr val="D4D4D4"/>
+                </a:solidFill>
+                <a:effectLst/>
+                <a:latin typeface="Consolas" panose="020B0609020204030204" pitchFamily="49" charset="0"/>
+              </a:rPr>
+              <a:t> { </a:t>
+            </a:r>
+            <a:r>
+              <a:rPr lang="en-US" altLang="ko-KR" sz="1400" b="0">
+                <a:solidFill>
+                  <a:srgbClr val="569CD6"/>
+                </a:solidFill>
+                <a:effectLst/>
+                <a:latin typeface="Consolas" panose="020B0609020204030204" pitchFamily="49" charset="0"/>
+              </a:rPr>
+              <a:t>get</a:t>
+            </a:r>
+            <a:r>
+              <a:rPr lang="en-US" altLang="ko-KR" sz="1400" b="0">
+                <a:solidFill>
+                  <a:srgbClr val="D4D4D4"/>
+                </a:solidFill>
+                <a:effectLst/>
+                <a:latin typeface="Consolas" panose="020B0609020204030204" pitchFamily="49" charset="0"/>
+              </a:rPr>
+              <a:t>; </a:t>
+            </a:r>
+            <a:r>
+              <a:rPr lang="en-US" altLang="ko-KR" sz="1400" b="0">
+                <a:solidFill>
+                  <a:srgbClr val="569CD6"/>
+                </a:solidFill>
+                <a:effectLst/>
+                <a:latin typeface="Consolas" panose="020B0609020204030204" pitchFamily="49" charset="0"/>
+              </a:rPr>
+              <a:t>private</a:t>
+            </a:r>
+            <a:r>
+              <a:rPr lang="en-US" altLang="ko-KR" sz="1400" b="0">
+                <a:solidFill>
+                  <a:srgbClr val="D4D4D4"/>
+                </a:solidFill>
+                <a:effectLst/>
+                <a:latin typeface="Consolas" panose="020B0609020204030204" pitchFamily="49" charset="0"/>
+              </a:rPr>
+              <a:t> </a:t>
+            </a:r>
+            <a:r>
+              <a:rPr lang="en-US" altLang="ko-KR" sz="1400" b="0">
+                <a:solidFill>
+                  <a:srgbClr val="569CD6"/>
+                </a:solidFill>
+                <a:effectLst/>
+                <a:latin typeface="Consolas" panose="020B0609020204030204" pitchFamily="49" charset="0"/>
+              </a:rPr>
+              <a:t>set</a:t>
+            </a:r>
+            <a:r>
+              <a:rPr lang="en-US" altLang="ko-KR" sz="1400" b="0">
+                <a:solidFill>
+                  <a:srgbClr val="D4D4D4"/>
+                </a:solidFill>
+                <a:effectLst/>
+                <a:latin typeface="Consolas" panose="020B0609020204030204" pitchFamily="49" charset="0"/>
+              </a:rPr>
+              <a:t>; } = </a:t>
+            </a:r>
+            <a:r>
+              <a:rPr lang="en-US" altLang="ko-KR" sz="1400" b="0">
+                <a:solidFill>
+                  <a:srgbClr val="569CD6"/>
+                </a:solidFill>
+                <a:effectLst/>
+                <a:latin typeface="Consolas" panose="020B0609020204030204" pitchFamily="49" charset="0"/>
+              </a:rPr>
+              <a:t>null</a:t>
+            </a:r>
+            <a:r>
+              <a:rPr lang="en-US" altLang="ko-KR" sz="1400" b="0">
+                <a:solidFill>
+                  <a:srgbClr val="D4D4D4"/>
+                </a:solidFill>
+                <a:effectLst/>
+                <a:latin typeface="Consolas" panose="020B0609020204030204" pitchFamily="49" charset="0"/>
+              </a:rPr>
+              <a:t>;</a:t>
+            </a:r>
+          </a:p>
+          <a:p>
+            <a:br>
+              <a:rPr lang="en-US" altLang="ko-KR" sz="1400" b="0">
+                <a:solidFill>
+                  <a:srgbClr val="D4D4D4"/>
+                </a:solidFill>
+                <a:effectLst/>
+                <a:latin typeface="Consolas" panose="020B0609020204030204" pitchFamily="49" charset="0"/>
+              </a:rPr>
+            </a:br>
+            <a:r>
+              <a:rPr lang="en-US" altLang="ko-KR" sz="1400" b="0">
+                <a:solidFill>
+                  <a:srgbClr val="D4D4D4"/>
+                </a:solidFill>
+                <a:effectLst/>
+                <a:latin typeface="Consolas" panose="020B0609020204030204" pitchFamily="49" charset="0"/>
+              </a:rPr>
+              <a:t>    [</a:t>
+            </a:r>
+            <a:r>
+              <a:rPr lang="en-US" altLang="ko-KR" sz="1400" b="0">
+                <a:solidFill>
+                  <a:srgbClr val="4EC9B0"/>
+                </a:solidFill>
+                <a:effectLst/>
+                <a:latin typeface="Consolas" panose="020B0609020204030204" pitchFamily="49" charset="0"/>
+              </a:rPr>
+              <a:t>SerializeField</a:t>
+            </a:r>
+            <a:r>
+              <a:rPr lang="en-US" altLang="ko-KR" sz="1400" b="0">
+                <a:solidFill>
+                  <a:srgbClr val="D4D4D4"/>
+                </a:solidFill>
+                <a:effectLst/>
+                <a:latin typeface="Consolas" panose="020B0609020204030204" pitchFamily="49" charset="0"/>
+              </a:rPr>
+              <a:t>]</a:t>
+            </a:r>
+          </a:p>
+          <a:p>
+            <a:r>
+              <a:rPr lang="en-US" altLang="ko-KR" sz="1400" b="0">
+                <a:solidFill>
+                  <a:srgbClr val="D4D4D4"/>
+                </a:solidFill>
+                <a:effectLst/>
+                <a:latin typeface="Consolas" panose="020B0609020204030204" pitchFamily="49" charset="0"/>
+              </a:rPr>
+              <a:t>    </a:t>
+            </a:r>
+            <a:r>
+              <a:rPr lang="en-US" altLang="ko-KR" sz="1400" b="0">
+                <a:solidFill>
+                  <a:srgbClr val="4EC9B0"/>
+                </a:solidFill>
+                <a:effectLst/>
+                <a:latin typeface="Consolas" panose="020B0609020204030204" pitchFamily="49" charset="0"/>
+              </a:rPr>
+              <a:t>AudioSource</a:t>
+            </a:r>
+            <a:r>
+              <a:rPr lang="en-US" altLang="ko-KR" sz="1400" b="0">
+                <a:solidFill>
+                  <a:srgbClr val="D4D4D4"/>
+                </a:solidFill>
+                <a:effectLst/>
+                <a:latin typeface="Consolas" panose="020B0609020204030204" pitchFamily="49" charset="0"/>
+              </a:rPr>
+              <a:t>[] </a:t>
+            </a:r>
+            <a:r>
+              <a:rPr lang="en-US" altLang="ko-KR" sz="1400" b="0">
+                <a:solidFill>
+                  <a:srgbClr val="9CDCFE"/>
+                </a:solidFill>
+                <a:effectLst/>
+                <a:latin typeface="Consolas" panose="020B0609020204030204" pitchFamily="49" charset="0"/>
+              </a:rPr>
+              <a:t>sources</a:t>
+            </a:r>
+            <a:r>
+              <a:rPr lang="en-US" altLang="ko-KR" sz="1400" b="0">
+                <a:solidFill>
+                  <a:srgbClr val="D4D4D4"/>
+                </a:solidFill>
+                <a:effectLst/>
+                <a:latin typeface="Consolas" panose="020B0609020204030204" pitchFamily="49" charset="0"/>
+              </a:rPr>
+              <a:t> = </a:t>
+            </a:r>
+            <a:r>
+              <a:rPr lang="en-US" altLang="ko-KR" sz="1400" b="0">
+                <a:solidFill>
+                  <a:srgbClr val="569CD6"/>
+                </a:solidFill>
+                <a:effectLst/>
+                <a:latin typeface="Consolas" panose="020B0609020204030204" pitchFamily="49" charset="0"/>
+              </a:rPr>
+              <a:t>new</a:t>
+            </a:r>
+            <a:r>
+              <a:rPr lang="en-US" altLang="ko-KR" sz="1400" b="0">
+                <a:solidFill>
+                  <a:srgbClr val="D4D4D4"/>
+                </a:solidFill>
+                <a:effectLst/>
+                <a:latin typeface="Consolas" panose="020B0609020204030204" pitchFamily="49" charset="0"/>
+              </a:rPr>
+              <a:t> </a:t>
+            </a:r>
+            <a:r>
+              <a:rPr lang="en-US" altLang="ko-KR" sz="1400" b="0">
+                <a:solidFill>
+                  <a:srgbClr val="4EC9B0"/>
+                </a:solidFill>
+                <a:effectLst/>
+                <a:latin typeface="Consolas" panose="020B0609020204030204" pitchFamily="49" charset="0"/>
+              </a:rPr>
+              <a:t>AudioSource</a:t>
+            </a:r>
+            <a:r>
+              <a:rPr lang="en-US" altLang="ko-KR" sz="1400" b="0">
+                <a:solidFill>
+                  <a:srgbClr val="D4D4D4"/>
+                </a:solidFill>
+                <a:effectLst/>
+                <a:latin typeface="Consolas" panose="020B0609020204030204" pitchFamily="49" charset="0"/>
+              </a:rPr>
+              <a:t>[</a:t>
+            </a:r>
+            <a:r>
+              <a:rPr lang="en-US" altLang="ko-KR" sz="1400" b="0">
+                <a:solidFill>
+                  <a:srgbClr val="B5CEA8"/>
+                </a:solidFill>
+                <a:effectLst/>
+                <a:latin typeface="Consolas" panose="020B0609020204030204" pitchFamily="49" charset="0"/>
+              </a:rPr>
+              <a:t>0</a:t>
+            </a:r>
+            <a:r>
+              <a:rPr lang="en-US" altLang="ko-KR" sz="1400" b="0">
+                <a:solidFill>
+                  <a:srgbClr val="D4D4D4"/>
+                </a:solidFill>
+                <a:effectLst/>
+                <a:latin typeface="Consolas" panose="020B0609020204030204" pitchFamily="49" charset="0"/>
+              </a:rPr>
+              <a:t>];</a:t>
+            </a:r>
+          </a:p>
+          <a:p>
+            <a:br>
+              <a:rPr lang="en-US" altLang="ko-KR" sz="1400" b="0">
+                <a:solidFill>
+                  <a:srgbClr val="D4D4D4"/>
+                </a:solidFill>
+                <a:effectLst/>
+                <a:latin typeface="Consolas" panose="020B0609020204030204" pitchFamily="49" charset="0"/>
+              </a:rPr>
+            </a:br>
+            <a:r>
+              <a:rPr lang="en-US" altLang="ko-KR" sz="1400" b="0">
+                <a:solidFill>
+                  <a:srgbClr val="D4D4D4"/>
+                </a:solidFill>
+                <a:effectLst/>
+                <a:latin typeface="Consolas" panose="020B0609020204030204" pitchFamily="49" charset="0"/>
+              </a:rPr>
+              <a:t>    </a:t>
+            </a:r>
+            <a:r>
+              <a:rPr lang="en-US" altLang="ko-KR" sz="1400" b="0">
+                <a:solidFill>
+                  <a:srgbClr val="569CD6"/>
+                </a:solidFill>
+                <a:effectLst/>
+                <a:latin typeface="Consolas" panose="020B0609020204030204" pitchFamily="49" charset="0"/>
+              </a:rPr>
+              <a:t>void</a:t>
+            </a:r>
+            <a:r>
+              <a:rPr lang="en-US" altLang="ko-KR" sz="1400" b="0">
+                <a:solidFill>
+                  <a:srgbClr val="D4D4D4"/>
+                </a:solidFill>
+                <a:effectLst/>
+                <a:latin typeface="Consolas" panose="020B0609020204030204" pitchFamily="49" charset="0"/>
+              </a:rPr>
+              <a:t> </a:t>
+            </a:r>
+            <a:r>
+              <a:rPr lang="en-US" altLang="ko-KR" sz="1400" b="0">
+                <a:solidFill>
+                  <a:srgbClr val="DCDCAA"/>
+                </a:solidFill>
+                <a:effectLst/>
+                <a:latin typeface="Consolas" panose="020B0609020204030204" pitchFamily="49" charset="0"/>
+              </a:rPr>
+              <a:t>Start</a:t>
+            </a:r>
+            <a:r>
+              <a:rPr lang="en-US" altLang="ko-KR" sz="1400" b="0">
+                <a:solidFill>
+                  <a:srgbClr val="D4D4D4"/>
+                </a:solidFill>
+                <a:effectLst/>
+                <a:latin typeface="Consolas" panose="020B0609020204030204" pitchFamily="49" charset="0"/>
+              </a:rPr>
+              <a:t>()</a:t>
+            </a:r>
+          </a:p>
+          <a:p>
+            <a:r>
+              <a:rPr lang="en-US" altLang="ko-KR" sz="1400" b="0">
+                <a:solidFill>
+                  <a:srgbClr val="D4D4D4"/>
+                </a:solidFill>
+                <a:effectLst/>
+                <a:latin typeface="Consolas" panose="020B0609020204030204" pitchFamily="49" charset="0"/>
+              </a:rPr>
+              <a:t>    {</a:t>
+            </a:r>
+          </a:p>
+          <a:p>
+            <a:r>
+              <a:rPr lang="en-US" altLang="ko-KR" sz="1400" b="0">
+                <a:solidFill>
+                  <a:srgbClr val="D4D4D4"/>
+                </a:solidFill>
+                <a:effectLst/>
+                <a:latin typeface="Consolas" panose="020B0609020204030204" pitchFamily="49" charset="0"/>
+              </a:rPr>
+              <a:t>        </a:t>
+            </a:r>
+            <a:r>
+              <a:rPr lang="en-US" altLang="ko-KR" sz="1400" b="0">
+                <a:solidFill>
+                  <a:srgbClr val="9CDCFE"/>
+                </a:solidFill>
+                <a:effectLst/>
+                <a:latin typeface="Consolas" panose="020B0609020204030204" pitchFamily="49" charset="0"/>
+              </a:rPr>
+              <a:t>Instance</a:t>
+            </a:r>
+            <a:r>
+              <a:rPr lang="en-US" altLang="ko-KR" sz="1400" b="0">
+                <a:solidFill>
+                  <a:srgbClr val="D4D4D4"/>
+                </a:solidFill>
+                <a:effectLst/>
+                <a:latin typeface="Consolas" panose="020B0609020204030204" pitchFamily="49" charset="0"/>
+              </a:rPr>
+              <a:t> = </a:t>
+            </a:r>
+            <a:r>
+              <a:rPr lang="en-US" altLang="ko-KR" sz="1400" b="0">
+                <a:solidFill>
+                  <a:srgbClr val="569CD6"/>
+                </a:solidFill>
+                <a:effectLst/>
+                <a:latin typeface="Consolas" panose="020B0609020204030204" pitchFamily="49" charset="0"/>
+              </a:rPr>
+              <a:t>this</a:t>
+            </a:r>
+            <a:r>
+              <a:rPr lang="en-US" altLang="ko-KR" sz="1400" b="0">
+                <a:solidFill>
+                  <a:srgbClr val="D4D4D4"/>
+                </a:solidFill>
+                <a:effectLst/>
+                <a:latin typeface="Consolas" panose="020B0609020204030204" pitchFamily="49" charset="0"/>
+              </a:rPr>
+              <a:t>;</a:t>
+            </a:r>
+          </a:p>
+          <a:p>
+            <a:r>
+              <a:rPr lang="en-US" altLang="ko-KR" sz="1400" b="0">
+                <a:solidFill>
+                  <a:srgbClr val="D4D4D4"/>
+                </a:solidFill>
+                <a:effectLst/>
+                <a:latin typeface="Consolas" panose="020B0609020204030204" pitchFamily="49" charset="0"/>
+              </a:rPr>
+              <a:t>    }</a:t>
+            </a:r>
+          </a:p>
+          <a:p>
+            <a:r>
+              <a:rPr lang="en-US" altLang="ko-KR" sz="1400" b="0">
+                <a:solidFill>
+                  <a:srgbClr val="D4D4D4"/>
+                </a:solidFill>
+                <a:effectLst/>
+                <a:latin typeface="Consolas" panose="020B0609020204030204" pitchFamily="49" charset="0"/>
+              </a:rPr>
+              <a:t>}</a:t>
+            </a:r>
+          </a:p>
+        </p:txBody>
+      </p:sp>
+      <p:sp>
+        <p:nvSpPr>
+          <p:cNvPr id="9" name="TextBox 8">
+            <a:extLst>
+              <a:ext uri="{FF2B5EF4-FFF2-40B4-BE49-F238E27FC236}">
+                <a16:creationId xmlns:a16="http://schemas.microsoft.com/office/drawing/2014/main" id="{A0F142B0-6ED9-4B2B-AB3F-AEC2631C2333}"/>
+              </a:ext>
+            </a:extLst>
+          </p:cNvPr>
+          <p:cNvSpPr txBox="1"/>
+          <p:nvPr/>
+        </p:nvSpPr>
+        <p:spPr>
+          <a:xfrm>
+            <a:off x="2523546" y="5530084"/>
+            <a:ext cx="7144905" cy="707886"/>
+          </a:xfrm>
+          <a:prstGeom prst="rect">
+            <a:avLst/>
+          </a:prstGeom>
+          <a:noFill/>
+        </p:spPr>
+        <p:txBody>
+          <a:bodyPr wrap="none" rtlCol="0">
+            <a:spAutoFit/>
+          </a:bodyPr>
+          <a:lstStyle/>
+          <a:p>
+            <a:pPr algn="ctr"/>
+            <a:r>
+              <a:rPr lang="ko-KR" altLang="en-US" sz="2000">
+                <a:latin typeface="나눔스퀘어OTF Light" panose="020B0600000101010101" pitchFamily="34" charset="-127"/>
+                <a:ea typeface="나눔스퀘어OTF Light" panose="020B0600000101010101" pitchFamily="34" charset="-127"/>
+              </a:rPr>
+              <a:t>사운드 매니저는 사용하기 편하도록 싱글톤 패턴을 사용</a:t>
+            </a:r>
+            <a:endParaRPr lang="en-US" altLang="ko-KR" sz="2000">
+              <a:latin typeface="나눔스퀘어OTF Light" panose="020B0600000101010101" pitchFamily="34" charset="-127"/>
+              <a:ea typeface="나눔스퀘어OTF Light" panose="020B0600000101010101" pitchFamily="34" charset="-127"/>
+            </a:endParaRPr>
+          </a:p>
+          <a:p>
+            <a:pPr algn="ctr"/>
+            <a:r>
+              <a:rPr lang="ko-KR" altLang="en-US" sz="2000">
+                <a:latin typeface="나눔스퀘어OTF Light" panose="020B0600000101010101" pitchFamily="34" charset="-127"/>
+                <a:ea typeface="나눔스퀘어OTF Light" panose="020B0600000101010101" pitchFamily="34" charset="-127"/>
+              </a:rPr>
+              <a:t>각 타입에 해당하는 오디오 소스를 저장할 수 있는 배열 변수를 선언</a:t>
+            </a:r>
+            <a:endParaRPr lang="en-US" altLang="ko-KR" sz="2000">
+              <a:latin typeface="나눔스퀘어OTF Light" panose="020B0600000101010101" pitchFamily="34" charset="-127"/>
+              <a:ea typeface="나눔스퀘어OTF Light" panose="020B0600000101010101" pitchFamily="34" charset="-127"/>
+            </a:endParaRPr>
+          </a:p>
+        </p:txBody>
+      </p:sp>
+    </p:spTree>
+    <p:extLst>
+      <p:ext uri="{BB962C8B-B14F-4D97-AF65-F5344CB8AC3E}">
+        <p14:creationId xmlns:p14="http://schemas.microsoft.com/office/powerpoint/2010/main" val="2799647438"/>
       </p:ext>
     </p:extLst>
   </p:cSld>
@@ -9182,6 +11642,2766 @@
     <p:extLst>
       <p:ext uri="{BB962C8B-B14F-4D97-AF65-F5344CB8AC3E}">
         <p14:creationId xmlns:p14="http://schemas.microsoft.com/office/powerpoint/2010/main" val="211111966"/>
+      </p:ext>
+    </p:extLst>
+  </p:cSld>
+  <p:clrMapOvr>
+    <a:masterClrMapping/>
+  </p:clrMapOvr>
+</p:sld>
+</file>
+
+<file path=ppt/slides/slide30.xml><?xml version="1.0" encoding="utf-8"?>
+<p:sld xmlns:a="http://schemas.openxmlformats.org/drawingml/2006/main" xmlns:r="http://schemas.openxmlformats.org/officeDocument/2006/relationships" xmlns:p="http://schemas.openxmlformats.org/presentationml/2006/main">
+  <p:cSld>
+    <p:spTree>
+      <p:nvGrpSpPr>
+        <p:cNvPr id="1" name=""/>
+        <p:cNvGrpSpPr/>
+        <p:nvPr/>
+      </p:nvGrpSpPr>
+      <p:grpSpPr>
+        <a:xfrm>
+          <a:off x="0" y="0"/>
+          <a:ext cx="0" cy="0"/>
+          <a:chOff x="0" y="0"/>
+          <a:chExt cx="0" cy="0"/>
+        </a:xfrm>
+      </p:grpSpPr>
+      <p:sp>
+        <p:nvSpPr>
+          <p:cNvPr id="6" name="TextBox 5">
+            <a:extLst>
+              <a:ext uri="{FF2B5EF4-FFF2-40B4-BE49-F238E27FC236}">
+                <a16:creationId xmlns:a16="http://schemas.microsoft.com/office/drawing/2014/main" id="{F453C929-8CA3-4E79-AF5D-99EC8407C6CF}"/>
+              </a:ext>
+            </a:extLst>
+          </p:cNvPr>
+          <p:cNvSpPr txBox="1"/>
+          <p:nvPr/>
+        </p:nvSpPr>
+        <p:spPr>
+          <a:xfrm>
+            <a:off x="171888" y="194702"/>
+            <a:ext cx="2698175" cy="523220"/>
+          </a:xfrm>
+          <a:prstGeom prst="rect">
+            <a:avLst/>
+          </a:prstGeom>
+          <a:noFill/>
+        </p:spPr>
+        <p:txBody>
+          <a:bodyPr wrap="none" rtlCol="0">
+            <a:spAutoFit/>
+          </a:bodyPr>
+          <a:lstStyle/>
+          <a:p>
+            <a:r>
+              <a:rPr lang="en-US" altLang="ko-KR" sz="2800">
+                <a:latin typeface="나눔스퀘어OTF Light" panose="020B0600000101010101" pitchFamily="34" charset="-127"/>
+                <a:ea typeface="나눔스퀘어OTF Light" panose="020B0600000101010101" pitchFamily="34" charset="-127"/>
+              </a:rPr>
+              <a:t>4. </a:t>
+            </a:r>
+            <a:r>
+              <a:rPr lang="ko-KR" altLang="en-US" sz="2800">
+                <a:latin typeface="나눔스퀘어OTF Light" panose="020B0600000101010101" pitchFamily="34" charset="-127"/>
+                <a:ea typeface="나눔스퀘어OTF Light" panose="020B0600000101010101" pitchFamily="34" charset="-127"/>
+              </a:rPr>
+              <a:t>사운드 매니저</a:t>
+            </a:r>
+          </a:p>
+        </p:txBody>
+      </p:sp>
+      <p:cxnSp>
+        <p:nvCxnSpPr>
+          <p:cNvPr id="4" name="직선 연결선 3">
+            <a:extLst>
+              <a:ext uri="{FF2B5EF4-FFF2-40B4-BE49-F238E27FC236}">
+                <a16:creationId xmlns:a16="http://schemas.microsoft.com/office/drawing/2014/main" id="{7442459B-3DED-44F0-9E4C-B50601FEB425}"/>
+              </a:ext>
+            </a:extLst>
+          </p:cNvPr>
+          <p:cNvCxnSpPr>
+            <a:cxnSpLocks/>
+          </p:cNvCxnSpPr>
+          <p:nvPr/>
+        </p:nvCxnSpPr>
+        <p:spPr>
+          <a:xfrm>
+            <a:off x="132133" y="780690"/>
+            <a:ext cx="819295" cy="0"/>
+          </a:xfrm>
+          <a:prstGeom prst="line">
+            <a:avLst/>
+          </a:prstGeom>
+          <a:ln>
+            <a:solidFill>
+              <a:schemeClr val="tx1"/>
+            </a:solidFill>
+          </a:ln>
+        </p:spPr>
+        <p:style>
+          <a:lnRef idx="1">
+            <a:schemeClr val="accent1"/>
+          </a:lnRef>
+          <a:fillRef idx="0">
+            <a:schemeClr val="accent1"/>
+          </a:fillRef>
+          <a:effectRef idx="0">
+            <a:schemeClr val="accent1"/>
+          </a:effectRef>
+          <a:fontRef idx="minor">
+            <a:schemeClr val="tx1"/>
+          </a:fontRef>
+        </p:style>
+      </p:cxnSp>
+      <p:sp>
+        <p:nvSpPr>
+          <p:cNvPr id="8" name="TextBox 7">
+            <a:extLst>
+              <a:ext uri="{FF2B5EF4-FFF2-40B4-BE49-F238E27FC236}">
+                <a16:creationId xmlns:a16="http://schemas.microsoft.com/office/drawing/2014/main" id="{30CE6A11-FEA4-4E44-A88F-3AEB320B87F7}"/>
+              </a:ext>
+            </a:extLst>
+          </p:cNvPr>
+          <p:cNvSpPr txBox="1"/>
+          <p:nvPr/>
+        </p:nvSpPr>
+        <p:spPr>
+          <a:xfrm>
+            <a:off x="2382287" y="1288473"/>
+            <a:ext cx="7427422" cy="3816429"/>
+          </a:xfrm>
+          <a:prstGeom prst="rect">
+            <a:avLst/>
+          </a:prstGeom>
+          <a:solidFill>
+            <a:schemeClr val="tx1"/>
+          </a:solidFill>
+        </p:spPr>
+        <p:txBody>
+          <a:bodyPr wrap="square">
+            <a:spAutoFit/>
+          </a:bodyPr>
+          <a:lstStyle/>
+          <a:p>
+            <a:r>
+              <a:rPr lang="en-US" altLang="ko-KR" sz="1100" b="0">
+                <a:solidFill>
+                  <a:srgbClr val="D4D4D4"/>
+                </a:solidFill>
+                <a:effectLst/>
+                <a:latin typeface="Consolas" panose="020B0609020204030204" pitchFamily="49" charset="0"/>
+              </a:rPr>
+              <a:t>    </a:t>
+            </a:r>
+            <a:r>
+              <a:rPr lang="en-US" altLang="ko-KR" sz="1100" b="0">
+                <a:solidFill>
+                  <a:srgbClr val="569CD6"/>
+                </a:solidFill>
+                <a:effectLst/>
+                <a:latin typeface="Consolas" panose="020B0609020204030204" pitchFamily="49" charset="0"/>
+              </a:rPr>
+              <a:t>public</a:t>
+            </a:r>
+            <a:r>
+              <a:rPr lang="en-US" altLang="ko-KR" sz="1100" b="0">
+                <a:solidFill>
+                  <a:srgbClr val="D4D4D4"/>
+                </a:solidFill>
+                <a:effectLst/>
+                <a:latin typeface="Consolas" panose="020B0609020204030204" pitchFamily="49" charset="0"/>
+              </a:rPr>
+              <a:t> </a:t>
+            </a:r>
+            <a:r>
+              <a:rPr lang="en-US" altLang="ko-KR" sz="1100" b="0">
+                <a:solidFill>
+                  <a:srgbClr val="569CD6"/>
+                </a:solidFill>
+                <a:effectLst/>
+                <a:latin typeface="Consolas" panose="020B0609020204030204" pitchFamily="49" charset="0"/>
+              </a:rPr>
+              <a:t>void</a:t>
+            </a:r>
+            <a:r>
+              <a:rPr lang="en-US" altLang="ko-KR" sz="1100" b="0">
+                <a:solidFill>
+                  <a:srgbClr val="D4D4D4"/>
+                </a:solidFill>
+                <a:effectLst/>
+                <a:latin typeface="Consolas" panose="020B0609020204030204" pitchFamily="49" charset="0"/>
+              </a:rPr>
+              <a:t> </a:t>
+            </a:r>
+            <a:r>
+              <a:rPr lang="en-US" altLang="ko-KR" sz="1100" b="0">
+                <a:solidFill>
+                  <a:srgbClr val="DCDCAA"/>
+                </a:solidFill>
+                <a:effectLst/>
+                <a:latin typeface="Consolas" panose="020B0609020204030204" pitchFamily="49" charset="0"/>
+              </a:rPr>
+              <a:t>Play</a:t>
+            </a:r>
+            <a:r>
+              <a:rPr lang="en-US" altLang="ko-KR" sz="1100" b="0">
+                <a:solidFill>
+                  <a:srgbClr val="D4D4D4"/>
+                </a:solidFill>
+                <a:effectLst/>
+                <a:latin typeface="Consolas" panose="020B0609020204030204" pitchFamily="49" charset="0"/>
+              </a:rPr>
+              <a:t>(</a:t>
+            </a:r>
+            <a:r>
+              <a:rPr lang="en-US" altLang="ko-KR" sz="1100" b="0">
+                <a:solidFill>
+                  <a:srgbClr val="4EC9B0"/>
+                </a:solidFill>
+                <a:effectLst/>
+                <a:latin typeface="Consolas" panose="020B0609020204030204" pitchFamily="49" charset="0"/>
+              </a:rPr>
+              <a:t>AudioClip</a:t>
+            </a:r>
+            <a:r>
+              <a:rPr lang="en-US" altLang="ko-KR" sz="1100" b="0">
+                <a:solidFill>
+                  <a:srgbClr val="D4D4D4"/>
+                </a:solidFill>
+                <a:effectLst/>
+                <a:latin typeface="Consolas" panose="020B0609020204030204" pitchFamily="49" charset="0"/>
+              </a:rPr>
+              <a:t> </a:t>
+            </a:r>
+            <a:r>
+              <a:rPr lang="en-US" altLang="ko-KR" sz="1100" b="0">
+                <a:solidFill>
+                  <a:srgbClr val="9CDCFE"/>
+                </a:solidFill>
+                <a:effectLst/>
+                <a:latin typeface="Consolas" panose="020B0609020204030204" pitchFamily="49" charset="0"/>
+              </a:rPr>
+              <a:t>audio</a:t>
+            </a:r>
+            <a:r>
+              <a:rPr lang="en-US" altLang="ko-KR" sz="1100" b="0">
+                <a:solidFill>
+                  <a:srgbClr val="D4D4D4"/>
+                </a:solidFill>
+                <a:effectLst/>
+                <a:latin typeface="Consolas" panose="020B0609020204030204" pitchFamily="49" charset="0"/>
+              </a:rPr>
+              <a:t>, </a:t>
+            </a:r>
+            <a:r>
+              <a:rPr lang="en-US" altLang="ko-KR" sz="1100" b="0">
+                <a:solidFill>
+                  <a:srgbClr val="4EC9B0"/>
+                </a:solidFill>
+                <a:effectLst/>
+                <a:latin typeface="Consolas" panose="020B0609020204030204" pitchFamily="49" charset="0"/>
+              </a:rPr>
+              <a:t>SoundType</a:t>
+            </a:r>
+            <a:r>
+              <a:rPr lang="en-US" altLang="ko-KR" sz="1100" b="0">
+                <a:solidFill>
+                  <a:srgbClr val="D4D4D4"/>
+                </a:solidFill>
+                <a:effectLst/>
+                <a:latin typeface="Consolas" panose="020B0609020204030204" pitchFamily="49" charset="0"/>
+              </a:rPr>
+              <a:t> </a:t>
+            </a:r>
+            <a:r>
+              <a:rPr lang="en-US" altLang="ko-KR" sz="1100" b="0">
+                <a:solidFill>
+                  <a:srgbClr val="9CDCFE"/>
+                </a:solidFill>
+                <a:effectLst/>
+                <a:latin typeface="Consolas" panose="020B0609020204030204" pitchFamily="49" charset="0"/>
+              </a:rPr>
+              <a:t>type</a:t>
+            </a:r>
+            <a:r>
+              <a:rPr lang="en-US" altLang="ko-KR" sz="1100" b="0">
+                <a:solidFill>
+                  <a:srgbClr val="D4D4D4"/>
+                </a:solidFill>
+                <a:effectLst/>
+                <a:latin typeface="Consolas" panose="020B0609020204030204" pitchFamily="49" charset="0"/>
+              </a:rPr>
+              <a:t>, </a:t>
+            </a:r>
+            <a:r>
+              <a:rPr lang="en-US" altLang="ko-KR" sz="1100" b="0">
+                <a:solidFill>
+                  <a:srgbClr val="569CD6"/>
+                </a:solidFill>
+                <a:effectLst/>
+                <a:latin typeface="Consolas" panose="020B0609020204030204" pitchFamily="49" charset="0"/>
+              </a:rPr>
+              <a:t>float</a:t>
+            </a:r>
+            <a:r>
+              <a:rPr lang="en-US" altLang="ko-KR" sz="1100" b="0">
+                <a:solidFill>
+                  <a:srgbClr val="D4D4D4"/>
+                </a:solidFill>
+                <a:effectLst/>
+                <a:latin typeface="Consolas" panose="020B0609020204030204" pitchFamily="49" charset="0"/>
+              </a:rPr>
+              <a:t> </a:t>
+            </a:r>
+            <a:r>
+              <a:rPr lang="en-US" altLang="ko-KR" sz="1100" b="0">
+                <a:solidFill>
+                  <a:srgbClr val="9CDCFE"/>
+                </a:solidFill>
+                <a:effectLst/>
+                <a:latin typeface="Consolas" panose="020B0609020204030204" pitchFamily="49" charset="0"/>
+              </a:rPr>
+              <a:t>pitch</a:t>
+            </a:r>
+            <a:r>
+              <a:rPr lang="en-US" altLang="ko-KR" sz="1100" b="0">
+                <a:solidFill>
+                  <a:srgbClr val="D4D4D4"/>
+                </a:solidFill>
+                <a:effectLst/>
+                <a:latin typeface="Consolas" panose="020B0609020204030204" pitchFamily="49" charset="0"/>
+              </a:rPr>
+              <a:t> = </a:t>
+            </a:r>
+            <a:r>
+              <a:rPr lang="en-US" altLang="ko-KR" sz="1100" b="0">
+                <a:solidFill>
+                  <a:srgbClr val="B5CEA8"/>
+                </a:solidFill>
+                <a:effectLst/>
+                <a:latin typeface="Consolas" panose="020B0609020204030204" pitchFamily="49" charset="0"/>
+              </a:rPr>
+              <a:t>1.0f</a:t>
+            </a:r>
+            <a:r>
+              <a:rPr lang="en-US" altLang="ko-KR" sz="1100" b="0">
+                <a:solidFill>
+                  <a:srgbClr val="D4D4D4"/>
+                </a:solidFill>
+                <a:effectLst/>
+                <a:latin typeface="Consolas" panose="020B0609020204030204" pitchFamily="49" charset="0"/>
+              </a:rPr>
+              <a:t>, </a:t>
+            </a:r>
+            <a:r>
+              <a:rPr lang="en-US" altLang="ko-KR" sz="1100" b="0">
+                <a:solidFill>
+                  <a:srgbClr val="569CD6"/>
+                </a:solidFill>
+                <a:effectLst/>
+                <a:latin typeface="Consolas" panose="020B0609020204030204" pitchFamily="49" charset="0"/>
+              </a:rPr>
+              <a:t>float</a:t>
+            </a:r>
+            <a:r>
+              <a:rPr lang="en-US" altLang="ko-KR" sz="1100" b="0">
+                <a:solidFill>
+                  <a:srgbClr val="D4D4D4"/>
+                </a:solidFill>
+                <a:effectLst/>
+                <a:latin typeface="Consolas" panose="020B0609020204030204" pitchFamily="49" charset="0"/>
+              </a:rPr>
+              <a:t> </a:t>
+            </a:r>
+            <a:r>
+              <a:rPr lang="en-US" altLang="ko-KR" sz="1100" b="0">
+                <a:solidFill>
+                  <a:srgbClr val="9CDCFE"/>
+                </a:solidFill>
+                <a:effectLst/>
+                <a:latin typeface="Consolas" panose="020B0609020204030204" pitchFamily="49" charset="0"/>
+              </a:rPr>
+              <a:t>volume</a:t>
+            </a:r>
+            <a:r>
+              <a:rPr lang="en-US" altLang="ko-KR" sz="1100" b="0">
+                <a:solidFill>
+                  <a:srgbClr val="D4D4D4"/>
+                </a:solidFill>
+                <a:effectLst/>
+                <a:latin typeface="Consolas" panose="020B0609020204030204" pitchFamily="49" charset="0"/>
+              </a:rPr>
+              <a:t> = </a:t>
+            </a:r>
+            <a:r>
+              <a:rPr lang="en-US" altLang="ko-KR" sz="1100" b="0">
+                <a:solidFill>
+                  <a:srgbClr val="B5CEA8"/>
+                </a:solidFill>
+                <a:effectLst/>
+                <a:latin typeface="Consolas" panose="020B0609020204030204" pitchFamily="49" charset="0"/>
+              </a:rPr>
+              <a:t>1.0f</a:t>
+            </a:r>
+            <a:r>
+              <a:rPr lang="en-US" altLang="ko-KR" sz="1100" b="0">
+                <a:solidFill>
+                  <a:srgbClr val="D4D4D4"/>
+                </a:solidFill>
+                <a:effectLst/>
+                <a:latin typeface="Consolas" panose="020B0609020204030204" pitchFamily="49" charset="0"/>
+              </a:rPr>
+              <a:t>)</a:t>
+            </a:r>
+          </a:p>
+          <a:p>
+            <a:r>
+              <a:rPr lang="en-US" altLang="ko-KR" sz="1100" b="0">
+                <a:solidFill>
+                  <a:srgbClr val="D4D4D4"/>
+                </a:solidFill>
+                <a:effectLst/>
+                <a:latin typeface="Consolas" panose="020B0609020204030204" pitchFamily="49" charset="0"/>
+              </a:rPr>
+              <a:t>    {</a:t>
+            </a:r>
+          </a:p>
+          <a:p>
+            <a:r>
+              <a:rPr lang="en-US" altLang="ko-KR" sz="1100" b="0">
+                <a:solidFill>
+                  <a:srgbClr val="D4D4D4"/>
+                </a:solidFill>
+                <a:effectLst/>
+                <a:latin typeface="Consolas" panose="020B0609020204030204" pitchFamily="49" charset="0"/>
+              </a:rPr>
+              <a:t>        </a:t>
+            </a:r>
+            <a:r>
+              <a:rPr lang="en-US" altLang="ko-KR" sz="1100" b="0">
+                <a:solidFill>
+                  <a:srgbClr val="4EC9B0"/>
+                </a:solidFill>
+                <a:effectLst/>
+                <a:latin typeface="Consolas" panose="020B0609020204030204" pitchFamily="49" charset="0"/>
+              </a:rPr>
+              <a:t>AudioSource</a:t>
+            </a:r>
+            <a:r>
+              <a:rPr lang="en-US" altLang="ko-KR" sz="1100" b="0">
+                <a:solidFill>
+                  <a:srgbClr val="D4D4D4"/>
+                </a:solidFill>
+                <a:effectLst/>
+                <a:latin typeface="Consolas" panose="020B0609020204030204" pitchFamily="49" charset="0"/>
+              </a:rPr>
+              <a:t> </a:t>
+            </a:r>
+            <a:r>
+              <a:rPr lang="en-US" altLang="ko-KR" sz="1100" b="0">
+                <a:solidFill>
+                  <a:srgbClr val="9CDCFE"/>
+                </a:solidFill>
+                <a:effectLst/>
+                <a:latin typeface="Consolas" panose="020B0609020204030204" pitchFamily="49" charset="0"/>
+              </a:rPr>
+              <a:t>source</a:t>
+            </a:r>
+            <a:r>
+              <a:rPr lang="en-US" altLang="ko-KR" sz="1100" b="0">
+                <a:solidFill>
+                  <a:srgbClr val="D4D4D4"/>
+                </a:solidFill>
+                <a:effectLst/>
+                <a:latin typeface="Consolas" panose="020B0609020204030204" pitchFamily="49" charset="0"/>
+              </a:rPr>
+              <a:t> = </a:t>
+            </a:r>
+            <a:r>
+              <a:rPr lang="en-US" altLang="ko-KR" sz="1100" b="0">
+                <a:solidFill>
+                  <a:srgbClr val="9CDCFE"/>
+                </a:solidFill>
+                <a:effectLst/>
+                <a:latin typeface="Consolas" panose="020B0609020204030204" pitchFamily="49" charset="0"/>
+              </a:rPr>
+              <a:t>sources</a:t>
+            </a:r>
+            <a:r>
+              <a:rPr lang="en-US" altLang="ko-KR" sz="1100" b="0">
+                <a:solidFill>
+                  <a:srgbClr val="D4D4D4"/>
+                </a:solidFill>
+                <a:effectLst/>
+                <a:latin typeface="Consolas" panose="020B0609020204030204" pitchFamily="49" charset="0"/>
+              </a:rPr>
+              <a:t>[(</a:t>
+            </a:r>
+            <a:r>
+              <a:rPr lang="en-US" altLang="ko-KR" sz="1100" b="0">
+                <a:solidFill>
+                  <a:srgbClr val="569CD6"/>
+                </a:solidFill>
+                <a:effectLst/>
+                <a:latin typeface="Consolas" panose="020B0609020204030204" pitchFamily="49" charset="0"/>
+              </a:rPr>
+              <a:t>int</a:t>
+            </a:r>
+            <a:r>
+              <a:rPr lang="en-US" altLang="ko-KR" sz="1100" b="0">
+                <a:solidFill>
+                  <a:srgbClr val="D4D4D4"/>
+                </a:solidFill>
+                <a:effectLst/>
+                <a:latin typeface="Consolas" panose="020B0609020204030204" pitchFamily="49" charset="0"/>
+              </a:rPr>
+              <a:t>)</a:t>
+            </a:r>
+            <a:r>
+              <a:rPr lang="en-US" altLang="ko-KR" sz="1100" b="0">
+                <a:solidFill>
+                  <a:srgbClr val="9CDCFE"/>
+                </a:solidFill>
+                <a:effectLst/>
+                <a:latin typeface="Consolas" panose="020B0609020204030204" pitchFamily="49" charset="0"/>
+              </a:rPr>
+              <a:t>type</a:t>
+            </a:r>
+            <a:r>
+              <a:rPr lang="en-US" altLang="ko-KR" sz="1100" b="0">
+                <a:solidFill>
+                  <a:srgbClr val="D4D4D4"/>
+                </a:solidFill>
+                <a:effectLst/>
+                <a:latin typeface="Consolas" panose="020B0609020204030204" pitchFamily="49" charset="0"/>
+              </a:rPr>
+              <a:t>];</a:t>
+            </a:r>
+          </a:p>
+          <a:p>
+            <a:br>
+              <a:rPr lang="en-US" altLang="ko-KR" sz="1100" b="0">
+                <a:solidFill>
+                  <a:srgbClr val="D4D4D4"/>
+                </a:solidFill>
+                <a:effectLst/>
+                <a:latin typeface="Consolas" panose="020B0609020204030204" pitchFamily="49" charset="0"/>
+              </a:rPr>
+            </a:br>
+            <a:r>
+              <a:rPr lang="en-US" altLang="ko-KR" sz="1100" b="0">
+                <a:solidFill>
+                  <a:srgbClr val="D4D4D4"/>
+                </a:solidFill>
+                <a:effectLst/>
+                <a:latin typeface="Consolas" panose="020B0609020204030204" pitchFamily="49" charset="0"/>
+              </a:rPr>
+              <a:t>        </a:t>
+            </a:r>
+            <a:r>
+              <a:rPr lang="en-US" altLang="ko-KR" sz="1100" b="0">
+                <a:solidFill>
+                  <a:srgbClr val="C586C0"/>
+                </a:solidFill>
+                <a:effectLst/>
+                <a:latin typeface="Consolas" panose="020B0609020204030204" pitchFamily="49" charset="0"/>
+              </a:rPr>
+              <a:t>if</a:t>
+            </a:r>
+            <a:r>
+              <a:rPr lang="en-US" altLang="ko-KR" sz="1100" b="0">
+                <a:solidFill>
+                  <a:srgbClr val="D4D4D4"/>
+                </a:solidFill>
+                <a:effectLst/>
+                <a:latin typeface="Consolas" panose="020B0609020204030204" pitchFamily="49" charset="0"/>
+              </a:rPr>
+              <a:t> (</a:t>
+            </a:r>
+            <a:r>
+              <a:rPr lang="en-US" altLang="ko-KR" sz="1100" b="0">
+                <a:solidFill>
+                  <a:srgbClr val="9CDCFE"/>
+                </a:solidFill>
+                <a:effectLst/>
+                <a:latin typeface="Consolas" panose="020B0609020204030204" pitchFamily="49" charset="0"/>
+              </a:rPr>
+              <a:t>source</a:t>
+            </a:r>
+            <a:r>
+              <a:rPr lang="en-US" altLang="ko-KR" sz="1100" b="0">
+                <a:solidFill>
+                  <a:srgbClr val="D4D4D4"/>
+                </a:solidFill>
+                <a:effectLst/>
+                <a:latin typeface="Consolas" panose="020B0609020204030204" pitchFamily="49" charset="0"/>
+              </a:rPr>
+              <a:t>)</a:t>
+            </a:r>
+          </a:p>
+          <a:p>
+            <a:r>
+              <a:rPr lang="en-US" altLang="ko-KR" sz="1100" b="0">
+                <a:solidFill>
+                  <a:srgbClr val="D4D4D4"/>
+                </a:solidFill>
+                <a:effectLst/>
+                <a:latin typeface="Consolas" panose="020B0609020204030204" pitchFamily="49" charset="0"/>
+              </a:rPr>
+              <a:t>        {</a:t>
+            </a:r>
+          </a:p>
+          <a:p>
+            <a:r>
+              <a:rPr lang="en-US" altLang="ko-KR" sz="1100" b="0">
+                <a:solidFill>
+                  <a:srgbClr val="D4D4D4"/>
+                </a:solidFill>
+                <a:effectLst/>
+                <a:latin typeface="Consolas" panose="020B0609020204030204" pitchFamily="49" charset="0"/>
+              </a:rPr>
+              <a:t>            </a:t>
+            </a:r>
+            <a:r>
+              <a:rPr lang="en-US" altLang="ko-KR" sz="1100" b="0">
+                <a:solidFill>
+                  <a:srgbClr val="9CDCFE"/>
+                </a:solidFill>
+                <a:effectLst/>
+                <a:latin typeface="Consolas" panose="020B0609020204030204" pitchFamily="49" charset="0"/>
+              </a:rPr>
+              <a:t>source</a:t>
+            </a:r>
+            <a:r>
+              <a:rPr lang="en-US" altLang="ko-KR" sz="1100" b="0">
+                <a:solidFill>
+                  <a:srgbClr val="D4D4D4"/>
+                </a:solidFill>
+                <a:effectLst/>
+                <a:latin typeface="Consolas" panose="020B0609020204030204" pitchFamily="49" charset="0"/>
+              </a:rPr>
+              <a:t>.</a:t>
+            </a:r>
+            <a:r>
+              <a:rPr lang="en-US" altLang="ko-KR" sz="1100" b="0">
+                <a:solidFill>
+                  <a:srgbClr val="9CDCFE"/>
+                </a:solidFill>
+                <a:effectLst/>
+                <a:latin typeface="Consolas" panose="020B0609020204030204" pitchFamily="49" charset="0"/>
+              </a:rPr>
+              <a:t>pitch</a:t>
+            </a:r>
+            <a:r>
+              <a:rPr lang="en-US" altLang="ko-KR" sz="1100" b="0">
+                <a:solidFill>
+                  <a:srgbClr val="D4D4D4"/>
+                </a:solidFill>
+                <a:effectLst/>
+                <a:latin typeface="Consolas" panose="020B0609020204030204" pitchFamily="49" charset="0"/>
+              </a:rPr>
+              <a:t> = </a:t>
+            </a:r>
+            <a:r>
+              <a:rPr lang="en-US" altLang="ko-KR" sz="1100" b="0">
+                <a:solidFill>
+                  <a:srgbClr val="9CDCFE"/>
+                </a:solidFill>
+                <a:effectLst/>
+                <a:latin typeface="Consolas" panose="020B0609020204030204" pitchFamily="49" charset="0"/>
+              </a:rPr>
+              <a:t>pitch</a:t>
+            </a:r>
+            <a:r>
+              <a:rPr lang="en-US" altLang="ko-KR" sz="1100" b="0">
+                <a:solidFill>
+                  <a:srgbClr val="D4D4D4"/>
+                </a:solidFill>
+                <a:effectLst/>
+                <a:latin typeface="Consolas" panose="020B0609020204030204" pitchFamily="49" charset="0"/>
+              </a:rPr>
+              <a:t>;</a:t>
+            </a:r>
+          </a:p>
+          <a:p>
+            <a:r>
+              <a:rPr lang="en-US" altLang="ko-KR" sz="1100" b="0">
+                <a:solidFill>
+                  <a:srgbClr val="D4D4D4"/>
+                </a:solidFill>
+                <a:effectLst/>
+                <a:latin typeface="Consolas" panose="020B0609020204030204" pitchFamily="49" charset="0"/>
+              </a:rPr>
+              <a:t>            </a:t>
+            </a:r>
+            <a:r>
+              <a:rPr lang="en-US" altLang="ko-KR" sz="1100" b="0">
+                <a:solidFill>
+                  <a:srgbClr val="9CDCFE"/>
+                </a:solidFill>
+                <a:effectLst/>
+                <a:latin typeface="Consolas" panose="020B0609020204030204" pitchFamily="49" charset="0"/>
+              </a:rPr>
+              <a:t>source</a:t>
+            </a:r>
+            <a:r>
+              <a:rPr lang="en-US" altLang="ko-KR" sz="1100" b="0">
+                <a:solidFill>
+                  <a:srgbClr val="D4D4D4"/>
+                </a:solidFill>
+                <a:effectLst/>
+                <a:latin typeface="Consolas" panose="020B0609020204030204" pitchFamily="49" charset="0"/>
+              </a:rPr>
+              <a:t>.</a:t>
+            </a:r>
+            <a:r>
+              <a:rPr lang="en-US" altLang="ko-KR" sz="1100" b="0">
+                <a:solidFill>
+                  <a:srgbClr val="9CDCFE"/>
+                </a:solidFill>
+                <a:effectLst/>
+                <a:latin typeface="Consolas" panose="020B0609020204030204" pitchFamily="49" charset="0"/>
+              </a:rPr>
+              <a:t>volume</a:t>
+            </a:r>
+            <a:r>
+              <a:rPr lang="en-US" altLang="ko-KR" sz="1100" b="0">
+                <a:solidFill>
+                  <a:srgbClr val="D4D4D4"/>
+                </a:solidFill>
+                <a:effectLst/>
+                <a:latin typeface="Consolas" panose="020B0609020204030204" pitchFamily="49" charset="0"/>
+              </a:rPr>
+              <a:t> = </a:t>
+            </a:r>
+            <a:r>
+              <a:rPr lang="en-US" altLang="ko-KR" sz="1100" b="0">
+                <a:solidFill>
+                  <a:srgbClr val="9CDCFE"/>
+                </a:solidFill>
+                <a:effectLst/>
+                <a:latin typeface="Consolas" panose="020B0609020204030204" pitchFamily="49" charset="0"/>
+              </a:rPr>
+              <a:t>volume</a:t>
+            </a:r>
+            <a:r>
+              <a:rPr lang="en-US" altLang="ko-KR" sz="1100" b="0">
+                <a:solidFill>
+                  <a:srgbClr val="D4D4D4"/>
+                </a:solidFill>
+                <a:effectLst/>
+                <a:latin typeface="Consolas" panose="020B0609020204030204" pitchFamily="49" charset="0"/>
+              </a:rPr>
+              <a:t>;</a:t>
+            </a:r>
+          </a:p>
+          <a:p>
+            <a:br>
+              <a:rPr lang="en-US" altLang="ko-KR" sz="1100" b="0">
+                <a:solidFill>
+                  <a:srgbClr val="D4D4D4"/>
+                </a:solidFill>
+                <a:effectLst/>
+                <a:latin typeface="Consolas" panose="020B0609020204030204" pitchFamily="49" charset="0"/>
+              </a:rPr>
+            </a:br>
+            <a:r>
+              <a:rPr lang="en-US" altLang="ko-KR" sz="1100" b="0">
+                <a:solidFill>
+                  <a:srgbClr val="D4D4D4"/>
+                </a:solidFill>
+                <a:effectLst/>
+                <a:latin typeface="Consolas" panose="020B0609020204030204" pitchFamily="49" charset="0"/>
+              </a:rPr>
+              <a:t>            </a:t>
+            </a:r>
+            <a:r>
+              <a:rPr lang="en-US" altLang="ko-KR" sz="1100" b="0">
+                <a:solidFill>
+                  <a:srgbClr val="C586C0"/>
+                </a:solidFill>
+                <a:effectLst/>
+                <a:latin typeface="Consolas" panose="020B0609020204030204" pitchFamily="49" charset="0"/>
+              </a:rPr>
+              <a:t>if</a:t>
+            </a:r>
+            <a:r>
+              <a:rPr lang="en-US" altLang="ko-KR" sz="1100" b="0">
+                <a:solidFill>
+                  <a:srgbClr val="D4D4D4"/>
+                </a:solidFill>
+                <a:effectLst/>
+                <a:latin typeface="Consolas" panose="020B0609020204030204" pitchFamily="49" charset="0"/>
+              </a:rPr>
+              <a:t> (</a:t>
+            </a:r>
+            <a:r>
+              <a:rPr lang="en-US" altLang="ko-KR" sz="1100" b="0">
+                <a:solidFill>
+                  <a:srgbClr val="9CDCFE"/>
+                </a:solidFill>
+                <a:effectLst/>
+                <a:latin typeface="Consolas" panose="020B0609020204030204" pitchFamily="49" charset="0"/>
+              </a:rPr>
+              <a:t>type</a:t>
+            </a:r>
+            <a:r>
+              <a:rPr lang="en-US" altLang="ko-KR" sz="1100" b="0">
+                <a:solidFill>
+                  <a:srgbClr val="D4D4D4"/>
+                </a:solidFill>
+                <a:effectLst/>
+                <a:latin typeface="Consolas" panose="020B0609020204030204" pitchFamily="49" charset="0"/>
+              </a:rPr>
+              <a:t> == </a:t>
+            </a:r>
+            <a:r>
+              <a:rPr lang="en-US" altLang="ko-KR" sz="1100" b="0">
+                <a:solidFill>
+                  <a:srgbClr val="9CDCFE"/>
+                </a:solidFill>
+                <a:effectLst/>
+                <a:latin typeface="Consolas" panose="020B0609020204030204" pitchFamily="49" charset="0"/>
+              </a:rPr>
+              <a:t>SoundType</a:t>
+            </a:r>
+            <a:r>
+              <a:rPr lang="en-US" altLang="ko-KR" sz="1100" b="0">
+                <a:solidFill>
+                  <a:srgbClr val="D4D4D4"/>
+                </a:solidFill>
+                <a:effectLst/>
+                <a:latin typeface="Consolas" panose="020B0609020204030204" pitchFamily="49" charset="0"/>
+              </a:rPr>
+              <a:t>.</a:t>
+            </a:r>
+            <a:r>
+              <a:rPr lang="en-US" altLang="ko-KR" sz="1100" b="0">
+                <a:solidFill>
+                  <a:srgbClr val="9CDCFE"/>
+                </a:solidFill>
+                <a:effectLst/>
+                <a:latin typeface="Consolas" panose="020B0609020204030204" pitchFamily="49" charset="0"/>
+              </a:rPr>
+              <a:t>BGM</a:t>
+            </a:r>
+            <a:r>
+              <a:rPr lang="en-US" altLang="ko-KR" sz="1100" b="0">
+                <a:solidFill>
+                  <a:srgbClr val="D4D4D4"/>
+                </a:solidFill>
+                <a:effectLst/>
+                <a:latin typeface="Consolas" panose="020B0609020204030204" pitchFamily="49" charset="0"/>
+              </a:rPr>
+              <a:t>)</a:t>
+            </a:r>
+          </a:p>
+          <a:p>
+            <a:r>
+              <a:rPr lang="en-US" altLang="ko-KR" sz="1100" b="0">
+                <a:solidFill>
+                  <a:srgbClr val="D4D4D4"/>
+                </a:solidFill>
+                <a:effectLst/>
+                <a:latin typeface="Consolas" panose="020B0609020204030204" pitchFamily="49" charset="0"/>
+              </a:rPr>
+              <a:t>            {</a:t>
+            </a:r>
+          </a:p>
+          <a:p>
+            <a:r>
+              <a:rPr lang="en-US" altLang="ko-KR" sz="1100" b="0">
+                <a:solidFill>
+                  <a:srgbClr val="D4D4D4"/>
+                </a:solidFill>
+                <a:effectLst/>
+                <a:latin typeface="Consolas" panose="020B0609020204030204" pitchFamily="49" charset="0"/>
+              </a:rPr>
+              <a:t>                </a:t>
+            </a:r>
+            <a:r>
+              <a:rPr lang="en-US" altLang="ko-KR" sz="1100" b="0">
+                <a:solidFill>
+                  <a:srgbClr val="C586C0"/>
+                </a:solidFill>
+                <a:effectLst/>
+                <a:latin typeface="Consolas" panose="020B0609020204030204" pitchFamily="49" charset="0"/>
+              </a:rPr>
+              <a:t>if</a:t>
+            </a:r>
+            <a:r>
+              <a:rPr lang="en-US" altLang="ko-KR" sz="1100" b="0">
+                <a:solidFill>
+                  <a:srgbClr val="D4D4D4"/>
+                </a:solidFill>
+                <a:effectLst/>
+                <a:latin typeface="Consolas" panose="020B0609020204030204" pitchFamily="49" charset="0"/>
+              </a:rPr>
+              <a:t> (</a:t>
+            </a:r>
+            <a:r>
+              <a:rPr lang="en-US" altLang="ko-KR" sz="1100" b="0">
+                <a:solidFill>
+                  <a:srgbClr val="9CDCFE"/>
+                </a:solidFill>
+                <a:effectLst/>
+                <a:latin typeface="Consolas" panose="020B0609020204030204" pitchFamily="49" charset="0"/>
+              </a:rPr>
+              <a:t>source</a:t>
+            </a:r>
+            <a:r>
+              <a:rPr lang="en-US" altLang="ko-KR" sz="1100" b="0">
+                <a:solidFill>
+                  <a:srgbClr val="D4D4D4"/>
+                </a:solidFill>
+                <a:effectLst/>
+                <a:latin typeface="Consolas" panose="020B0609020204030204" pitchFamily="49" charset="0"/>
+              </a:rPr>
+              <a:t>.</a:t>
+            </a:r>
+            <a:r>
+              <a:rPr lang="en-US" altLang="ko-KR" sz="1100" b="0">
+                <a:solidFill>
+                  <a:srgbClr val="9CDCFE"/>
+                </a:solidFill>
+                <a:effectLst/>
+                <a:latin typeface="Consolas" panose="020B0609020204030204" pitchFamily="49" charset="0"/>
+              </a:rPr>
+              <a:t>isPlaying</a:t>
+            </a:r>
+            <a:r>
+              <a:rPr lang="en-US" altLang="ko-KR" sz="1100" b="0">
+                <a:solidFill>
+                  <a:srgbClr val="D4D4D4"/>
+                </a:solidFill>
+                <a:effectLst/>
+                <a:latin typeface="Consolas" panose="020B0609020204030204" pitchFamily="49" charset="0"/>
+              </a:rPr>
+              <a:t>)</a:t>
+            </a:r>
+          </a:p>
+          <a:p>
+            <a:r>
+              <a:rPr lang="en-US" altLang="ko-KR" sz="1100" b="0">
+                <a:solidFill>
+                  <a:srgbClr val="D4D4D4"/>
+                </a:solidFill>
+                <a:effectLst/>
+                <a:latin typeface="Consolas" panose="020B0609020204030204" pitchFamily="49" charset="0"/>
+              </a:rPr>
+              <a:t>                    </a:t>
+            </a:r>
+            <a:r>
+              <a:rPr lang="en-US" altLang="ko-KR" sz="1100" b="0">
+                <a:solidFill>
+                  <a:srgbClr val="9CDCFE"/>
+                </a:solidFill>
+                <a:effectLst/>
+                <a:latin typeface="Consolas" panose="020B0609020204030204" pitchFamily="49" charset="0"/>
+              </a:rPr>
+              <a:t>source</a:t>
+            </a:r>
+            <a:r>
+              <a:rPr lang="en-US" altLang="ko-KR" sz="1100" b="0">
+                <a:solidFill>
+                  <a:srgbClr val="D4D4D4"/>
+                </a:solidFill>
+                <a:effectLst/>
+                <a:latin typeface="Consolas" panose="020B0609020204030204" pitchFamily="49" charset="0"/>
+              </a:rPr>
+              <a:t>.</a:t>
+            </a:r>
+            <a:r>
+              <a:rPr lang="en-US" altLang="ko-KR" sz="1100" b="0">
+                <a:solidFill>
+                  <a:srgbClr val="DCDCAA"/>
+                </a:solidFill>
+                <a:effectLst/>
+                <a:latin typeface="Consolas" panose="020B0609020204030204" pitchFamily="49" charset="0"/>
+              </a:rPr>
+              <a:t>Stop</a:t>
+            </a:r>
+            <a:r>
+              <a:rPr lang="en-US" altLang="ko-KR" sz="1100" b="0">
+                <a:solidFill>
+                  <a:srgbClr val="D4D4D4"/>
+                </a:solidFill>
+                <a:effectLst/>
+                <a:latin typeface="Consolas" panose="020B0609020204030204" pitchFamily="49" charset="0"/>
+              </a:rPr>
+              <a:t>();</a:t>
+            </a:r>
+          </a:p>
+          <a:p>
+            <a:r>
+              <a:rPr lang="en-US" altLang="ko-KR" sz="1100" b="0">
+                <a:solidFill>
+                  <a:srgbClr val="D4D4D4"/>
+                </a:solidFill>
+                <a:effectLst/>
+                <a:latin typeface="Consolas" panose="020B0609020204030204" pitchFamily="49" charset="0"/>
+              </a:rPr>
+              <a:t>                </a:t>
+            </a:r>
+            <a:r>
+              <a:rPr lang="en-US" altLang="ko-KR" sz="1100" b="0">
+                <a:solidFill>
+                  <a:srgbClr val="9CDCFE"/>
+                </a:solidFill>
+                <a:effectLst/>
+                <a:latin typeface="Consolas" panose="020B0609020204030204" pitchFamily="49" charset="0"/>
+              </a:rPr>
+              <a:t>source</a:t>
+            </a:r>
+            <a:r>
+              <a:rPr lang="en-US" altLang="ko-KR" sz="1100" b="0">
+                <a:solidFill>
+                  <a:srgbClr val="D4D4D4"/>
+                </a:solidFill>
+                <a:effectLst/>
+                <a:latin typeface="Consolas" panose="020B0609020204030204" pitchFamily="49" charset="0"/>
+              </a:rPr>
+              <a:t>.</a:t>
+            </a:r>
+            <a:r>
+              <a:rPr lang="en-US" altLang="ko-KR" sz="1100" b="0">
+                <a:solidFill>
+                  <a:srgbClr val="9CDCFE"/>
+                </a:solidFill>
+                <a:effectLst/>
+                <a:latin typeface="Consolas" panose="020B0609020204030204" pitchFamily="49" charset="0"/>
+              </a:rPr>
+              <a:t>clip</a:t>
+            </a:r>
+            <a:r>
+              <a:rPr lang="en-US" altLang="ko-KR" sz="1100" b="0">
+                <a:solidFill>
+                  <a:srgbClr val="D4D4D4"/>
+                </a:solidFill>
+                <a:effectLst/>
+                <a:latin typeface="Consolas" panose="020B0609020204030204" pitchFamily="49" charset="0"/>
+              </a:rPr>
+              <a:t> = </a:t>
+            </a:r>
+            <a:r>
+              <a:rPr lang="en-US" altLang="ko-KR" sz="1100" b="0">
+                <a:solidFill>
+                  <a:srgbClr val="9CDCFE"/>
+                </a:solidFill>
+                <a:effectLst/>
+                <a:latin typeface="Consolas" panose="020B0609020204030204" pitchFamily="49" charset="0"/>
+              </a:rPr>
+              <a:t>audio</a:t>
+            </a:r>
+            <a:r>
+              <a:rPr lang="en-US" altLang="ko-KR" sz="1100" b="0">
+                <a:solidFill>
+                  <a:srgbClr val="D4D4D4"/>
+                </a:solidFill>
+                <a:effectLst/>
+                <a:latin typeface="Consolas" panose="020B0609020204030204" pitchFamily="49" charset="0"/>
+              </a:rPr>
+              <a:t>;</a:t>
+            </a:r>
+          </a:p>
+          <a:p>
+            <a:r>
+              <a:rPr lang="en-US" altLang="ko-KR" sz="1100" b="0">
+                <a:solidFill>
+                  <a:srgbClr val="D4D4D4"/>
+                </a:solidFill>
+                <a:effectLst/>
+                <a:latin typeface="Consolas" panose="020B0609020204030204" pitchFamily="49" charset="0"/>
+              </a:rPr>
+              <a:t>                </a:t>
+            </a:r>
+            <a:r>
+              <a:rPr lang="en-US" altLang="ko-KR" sz="1100" b="0">
+                <a:solidFill>
+                  <a:srgbClr val="9CDCFE"/>
+                </a:solidFill>
+                <a:effectLst/>
+                <a:latin typeface="Consolas" panose="020B0609020204030204" pitchFamily="49" charset="0"/>
+              </a:rPr>
+              <a:t>source</a:t>
+            </a:r>
+            <a:r>
+              <a:rPr lang="en-US" altLang="ko-KR" sz="1100" b="0">
+                <a:solidFill>
+                  <a:srgbClr val="D4D4D4"/>
+                </a:solidFill>
+                <a:effectLst/>
+                <a:latin typeface="Consolas" panose="020B0609020204030204" pitchFamily="49" charset="0"/>
+              </a:rPr>
+              <a:t>.</a:t>
+            </a:r>
+            <a:r>
+              <a:rPr lang="en-US" altLang="ko-KR" sz="1100" b="0">
+                <a:solidFill>
+                  <a:srgbClr val="DCDCAA"/>
+                </a:solidFill>
+                <a:effectLst/>
+                <a:latin typeface="Consolas" panose="020B0609020204030204" pitchFamily="49" charset="0"/>
+              </a:rPr>
+              <a:t>Play</a:t>
+            </a:r>
+            <a:r>
+              <a:rPr lang="en-US" altLang="ko-KR" sz="1100" b="0">
+                <a:solidFill>
+                  <a:srgbClr val="D4D4D4"/>
+                </a:solidFill>
+                <a:effectLst/>
+                <a:latin typeface="Consolas" panose="020B0609020204030204" pitchFamily="49" charset="0"/>
+              </a:rPr>
+              <a:t>();</a:t>
+            </a:r>
+          </a:p>
+          <a:p>
+            <a:r>
+              <a:rPr lang="en-US" altLang="ko-KR" sz="1100" b="0">
+                <a:solidFill>
+                  <a:srgbClr val="D4D4D4"/>
+                </a:solidFill>
+                <a:effectLst/>
+                <a:latin typeface="Consolas" panose="020B0609020204030204" pitchFamily="49" charset="0"/>
+              </a:rPr>
+              <a:t>            }</a:t>
+            </a:r>
+          </a:p>
+          <a:p>
+            <a:r>
+              <a:rPr lang="en-US" altLang="ko-KR" sz="1100" b="0">
+                <a:solidFill>
+                  <a:srgbClr val="D4D4D4"/>
+                </a:solidFill>
+                <a:effectLst/>
+                <a:latin typeface="Consolas" panose="020B0609020204030204" pitchFamily="49" charset="0"/>
+              </a:rPr>
+              <a:t>            </a:t>
+            </a:r>
+            <a:r>
+              <a:rPr lang="en-US" altLang="ko-KR" sz="1100" b="0">
+                <a:solidFill>
+                  <a:srgbClr val="C586C0"/>
+                </a:solidFill>
+                <a:effectLst/>
+                <a:latin typeface="Consolas" panose="020B0609020204030204" pitchFamily="49" charset="0"/>
+              </a:rPr>
+              <a:t>else</a:t>
+            </a:r>
+            <a:endParaRPr lang="en-US" altLang="ko-KR" sz="1100" b="0">
+              <a:solidFill>
+                <a:srgbClr val="D4D4D4"/>
+              </a:solidFill>
+              <a:effectLst/>
+              <a:latin typeface="Consolas" panose="020B0609020204030204" pitchFamily="49" charset="0"/>
+            </a:endParaRPr>
+          </a:p>
+          <a:p>
+            <a:r>
+              <a:rPr lang="en-US" altLang="ko-KR" sz="1100" b="0">
+                <a:solidFill>
+                  <a:srgbClr val="D4D4D4"/>
+                </a:solidFill>
+                <a:effectLst/>
+                <a:latin typeface="Consolas" panose="020B0609020204030204" pitchFamily="49" charset="0"/>
+              </a:rPr>
+              <a:t>            {</a:t>
+            </a:r>
+          </a:p>
+          <a:p>
+            <a:r>
+              <a:rPr lang="en-US" altLang="ko-KR" sz="1100" b="0">
+                <a:solidFill>
+                  <a:srgbClr val="D4D4D4"/>
+                </a:solidFill>
+                <a:effectLst/>
+                <a:latin typeface="Consolas" panose="020B0609020204030204" pitchFamily="49" charset="0"/>
+              </a:rPr>
+              <a:t>                </a:t>
+            </a:r>
+            <a:r>
+              <a:rPr lang="en-US" altLang="ko-KR" sz="1100" b="0">
+                <a:solidFill>
+                  <a:srgbClr val="9CDCFE"/>
+                </a:solidFill>
+                <a:effectLst/>
+                <a:latin typeface="Consolas" panose="020B0609020204030204" pitchFamily="49" charset="0"/>
+              </a:rPr>
+              <a:t>source</a:t>
+            </a:r>
+            <a:r>
+              <a:rPr lang="en-US" altLang="ko-KR" sz="1100" b="0">
+                <a:solidFill>
+                  <a:srgbClr val="D4D4D4"/>
+                </a:solidFill>
+                <a:effectLst/>
+                <a:latin typeface="Consolas" panose="020B0609020204030204" pitchFamily="49" charset="0"/>
+              </a:rPr>
+              <a:t>.</a:t>
+            </a:r>
+            <a:r>
+              <a:rPr lang="en-US" altLang="ko-KR" sz="1100" b="0">
+                <a:solidFill>
+                  <a:srgbClr val="DCDCAA"/>
+                </a:solidFill>
+                <a:effectLst/>
+                <a:latin typeface="Consolas" panose="020B0609020204030204" pitchFamily="49" charset="0"/>
+              </a:rPr>
+              <a:t>PlayOneShot</a:t>
+            </a:r>
+            <a:r>
+              <a:rPr lang="en-US" altLang="ko-KR" sz="1100" b="0">
+                <a:solidFill>
+                  <a:srgbClr val="D4D4D4"/>
+                </a:solidFill>
+                <a:effectLst/>
+                <a:latin typeface="Consolas" panose="020B0609020204030204" pitchFamily="49" charset="0"/>
+              </a:rPr>
+              <a:t>(</a:t>
+            </a:r>
+            <a:r>
+              <a:rPr lang="en-US" altLang="ko-KR" sz="1100" b="0">
+                <a:solidFill>
+                  <a:srgbClr val="9CDCFE"/>
+                </a:solidFill>
+                <a:effectLst/>
+                <a:latin typeface="Consolas" panose="020B0609020204030204" pitchFamily="49" charset="0"/>
+              </a:rPr>
+              <a:t>audio</a:t>
+            </a:r>
+            <a:r>
+              <a:rPr lang="en-US" altLang="ko-KR" sz="1100" b="0">
+                <a:solidFill>
+                  <a:srgbClr val="D4D4D4"/>
+                </a:solidFill>
+                <a:effectLst/>
+                <a:latin typeface="Consolas" panose="020B0609020204030204" pitchFamily="49" charset="0"/>
+              </a:rPr>
+              <a:t>);</a:t>
+            </a:r>
+          </a:p>
+          <a:p>
+            <a:r>
+              <a:rPr lang="en-US" altLang="ko-KR" sz="1100" b="0">
+                <a:solidFill>
+                  <a:srgbClr val="D4D4D4"/>
+                </a:solidFill>
+                <a:effectLst/>
+                <a:latin typeface="Consolas" panose="020B0609020204030204" pitchFamily="49" charset="0"/>
+              </a:rPr>
+              <a:t>            }</a:t>
+            </a:r>
+          </a:p>
+          <a:p>
+            <a:r>
+              <a:rPr lang="en-US" altLang="ko-KR" sz="1100" b="0">
+                <a:solidFill>
+                  <a:srgbClr val="D4D4D4"/>
+                </a:solidFill>
+                <a:effectLst/>
+                <a:latin typeface="Consolas" panose="020B0609020204030204" pitchFamily="49" charset="0"/>
+              </a:rPr>
+              <a:t>        }</a:t>
+            </a:r>
+          </a:p>
+          <a:p>
+            <a:r>
+              <a:rPr lang="en-US" altLang="ko-KR" sz="1100" b="0">
+                <a:solidFill>
+                  <a:srgbClr val="D4D4D4"/>
+                </a:solidFill>
+                <a:effectLst/>
+                <a:latin typeface="Consolas" panose="020B0609020204030204" pitchFamily="49" charset="0"/>
+              </a:rPr>
+              <a:t>    }</a:t>
+            </a:r>
+          </a:p>
+        </p:txBody>
+      </p:sp>
+      <p:sp>
+        <p:nvSpPr>
+          <p:cNvPr id="9" name="TextBox 8">
+            <a:extLst>
+              <a:ext uri="{FF2B5EF4-FFF2-40B4-BE49-F238E27FC236}">
+                <a16:creationId xmlns:a16="http://schemas.microsoft.com/office/drawing/2014/main" id="{A0F142B0-6ED9-4B2B-AB3F-AEC2631C2333}"/>
+              </a:ext>
+            </a:extLst>
+          </p:cNvPr>
+          <p:cNvSpPr txBox="1"/>
+          <p:nvPr/>
+        </p:nvSpPr>
+        <p:spPr>
+          <a:xfrm>
+            <a:off x="1413475" y="5530084"/>
+            <a:ext cx="9365064" cy="707886"/>
+          </a:xfrm>
+          <a:prstGeom prst="rect">
+            <a:avLst/>
+          </a:prstGeom>
+          <a:noFill/>
+        </p:spPr>
+        <p:txBody>
+          <a:bodyPr wrap="none" rtlCol="0">
+            <a:spAutoFit/>
+          </a:bodyPr>
+          <a:lstStyle/>
+          <a:p>
+            <a:pPr algn="ctr"/>
+            <a:r>
+              <a:rPr lang="ko-KR" altLang="en-US" sz="2000">
+                <a:latin typeface="나눔스퀘어OTF Light" panose="020B0600000101010101" pitchFamily="34" charset="-127"/>
+                <a:ea typeface="나눔스퀘어OTF Light" panose="020B0600000101010101" pitchFamily="34" charset="-127"/>
+              </a:rPr>
+              <a:t>플레이 메소드는 오디오와 타입</a:t>
+            </a:r>
+            <a:r>
+              <a:rPr lang="en-US" altLang="ko-KR" sz="2000">
+                <a:latin typeface="나눔스퀘어OTF Light" panose="020B0600000101010101" pitchFamily="34" charset="-127"/>
+                <a:ea typeface="나눔스퀘어OTF Light" panose="020B0600000101010101" pitchFamily="34" charset="-127"/>
+              </a:rPr>
+              <a:t>, </a:t>
+            </a:r>
+            <a:r>
+              <a:rPr lang="ko-KR" altLang="en-US" sz="2000">
+                <a:latin typeface="나눔스퀘어OTF Light" panose="020B0600000101010101" pitchFamily="34" charset="-127"/>
+                <a:ea typeface="나눔스퀘어OTF Light" panose="020B0600000101010101" pitchFamily="34" charset="-127"/>
+              </a:rPr>
+              <a:t>피치와 볼륨을 받아서 그에 해당하는 오디오 소스로 재생</a:t>
+            </a:r>
+            <a:endParaRPr lang="en-US" altLang="ko-KR" sz="2000">
+              <a:latin typeface="나눔스퀘어OTF Light" panose="020B0600000101010101" pitchFamily="34" charset="-127"/>
+              <a:ea typeface="나눔스퀘어OTF Light" panose="020B0600000101010101" pitchFamily="34" charset="-127"/>
+            </a:endParaRPr>
+          </a:p>
+          <a:p>
+            <a:pPr algn="ctr"/>
+            <a:r>
+              <a:rPr lang="ko-KR" altLang="en-US" sz="2000">
+                <a:latin typeface="나눔스퀘어OTF Light" panose="020B0600000101010101" pitchFamily="34" charset="-127"/>
+                <a:ea typeface="나눔스퀘어OTF Light" panose="020B0600000101010101" pitchFamily="34" charset="-127"/>
+              </a:rPr>
+              <a:t>단</a:t>
+            </a:r>
+            <a:r>
+              <a:rPr lang="en-US" altLang="ko-KR" sz="2000">
+                <a:latin typeface="나눔스퀘어OTF Light" panose="020B0600000101010101" pitchFamily="34" charset="-127"/>
+                <a:ea typeface="나눔스퀘어OTF Light" panose="020B0600000101010101" pitchFamily="34" charset="-127"/>
+              </a:rPr>
+              <a:t>, BGM</a:t>
+            </a:r>
+            <a:r>
+              <a:rPr lang="ko-KR" altLang="en-US" sz="2000">
+                <a:latin typeface="나눔스퀘어OTF Light" panose="020B0600000101010101" pitchFamily="34" charset="-127"/>
+                <a:ea typeface="나눔스퀘어OTF Light" panose="020B0600000101010101" pitchFamily="34" charset="-127"/>
+              </a:rPr>
+              <a:t>의 경우는 반복재생이 필요하므로 </a:t>
+            </a:r>
+            <a:r>
+              <a:rPr lang="en-US" altLang="ko-KR" sz="2000">
+                <a:latin typeface="나눔스퀘어OTF Light" panose="020B0600000101010101" pitchFamily="34" charset="-127"/>
+                <a:ea typeface="나눔스퀘어OTF Light" panose="020B0600000101010101" pitchFamily="34" charset="-127"/>
+              </a:rPr>
+              <a:t>Play()</a:t>
+            </a:r>
+            <a:r>
+              <a:rPr lang="ko-KR" altLang="en-US" sz="2000">
+                <a:latin typeface="나눔스퀘어OTF Light" panose="020B0600000101010101" pitchFamily="34" charset="-127"/>
+                <a:ea typeface="나눔스퀘어OTF Light" panose="020B0600000101010101" pitchFamily="34" charset="-127"/>
+              </a:rPr>
+              <a:t>로 실행함</a:t>
+            </a:r>
+            <a:endParaRPr lang="en-US" altLang="ko-KR" sz="2000">
+              <a:latin typeface="나눔스퀘어OTF Light" panose="020B0600000101010101" pitchFamily="34" charset="-127"/>
+              <a:ea typeface="나눔스퀘어OTF Light" panose="020B0600000101010101" pitchFamily="34" charset="-127"/>
+            </a:endParaRPr>
+          </a:p>
+        </p:txBody>
+      </p:sp>
+    </p:spTree>
+    <p:extLst>
+      <p:ext uri="{BB962C8B-B14F-4D97-AF65-F5344CB8AC3E}">
+        <p14:creationId xmlns:p14="http://schemas.microsoft.com/office/powerpoint/2010/main" val="1698082373"/>
+      </p:ext>
+    </p:extLst>
+  </p:cSld>
+  <p:clrMapOvr>
+    <a:masterClrMapping/>
+  </p:clrMapOvr>
+</p:sld>
+</file>
+
+<file path=ppt/slides/slide31.xml><?xml version="1.0" encoding="utf-8"?>
+<p:sld xmlns:a="http://schemas.openxmlformats.org/drawingml/2006/main" xmlns:r="http://schemas.openxmlformats.org/officeDocument/2006/relationships" xmlns:p="http://schemas.openxmlformats.org/presentationml/2006/main">
+  <p:cSld>
+    <p:spTree>
+      <p:nvGrpSpPr>
+        <p:cNvPr id="1" name=""/>
+        <p:cNvGrpSpPr/>
+        <p:nvPr/>
+      </p:nvGrpSpPr>
+      <p:grpSpPr>
+        <a:xfrm>
+          <a:off x="0" y="0"/>
+          <a:ext cx="0" cy="0"/>
+          <a:chOff x="0" y="0"/>
+          <a:chExt cx="0" cy="0"/>
+        </a:xfrm>
+      </p:grpSpPr>
+      <p:sp>
+        <p:nvSpPr>
+          <p:cNvPr id="6" name="TextBox 5">
+            <a:extLst>
+              <a:ext uri="{FF2B5EF4-FFF2-40B4-BE49-F238E27FC236}">
+                <a16:creationId xmlns:a16="http://schemas.microsoft.com/office/drawing/2014/main" id="{F453C929-8CA3-4E79-AF5D-99EC8407C6CF}"/>
+              </a:ext>
+            </a:extLst>
+          </p:cNvPr>
+          <p:cNvSpPr txBox="1"/>
+          <p:nvPr/>
+        </p:nvSpPr>
+        <p:spPr>
+          <a:xfrm>
+            <a:off x="171888" y="194702"/>
+            <a:ext cx="2698175" cy="523220"/>
+          </a:xfrm>
+          <a:prstGeom prst="rect">
+            <a:avLst/>
+          </a:prstGeom>
+          <a:noFill/>
+        </p:spPr>
+        <p:txBody>
+          <a:bodyPr wrap="none" rtlCol="0">
+            <a:spAutoFit/>
+          </a:bodyPr>
+          <a:lstStyle/>
+          <a:p>
+            <a:r>
+              <a:rPr lang="en-US" altLang="ko-KR" sz="2800">
+                <a:latin typeface="나눔스퀘어OTF Light" panose="020B0600000101010101" pitchFamily="34" charset="-127"/>
+                <a:ea typeface="나눔스퀘어OTF Light" panose="020B0600000101010101" pitchFamily="34" charset="-127"/>
+              </a:rPr>
+              <a:t>4. </a:t>
+            </a:r>
+            <a:r>
+              <a:rPr lang="ko-KR" altLang="en-US" sz="2800">
+                <a:latin typeface="나눔스퀘어OTF Light" panose="020B0600000101010101" pitchFamily="34" charset="-127"/>
+                <a:ea typeface="나눔스퀘어OTF Light" panose="020B0600000101010101" pitchFamily="34" charset="-127"/>
+              </a:rPr>
+              <a:t>사운드 매니저</a:t>
+            </a:r>
+          </a:p>
+        </p:txBody>
+      </p:sp>
+      <p:cxnSp>
+        <p:nvCxnSpPr>
+          <p:cNvPr id="4" name="직선 연결선 3">
+            <a:extLst>
+              <a:ext uri="{FF2B5EF4-FFF2-40B4-BE49-F238E27FC236}">
+                <a16:creationId xmlns:a16="http://schemas.microsoft.com/office/drawing/2014/main" id="{7442459B-3DED-44F0-9E4C-B50601FEB425}"/>
+              </a:ext>
+            </a:extLst>
+          </p:cNvPr>
+          <p:cNvCxnSpPr>
+            <a:cxnSpLocks/>
+          </p:cNvCxnSpPr>
+          <p:nvPr/>
+        </p:nvCxnSpPr>
+        <p:spPr>
+          <a:xfrm>
+            <a:off x="132133" y="780690"/>
+            <a:ext cx="819295" cy="0"/>
+          </a:xfrm>
+          <a:prstGeom prst="line">
+            <a:avLst/>
+          </a:prstGeom>
+          <a:ln>
+            <a:solidFill>
+              <a:schemeClr val="tx1"/>
+            </a:solidFill>
+          </a:ln>
+        </p:spPr>
+        <p:style>
+          <a:lnRef idx="1">
+            <a:schemeClr val="accent1"/>
+          </a:lnRef>
+          <a:fillRef idx="0">
+            <a:schemeClr val="accent1"/>
+          </a:fillRef>
+          <a:effectRef idx="0">
+            <a:schemeClr val="accent1"/>
+          </a:effectRef>
+          <a:fontRef idx="minor">
+            <a:schemeClr val="tx1"/>
+          </a:fontRef>
+        </p:style>
+      </p:cxnSp>
+      <p:sp>
+        <p:nvSpPr>
+          <p:cNvPr id="8" name="TextBox 7">
+            <a:extLst>
+              <a:ext uri="{FF2B5EF4-FFF2-40B4-BE49-F238E27FC236}">
+                <a16:creationId xmlns:a16="http://schemas.microsoft.com/office/drawing/2014/main" id="{30CE6A11-FEA4-4E44-A88F-3AEB320B87F7}"/>
+              </a:ext>
+            </a:extLst>
+          </p:cNvPr>
+          <p:cNvSpPr txBox="1"/>
+          <p:nvPr/>
+        </p:nvSpPr>
+        <p:spPr>
+          <a:xfrm>
+            <a:off x="2021031" y="1892896"/>
+            <a:ext cx="8149938" cy="2462213"/>
+          </a:xfrm>
+          <a:prstGeom prst="rect">
+            <a:avLst/>
+          </a:prstGeom>
+          <a:solidFill>
+            <a:schemeClr val="tx1"/>
+          </a:solidFill>
+        </p:spPr>
+        <p:txBody>
+          <a:bodyPr wrap="square">
+            <a:spAutoFit/>
+          </a:bodyPr>
+          <a:lstStyle/>
+          <a:p>
+            <a:r>
+              <a:rPr lang="en-US" altLang="ko-KR" sz="1400" b="0">
+                <a:solidFill>
+                  <a:srgbClr val="569CD6"/>
+                </a:solidFill>
+                <a:effectLst/>
+                <a:latin typeface="Consolas" panose="020B0609020204030204" pitchFamily="49" charset="0"/>
+              </a:rPr>
+              <a:t>public</a:t>
+            </a:r>
+            <a:r>
+              <a:rPr lang="en-US" altLang="ko-KR" sz="1400" b="0">
+                <a:solidFill>
+                  <a:srgbClr val="D4D4D4"/>
+                </a:solidFill>
+                <a:effectLst/>
+                <a:latin typeface="Consolas" panose="020B0609020204030204" pitchFamily="49" charset="0"/>
+              </a:rPr>
+              <a:t> </a:t>
+            </a:r>
+            <a:r>
+              <a:rPr lang="en-US" altLang="ko-KR" sz="1400" b="0">
+                <a:solidFill>
+                  <a:srgbClr val="569CD6"/>
+                </a:solidFill>
+                <a:effectLst/>
+                <a:latin typeface="Consolas" panose="020B0609020204030204" pitchFamily="49" charset="0"/>
+              </a:rPr>
+              <a:t>class</a:t>
+            </a:r>
+            <a:r>
+              <a:rPr lang="en-US" altLang="ko-KR" sz="1400" b="0">
+                <a:solidFill>
+                  <a:srgbClr val="D4D4D4"/>
+                </a:solidFill>
+                <a:effectLst/>
+                <a:latin typeface="Consolas" panose="020B0609020204030204" pitchFamily="49" charset="0"/>
+              </a:rPr>
+              <a:t> </a:t>
+            </a:r>
+            <a:r>
+              <a:rPr lang="en-US" altLang="ko-KR" sz="1400" b="0">
+                <a:solidFill>
+                  <a:srgbClr val="4EC9B0"/>
+                </a:solidFill>
+                <a:effectLst/>
+                <a:latin typeface="Consolas" panose="020B0609020204030204" pitchFamily="49" charset="0"/>
+              </a:rPr>
+              <a:t>ObjectComponent</a:t>
+            </a:r>
+            <a:r>
+              <a:rPr lang="en-US" altLang="ko-KR" sz="1400" b="0">
+                <a:solidFill>
+                  <a:srgbClr val="D4D4D4"/>
+                </a:solidFill>
+                <a:effectLst/>
+                <a:latin typeface="Consolas" panose="020B0609020204030204" pitchFamily="49" charset="0"/>
+              </a:rPr>
+              <a:t> : </a:t>
+            </a:r>
+            <a:r>
+              <a:rPr lang="en-US" altLang="ko-KR" sz="1400" b="0">
+                <a:solidFill>
+                  <a:srgbClr val="4EC9B0"/>
+                </a:solidFill>
+                <a:effectLst/>
+                <a:latin typeface="Consolas" panose="020B0609020204030204" pitchFamily="49" charset="0"/>
+              </a:rPr>
+              <a:t>MonoBehaviour</a:t>
+            </a:r>
+            <a:endParaRPr lang="en-US" altLang="ko-KR" sz="1400" b="0">
+              <a:solidFill>
+                <a:srgbClr val="D4D4D4"/>
+              </a:solidFill>
+              <a:effectLst/>
+              <a:latin typeface="Consolas" panose="020B0609020204030204" pitchFamily="49" charset="0"/>
+            </a:endParaRPr>
+          </a:p>
+          <a:p>
+            <a:r>
+              <a:rPr lang="en-US" altLang="ko-KR" sz="1400" b="0">
+                <a:solidFill>
+                  <a:srgbClr val="D4D4D4"/>
+                </a:solidFill>
+                <a:effectLst/>
+                <a:latin typeface="Consolas" panose="020B0609020204030204" pitchFamily="49" charset="0"/>
+              </a:rPr>
+              <a:t>{</a:t>
+            </a:r>
+          </a:p>
+          <a:p>
+            <a:r>
+              <a:rPr lang="en-US" altLang="ko-KR" sz="1400" b="0">
+                <a:solidFill>
+                  <a:srgbClr val="D4D4D4"/>
+                </a:solidFill>
+                <a:effectLst/>
+                <a:latin typeface="Consolas" panose="020B0609020204030204" pitchFamily="49" charset="0"/>
+              </a:rPr>
+              <a:t>    [</a:t>
+            </a:r>
+            <a:r>
+              <a:rPr lang="en-US" altLang="ko-KR" sz="1400" b="0">
+                <a:solidFill>
+                  <a:srgbClr val="4EC9B0"/>
+                </a:solidFill>
+                <a:effectLst/>
+                <a:latin typeface="Consolas" panose="020B0609020204030204" pitchFamily="49" charset="0"/>
+              </a:rPr>
+              <a:t>SerializeField</a:t>
+            </a:r>
+            <a:r>
+              <a:rPr lang="en-US" altLang="ko-KR" sz="1400" b="0">
+                <a:solidFill>
+                  <a:srgbClr val="D4D4D4"/>
+                </a:solidFill>
+                <a:effectLst/>
+                <a:latin typeface="Consolas" panose="020B0609020204030204" pitchFamily="49" charset="0"/>
+              </a:rPr>
+              <a:t>]</a:t>
+            </a:r>
+          </a:p>
+          <a:p>
+            <a:r>
+              <a:rPr lang="en-US" altLang="ko-KR" sz="1400" b="0">
+                <a:solidFill>
+                  <a:srgbClr val="D4D4D4"/>
+                </a:solidFill>
+                <a:effectLst/>
+                <a:latin typeface="Consolas" panose="020B0609020204030204" pitchFamily="49" charset="0"/>
+              </a:rPr>
+              <a:t>    </a:t>
+            </a:r>
+            <a:r>
+              <a:rPr lang="en-US" altLang="ko-KR" sz="1400" b="0">
+                <a:solidFill>
+                  <a:srgbClr val="4EC9B0"/>
+                </a:solidFill>
+                <a:effectLst/>
+                <a:latin typeface="Consolas" panose="020B0609020204030204" pitchFamily="49" charset="0"/>
+              </a:rPr>
+              <a:t>AudioClip</a:t>
+            </a:r>
+            <a:r>
+              <a:rPr lang="en-US" altLang="ko-KR" sz="1400" b="0">
+                <a:solidFill>
+                  <a:srgbClr val="D4D4D4"/>
+                </a:solidFill>
+                <a:effectLst/>
+                <a:latin typeface="Consolas" panose="020B0609020204030204" pitchFamily="49" charset="0"/>
+              </a:rPr>
+              <a:t> </a:t>
+            </a:r>
+            <a:r>
+              <a:rPr lang="en-US" altLang="ko-KR" sz="1400" b="0">
+                <a:solidFill>
+                  <a:srgbClr val="9CDCFE"/>
+                </a:solidFill>
+                <a:effectLst/>
+                <a:latin typeface="Consolas" panose="020B0609020204030204" pitchFamily="49" charset="0"/>
+              </a:rPr>
+              <a:t>audio</a:t>
+            </a:r>
+            <a:r>
+              <a:rPr lang="en-US" altLang="ko-KR" sz="1400" b="0">
+                <a:solidFill>
+                  <a:srgbClr val="D4D4D4"/>
+                </a:solidFill>
+                <a:effectLst/>
+                <a:latin typeface="Consolas" panose="020B0609020204030204" pitchFamily="49" charset="0"/>
+              </a:rPr>
+              <a:t>;</a:t>
+            </a:r>
+          </a:p>
+          <a:p>
+            <a:br>
+              <a:rPr lang="en-US" altLang="ko-KR" sz="1400" b="0">
+                <a:solidFill>
+                  <a:srgbClr val="D4D4D4"/>
+                </a:solidFill>
+                <a:effectLst/>
+                <a:latin typeface="Consolas" panose="020B0609020204030204" pitchFamily="49" charset="0"/>
+              </a:rPr>
+            </a:br>
+            <a:r>
+              <a:rPr lang="en-US" altLang="ko-KR" sz="1400" b="0">
+                <a:solidFill>
+                  <a:srgbClr val="D4D4D4"/>
+                </a:solidFill>
+                <a:effectLst/>
+                <a:latin typeface="Consolas" panose="020B0609020204030204" pitchFamily="49" charset="0"/>
+              </a:rPr>
+              <a:t>    </a:t>
+            </a:r>
+            <a:r>
+              <a:rPr lang="en-US" altLang="ko-KR" sz="1400" b="0">
+                <a:solidFill>
+                  <a:srgbClr val="569CD6"/>
+                </a:solidFill>
+                <a:effectLst/>
+                <a:latin typeface="Consolas" panose="020B0609020204030204" pitchFamily="49" charset="0"/>
+              </a:rPr>
+              <a:t>void</a:t>
+            </a:r>
+            <a:r>
+              <a:rPr lang="en-US" altLang="ko-KR" sz="1400" b="0">
+                <a:solidFill>
+                  <a:srgbClr val="D4D4D4"/>
+                </a:solidFill>
+                <a:effectLst/>
+                <a:latin typeface="Consolas" panose="020B0609020204030204" pitchFamily="49" charset="0"/>
+              </a:rPr>
+              <a:t> </a:t>
+            </a:r>
+            <a:r>
+              <a:rPr lang="en-US" altLang="ko-KR" sz="1400" b="0">
+                <a:solidFill>
+                  <a:srgbClr val="DCDCAA"/>
+                </a:solidFill>
+                <a:effectLst/>
+                <a:latin typeface="Consolas" panose="020B0609020204030204" pitchFamily="49" charset="0"/>
+              </a:rPr>
+              <a:t>Update</a:t>
+            </a:r>
+            <a:r>
+              <a:rPr lang="en-US" altLang="ko-KR" sz="1400" b="0">
+                <a:solidFill>
+                  <a:srgbClr val="D4D4D4"/>
+                </a:solidFill>
+                <a:effectLst/>
+                <a:latin typeface="Consolas" panose="020B0609020204030204" pitchFamily="49" charset="0"/>
+              </a:rPr>
+              <a:t>()</a:t>
+            </a:r>
+          </a:p>
+          <a:p>
+            <a:r>
+              <a:rPr lang="en-US" altLang="ko-KR" sz="1400" b="0">
+                <a:solidFill>
+                  <a:srgbClr val="D4D4D4"/>
+                </a:solidFill>
+                <a:effectLst/>
+                <a:latin typeface="Consolas" panose="020B0609020204030204" pitchFamily="49" charset="0"/>
+              </a:rPr>
+              <a:t>    {</a:t>
+            </a:r>
+          </a:p>
+          <a:p>
+            <a:r>
+              <a:rPr lang="en-US" altLang="ko-KR" sz="1400" b="0">
+                <a:solidFill>
+                  <a:srgbClr val="D4D4D4"/>
+                </a:solidFill>
+                <a:effectLst/>
+                <a:latin typeface="Consolas" panose="020B0609020204030204" pitchFamily="49" charset="0"/>
+              </a:rPr>
+              <a:t>        </a:t>
+            </a:r>
+            <a:r>
+              <a:rPr lang="en-US" altLang="ko-KR" sz="1400" b="0">
+                <a:solidFill>
+                  <a:srgbClr val="C586C0"/>
+                </a:solidFill>
+                <a:effectLst/>
+                <a:latin typeface="Consolas" panose="020B0609020204030204" pitchFamily="49" charset="0"/>
+              </a:rPr>
+              <a:t>if</a:t>
+            </a:r>
+            <a:r>
+              <a:rPr lang="en-US" altLang="ko-KR" sz="1400" b="0">
+                <a:solidFill>
+                  <a:srgbClr val="D4D4D4"/>
+                </a:solidFill>
+                <a:effectLst/>
+                <a:latin typeface="Consolas" panose="020B0609020204030204" pitchFamily="49" charset="0"/>
+              </a:rPr>
+              <a:t> (</a:t>
+            </a:r>
+            <a:r>
+              <a:rPr lang="en-US" altLang="ko-KR" sz="1400" b="0">
+                <a:solidFill>
+                  <a:srgbClr val="9CDCFE"/>
+                </a:solidFill>
+                <a:effectLst/>
+                <a:latin typeface="Consolas" panose="020B0609020204030204" pitchFamily="49" charset="0"/>
+              </a:rPr>
+              <a:t>Input</a:t>
+            </a:r>
+            <a:r>
+              <a:rPr lang="en-US" altLang="ko-KR" sz="1400" b="0">
+                <a:solidFill>
+                  <a:srgbClr val="D4D4D4"/>
+                </a:solidFill>
+                <a:effectLst/>
+                <a:latin typeface="Consolas" panose="020B0609020204030204" pitchFamily="49" charset="0"/>
+              </a:rPr>
+              <a:t>.</a:t>
+            </a:r>
+            <a:r>
+              <a:rPr lang="en-US" altLang="ko-KR" sz="1400" b="0">
+                <a:solidFill>
+                  <a:srgbClr val="DCDCAA"/>
+                </a:solidFill>
+                <a:effectLst/>
+                <a:latin typeface="Consolas" panose="020B0609020204030204" pitchFamily="49" charset="0"/>
+              </a:rPr>
+              <a:t>GetKeyDown</a:t>
+            </a:r>
+            <a:r>
+              <a:rPr lang="en-US" altLang="ko-KR" sz="1400" b="0">
+                <a:solidFill>
+                  <a:srgbClr val="D4D4D4"/>
+                </a:solidFill>
+                <a:effectLst/>
+                <a:latin typeface="Consolas" panose="020B0609020204030204" pitchFamily="49" charset="0"/>
+              </a:rPr>
+              <a:t>(</a:t>
+            </a:r>
+            <a:r>
+              <a:rPr lang="en-US" altLang="ko-KR" sz="1400" b="0">
+                <a:solidFill>
+                  <a:srgbClr val="9CDCFE"/>
+                </a:solidFill>
+                <a:effectLst/>
+                <a:latin typeface="Consolas" panose="020B0609020204030204" pitchFamily="49" charset="0"/>
+              </a:rPr>
+              <a:t>KeyCode</a:t>
+            </a:r>
+            <a:r>
+              <a:rPr lang="en-US" altLang="ko-KR" sz="1400" b="0">
+                <a:solidFill>
+                  <a:srgbClr val="D4D4D4"/>
+                </a:solidFill>
+                <a:effectLst/>
+                <a:latin typeface="Consolas" panose="020B0609020204030204" pitchFamily="49" charset="0"/>
+              </a:rPr>
+              <a:t>.</a:t>
+            </a:r>
+            <a:r>
+              <a:rPr lang="en-US" altLang="ko-KR" sz="1400" b="0">
+                <a:solidFill>
+                  <a:srgbClr val="9CDCFE"/>
+                </a:solidFill>
+                <a:effectLst/>
+                <a:latin typeface="Consolas" panose="020B0609020204030204" pitchFamily="49" charset="0"/>
+              </a:rPr>
+              <a:t>Space</a:t>
+            </a:r>
+            <a:r>
+              <a:rPr lang="en-US" altLang="ko-KR" sz="1400" b="0">
+                <a:solidFill>
+                  <a:srgbClr val="D4D4D4"/>
+                </a:solidFill>
+                <a:effectLst/>
+                <a:latin typeface="Consolas" panose="020B0609020204030204" pitchFamily="49" charset="0"/>
+              </a:rPr>
+              <a:t>))</a:t>
+            </a:r>
+          </a:p>
+          <a:p>
+            <a:r>
+              <a:rPr lang="en-US" altLang="ko-KR" sz="1400" b="0">
+                <a:solidFill>
+                  <a:srgbClr val="D4D4D4"/>
+                </a:solidFill>
+                <a:effectLst/>
+                <a:latin typeface="Consolas" panose="020B0609020204030204" pitchFamily="49" charset="0"/>
+              </a:rPr>
+              <a:t>            </a:t>
+            </a:r>
+            <a:r>
+              <a:rPr lang="en-US" altLang="ko-KR" sz="1400" b="0">
+                <a:solidFill>
+                  <a:srgbClr val="9CDCFE"/>
+                </a:solidFill>
+                <a:effectLst/>
+                <a:latin typeface="Consolas" panose="020B0609020204030204" pitchFamily="49" charset="0"/>
+              </a:rPr>
+              <a:t>SoundManager</a:t>
+            </a:r>
+            <a:r>
+              <a:rPr lang="en-US" altLang="ko-KR" sz="1400" b="0">
+                <a:solidFill>
+                  <a:srgbClr val="D4D4D4"/>
+                </a:solidFill>
+                <a:effectLst/>
+                <a:latin typeface="Consolas" panose="020B0609020204030204" pitchFamily="49" charset="0"/>
+              </a:rPr>
+              <a:t>.</a:t>
+            </a:r>
+            <a:r>
+              <a:rPr lang="en-US" altLang="ko-KR" sz="1400" b="0">
+                <a:solidFill>
+                  <a:srgbClr val="9CDCFE"/>
+                </a:solidFill>
+                <a:effectLst/>
+                <a:latin typeface="Consolas" panose="020B0609020204030204" pitchFamily="49" charset="0"/>
+              </a:rPr>
+              <a:t>Instance</a:t>
+            </a:r>
+            <a:r>
+              <a:rPr lang="en-US" altLang="ko-KR" sz="1400" b="0">
+                <a:solidFill>
+                  <a:srgbClr val="D4D4D4"/>
+                </a:solidFill>
+                <a:effectLst/>
+                <a:latin typeface="Consolas" panose="020B0609020204030204" pitchFamily="49" charset="0"/>
+              </a:rPr>
+              <a:t>?.</a:t>
+            </a:r>
+            <a:r>
+              <a:rPr lang="en-US" altLang="ko-KR" sz="1400" b="0">
+                <a:solidFill>
+                  <a:srgbClr val="DCDCAA"/>
+                </a:solidFill>
+                <a:effectLst/>
+                <a:latin typeface="Consolas" panose="020B0609020204030204" pitchFamily="49" charset="0"/>
+              </a:rPr>
+              <a:t>Play</a:t>
+            </a:r>
+            <a:r>
+              <a:rPr lang="en-US" altLang="ko-KR" sz="1400" b="0">
+                <a:solidFill>
+                  <a:srgbClr val="D4D4D4"/>
+                </a:solidFill>
+                <a:effectLst/>
+                <a:latin typeface="Consolas" panose="020B0609020204030204" pitchFamily="49" charset="0"/>
+              </a:rPr>
+              <a:t>(</a:t>
+            </a:r>
+            <a:r>
+              <a:rPr lang="en-US" altLang="ko-KR" sz="1400" b="0">
+                <a:solidFill>
+                  <a:srgbClr val="9CDCFE"/>
+                </a:solidFill>
+                <a:effectLst/>
+                <a:latin typeface="Consolas" panose="020B0609020204030204" pitchFamily="49" charset="0"/>
+              </a:rPr>
+              <a:t>audio</a:t>
+            </a:r>
+            <a:r>
+              <a:rPr lang="en-US" altLang="ko-KR" sz="1400" b="0">
+                <a:solidFill>
+                  <a:srgbClr val="D4D4D4"/>
+                </a:solidFill>
+                <a:effectLst/>
+                <a:latin typeface="Consolas" panose="020B0609020204030204" pitchFamily="49" charset="0"/>
+              </a:rPr>
+              <a:t>, </a:t>
+            </a:r>
+            <a:r>
+              <a:rPr lang="en-US" altLang="ko-KR" sz="1400" b="0">
+                <a:solidFill>
+                  <a:srgbClr val="9CDCFE"/>
+                </a:solidFill>
+                <a:effectLst/>
+                <a:latin typeface="Consolas" panose="020B0609020204030204" pitchFamily="49" charset="0"/>
+              </a:rPr>
+              <a:t>SoundManager</a:t>
+            </a:r>
+            <a:r>
+              <a:rPr lang="en-US" altLang="ko-KR" sz="1400" b="0">
+                <a:solidFill>
+                  <a:srgbClr val="D4D4D4"/>
+                </a:solidFill>
+                <a:effectLst/>
+                <a:latin typeface="Consolas" panose="020B0609020204030204" pitchFamily="49" charset="0"/>
+              </a:rPr>
+              <a:t>.</a:t>
+            </a:r>
+            <a:r>
+              <a:rPr lang="en-US" altLang="ko-KR" sz="1400" b="0">
+                <a:solidFill>
+                  <a:srgbClr val="9CDCFE"/>
+                </a:solidFill>
+                <a:effectLst/>
+                <a:latin typeface="Consolas" panose="020B0609020204030204" pitchFamily="49" charset="0"/>
+              </a:rPr>
+              <a:t>SoundType</a:t>
+            </a:r>
+            <a:r>
+              <a:rPr lang="en-US" altLang="ko-KR" sz="1400" b="0">
+                <a:solidFill>
+                  <a:srgbClr val="D4D4D4"/>
+                </a:solidFill>
+                <a:effectLst/>
+                <a:latin typeface="Consolas" panose="020B0609020204030204" pitchFamily="49" charset="0"/>
+              </a:rPr>
+              <a:t>.</a:t>
+            </a:r>
+            <a:r>
+              <a:rPr lang="en-US" altLang="ko-KR" sz="1400" b="0">
+                <a:solidFill>
+                  <a:srgbClr val="9CDCFE"/>
+                </a:solidFill>
+                <a:effectLst/>
+                <a:latin typeface="Consolas" panose="020B0609020204030204" pitchFamily="49" charset="0"/>
+              </a:rPr>
+              <a:t>Effect</a:t>
+            </a:r>
+            <a:r>
+              <a:rPr lang="en-US" altLang="ko-KR" sz="1400" b="0">
+                <a:solidFill>
+                  <a:srgbClr val="D4D4D4"/>
+                </a:solidFill>
+                <a:effectLst/>
+                <a:latin typeface="Consolas" panose="020B0609020204030204" pitchFamily="49" charset="0"/>
+              </a:rPr>
+              <a:t>);</a:t>
+            </a:r>
+          </a:p>
+          <a:p>
+            <a:r>
+              <a:rPr lang="en-US" altLang="ko-KR" sz="1400" b="0">
+                <a:solidFill>
+                  <a:srgbClr val="D4D4D4"/>
+                </a:solidFill>
+                <a:effectLst/>
+                <a:latin typeface="Consolas" panose="020B0609020204030204" pitchFamily="49" charset="0"/>
+              </a:rPr>
+              <a:t>    }</a:t>
+            </a:r>
+          </a:p>
+          <a:p>
+            <a:r>
+              <a:rPr lang="en-US" altLang="ko-KR" sz="1400" b="0">
+                <a:solidFill>
+                  <a:srgbClr val="D4D4D4"/>
+                </a:solidFill>
+                <a:effectLst/>
+                <a:latin typeface="Consolas" panose="020B0609020204030204" pitchFamily="49" charset="0"/>
+              </a:rPr>
+              <a:t>}</a:t>
+            </a:r>
+          </a:p>
+        </p:txBody>
+      </p:sp>
+      <p:sp>
+        <p:nvSpPr>
+          <p:cNvPr id="9" name="TextBox 8">
+            <a:extLst>
+              <a:ext uri="{FF2B5EF4-FFF2-40B4-BE49-F238E27FC236}">
+                <a16:creationId xmlns:a16="http://schemas.microsoft.com/office/drawing/2014/main" id="{A0F142B0-6ED9-4B2B-AB3F-AEC2631C2333}"/>
+              </a:ext>
+            </a:extLst>
+          </p:cNvPr>
+          <p:cNvSpPr txBox="1"/>
+          <p:nvPr/>
+        </p:nvSpPr>
+        <p:spPr>
+          <a:xfrm>
+            <a:off x="2325593" y="5176140"/>
+            <a:ext cx="7540847" cy="400110"/>
+          </a:xfrm>
+          <a:prstGeom prst="rect">
+            <a:avLst/>
+          </a:prstGeom>
+          <a:noFill/>
+        </p:spPr>
+        <p:txBody>
+          <a:bodyPr wrap="none" rtlCol="0">
+            <a:spAutoFit/>
+          </a:bodyPr>
+          <a:lstStyle/>
+          <a:p>
+            <a:pPr algn="ctr"/>
+            <a:r>
+              <a:rPr lang="ko-KR" altLang="en-US" sz="2000">
+                <a:latin typeface="나눔스퀘어OTF Light" panose="020B0600000101010101" pitchFamily="34" charset="-127"/>
+                <a:ea typeface="나눔스퀘어OTF Light" panose="020B0600000101010101" pitchFamily="34" charset="-127"/>
+              </a:rPr>
+              <a:t>소리 재생을 위해선 정적 변수에 할당된 객체의 </a:t>
+            </a:r>
+            <a:r>
+              <a:rPr lang="en-US" altLang="ko-KR" sz="2000">
+                <a:latin typeface="나눔스퀘어OTF Light" panose="020B0600000101010101" pitchFamily="34" charset="-127"/>
+                <a:ea typeface="나눔스퀘어OTF Light" panose="020B0600000101010101" pitchFamily="34" charset="-127"/>
+              </a:rPr>
+              <a:t>Play </a:t>
+            </a:r>
+            <a:r>
+              <a:rPr lang="ko-KR" altLang="en-US" sz="2000">
+                <a:latin typeface="나눔스퀘어OTF Light" panose="020B0600000101010101" pitchFamily="34" charset="-127"/>
+                <a:ea typeface="나눔스퀘어OTF Light" panose="020B0600000101010101" pitchFamily="34" charset="-127"/>
+              </a:rPr>
+              <a:t>메소드를 실행시킴</a:t>
+            </a:r>
+            <a:endParaRPr lang="en-US" altLang="ko-KR" sz="2000">
+              <a:latin typeface="나눔스퀘어OTF Light" panose="020B0600000101010101" pitchFamily="34" charset="-127"/>
+              <a:ea typeface="나눔스퀘어OTF Light" panose="020B0600000101010101" pitchFamily="34" charset="-127"/>
+            </a:endParaRPr>
+          </a:p>
+        </p:txBody>
+      </p:sp>
+    </p:spTree>
+    <p:extLst>
+      <p:ext uri="{BB962C8B-B14F-4D97-AF65-F5344CB8AC3E}">
+        <p14:creationId xmlns:p14="http://schemas.microsoft.com/office/powerpoint/2010/main" val="2849141660"/>
+      </p:ext>
+    </p:extLst>
+  </p:cSld>
+  <p:clrMapOvr>
+    <a:masterClrMapping/>
+  </p:clrMapOvr>
+</p:sld>
+</file>
+
+<file path=ppt/slides/slide32.xml><?xml version="1.0" encoding="utf-8"?>
+<p:sld xmlns:a="http://schemas.openxmlformats.org/drawingml/2006/main" xmlns:r="http://schemas.openxmlformats.org/officeDocument/2006/relationships" xmlns:p="http://schemas.openxmlformats.org/presentationml/2006/main">
+  <p:cSld>
+    <p:spTree>
+      <p:nvGrpSpPr>
+        <p:cNvPr id="1" name=""/>
+        <p:cNvGrpSpPr/>
+        <p:nvPr/>
+      </p:nvGrpSpPr>
+      <p:grpSpPr>
+        <a:xfrm>
+          <a:off x="0" y="0"/>
+          <a:ext cx="0" cy="0"/>
+          <a:chOff x="0" y="0"/>
+          <a:chExt cx="0" cy="0"/>
+        </a:xfrm>
+      </p:grpSpPr>
+      <p:sp>
+        <p:nvSpPr>
+          <p:cNvPr id="6" name="TextBox 5">
+            <a:extLst>
+              <a:ext uri="{FF2B5EF4-FFF2-40B4-BE49-F238E27FC236}">
+                <a16:creationId xmlns:a16="http://schemas.microsoft.com/office/drawing/2014/main" id="{F453C929-8CA3-4E79-AF5D-99EC8407C6CF}"/>
+              </a:ext>
+            </a:extLst>
+          </p:cNvPr>
+          <p:cNvSpPr txBox="1"/>
+          <p:nvPr/>
+        </p:nvSpPr>
+        <p:spPr>
+          <a:xfrm>
+            <a:off x="171888" y="194702"/>
+            <a:ext cx="2698175" cy="523220"/>
+          </a:xfrm>
+          <a:prstGeom prst="rect">
+            <a:avLst/>
+          </a:prstGeom>
+          <a:noFill/>
+        </p:spPr>
+        <p:txBody>
+          <a:bodyPr wrap="none" rtlCol="0">
+            <a:spAutoFit/>
+          </a:bodyPr>
+          <a:lstStyle/>
+          <a:p>
+            <a:r>
+              <a:rPr lang="en-US" altLang="ko-KR" sz="2800">
+                <a:latin typeface="나눔스퀘어OTF Light" panose="020B0600000101010101" pitchFamily="34" charset="-127"/>
+                <a:ea typeface="나눔스퀘어OTF Light" panose="020B0600000101010101" pitchFamily="34" charset="-127"/>
+              </a:rPr>
+              <a:t>4. </a:t>
+            </a:r>
+            <a:r>
+              <a:rPr lang="ko-KR" altLang="en-US" sz="2800">
+                <a:latin typeface="나눔스퀘어OTF Light" panose="020B0600000101010101" pitchFamily="34" charset="-127"/>
+                <a:ea typeface="나눔스퀘어OTF Light" panose="020B0600000101010101" pitchFamily="34" charset="-127"/>
+              </a:rPr>
+              <a:t>사운드 매니저</a:t>
+            </a:r>
+          </a:p>
+        </p:txBody>
+      </p:sp>
+      <p:cxnSp>
+        <p:nvCxnSpPr>
+          <p:cNvPr id="4" name="직선 연결선 3">
+            <a:extLst>
+              <a:ext uri="{FF2B5EF4-FFF2-40B4-BE49-F238E27FC236}">
+                <a16:creationId xmlns:a16="http://schemas.microsoft.com/office/drawing/2014/main" id="{7442459B-3DED-44F0-9E4C-B50601FEB425}"/>
+              </a:ext>
+            </a:extLst>
+          </p:cNvPr>
+          <p:cNvCxnSpPr>
+            <a:cxnSpLocks/>
+          </p:cNvCxnSpPr>
+          <p:nvPr/>
+        </p:nvCxnSpPr>
+        <p:spPr>
+          <a:xfrm>
+            <a:off x="132133" y="780690"/>
+            <a:ext cx="819295" cy="0"/>
+          </a:xfrm>
+          <a:prstGeom prst="line">
+            <a:avLst/>
+          </a:prstGeom>
+          <a:ln>
+            <a:solidFill>
+              <a:schemeClr val="tx1"/>
+            </a:solidFill>
+          </a:ln>
+        </p:spPr>
+        <p:style>
+          <a:lnRef idx="1">
+            <a:schemeClr val="accent1"/>
+          </a:lnRef>
+          <a:fillRef idx="0">
+            <a:schemeClr val="accent1"/>
+          </a:fillRef>
+          <a:effectRef idx="0">
+            <a:schemeClr val="accent1"/>
+          </a:effectRef>
+          <a:fontRef idx="minor">
+            <a:schemeClr val="tx1"/>
+          </a:fontRef>
+        </p:style>
+      </p:cxnSp>
+      <p:sp>
+        <p:nvSpPr>
+          <p:cNvPr id="7" name="직사각형 6">
+            <a:extLst>
+              <a:ext uri="{FF2B5EF4-FFF2-40B4-BE49-F238E27FC236}">
+                <a16:creationId xmlns:a16="http://schemas.microsoft.com/office/drawing/2014/main" id="{10758CA6-9350-4226-9BF7-C77FEF9B79FE}"/>
+              </a:ext>
+            </a:extLst>
+          </p:cNvPr>
+          <p:cNvSpPr/>
+          <p:nvPr/>
+        </p:nvSpPr>
+        <p:spPr>
+          <a:xfrm>
+            <a:off x="4126889" y="1533274"/>
+            <a:ext cx="448888" cy="448888"/>
+          </a:xfrm>
+          <a:prstGeom prst="rect">
+            <a:avLst/>
+          </a:prstGeom>
+          <a:solidFill>
+            <a:schemeClr val="bg1"/>
+          </a:solidFill>
+          <a:ln>
+            <a:solidFill>
+              <a:schemeClr val="tx1"/>
+            </a:solidFill>
+          </a:ln>
+        </p:spPr>
+        <p:style>
+          <a:lnRef idx="2">
+            <a:schemeClr val="accent1">
+              <a:shade val="50000"/>
+            </a:schemeClr>
+          </a:lnRef>
+          <a:fillRef idx="1">
+            <a:schemeClr val="accent1"/>
+          </a:fillRef>
+          <a:effectRef idx="0">
+            <a:schemeClr val="accent1"/>
+          </a:effectRef>
+          <a:fontRef idx="minor">
+            <a:schemeClr val="lt1"/>
+          </a:fontRef>
+        </p:style>
+        <p:txBody>
+          <a:bodyPr rtlCol="0" anchor="ctr"/>
+          <a:lstStyle/>
+          <a:p>
+            <a:pPr algn="ctr"/>
+            <a:endParaRPr lang="ko-KR" altLang="en-US"/>
+          </a:p>
+        </p:txBody>
+      </p:sp>
+      <p:sp>
+        <p:nvSpPr>
+          <p:cNvPr id="10" name="TextBox 9">
+            <a:extLst>
+              <a:ext uri="{FF2B5EF4-FFF2-40B4-BE49-F238E27FC236}">
+                <a16:creationId xmlns:a16="http://schemas.microsoft.com/office/drawing/2014/main" id="{C2D6E608-AC98-4DB9-BA0B-F20EEF3B9652}"/>
+              </a:ext>
+            </a:extLst>
+          </p:cNvPr>
+          <p:cNvSpPr txBox="1"/>
+          <p:nvPr/>
+        </p:nvSpPr>
+        <p:spPr>
+          <a:xfrm>
+            <a:off x="4704225" y="1496108"/>
+            <a:ext cx="2236510" cy="523220"/>
+          </a:xfrm>
+          <a:prstGeom prst="rect">
+            <a:avLst/>
+          </a:prstGeom>
+          <a:noFill/>
+        </p:spPr>
+        <p:txBody>
+          <a:bodyPr wrap="none" rtlCol="0">
+            <a:spAutoFit/>
+          </a:bodyPr>
+          <a:lstStyle/>
+          <a:p>
+            <a:r>
+              <a:rPr lang="ko-KR" altLang="en-US" sz="2800">
+                <a:latin typeface="나눔스퀘어OTF Light" panose="020B0600000101010101" pitchFamily="34" charset="-127"/>
+                <a:ea typeface="나눔스퀘어OTF Light" panose="020B0600000101010101" pitchFamily="34" charset="-127"/>
+              </a:rPr>
+              <a:t>사운드 매니저</a:t>
+            </a:r>
+            <a:endParaRPr lang="en-US" altLang="ko-KR" sz="2800">
+              <a:latin typeface="나눔스퀘어OTF Light" panose="020B0600000101010101" pitchFamily="34" charset="-127"/>
+              <a:ea typeface="나눔스퀘어OTF Light" panose="020B0600000101010101" pitchFamily="34" charset="-127"/>
+            </a:endParaRPr>
+          </a:p>
+        </p:txBody>
+      </p:sp>
+      <p:sp>
+        <p:nvSpPr>
+          <p:cNvPr id="11" name="TextBox 10">
+            <a:extLst>
+              <a:ext uri="{FF2B5EF4-FFF2-40B4-BE49-F238E27FC236}">
+                <a16:creationId xmlns:a16="http://schemas.microsoft.com/office/drawing/2014/main" id="{241DE205-A7B1-4488-80C1-9205FA3C419B}"/>
+              </a:ext>
+            </a:extLst>
+          </p:cNvPr>
+          <p:cNvSpPr txBox="1"/>
+          <p:nvPr/>
+        </p:nvSpPr>
+        <p:spPr>
+          <a:xfrm>
+            <a:off x="4704225" y="2019328"/>
+            <a:ext cx="3717684" cy="707886"/>
+          </a:xfrm>
+          <a:prstGeom prst="rect">
+            <a:avLst/>
+          </a:prstGeom>
+          <a:noFill/>
+        </p:spPr>
+        <p:txBody>
+          <a:bodyPr wrap="none" rtlCol="0">
+            <a:spAutoFit/>
+          </a:bodyPr>
+          <a:lstStyle/>
+          <a:p>
+            <a:r>
+              <a:rPr lang="en-US" altLang="ko-KR" sz="2000">
+                <a:latin typeface="나눔스퀘어OTF Light" panose="020B0600000101010101" pitchFamily="34" charset="-127"/>
+                <a:ea typeface="나눔스퀘어OTF Light" panose="020B0600000101010101" pitchFamily="34" charset="-127"/>
+              </a:rPr>
+              <a:t>Audio Source </a:t>
+            </a:r>
+            <a:r>
+              <a:rPr lang="ko-KR" altLang="en-US" sz="2000">
+                <a:latin typeface="나눔스퀘어OTF Light" panose="020B0600000101010101" pitchFamily="34" charset="-127"/>
+                <a:ea typeface="나눔스퀘어OTF Light" panose="020B0600000101010101" pitchFamily="34" charset="-127"/>
+              </a:rPr>
+              <a:t>를 갖고 있음</a:t>
+            </a:r>
+            <a:endParaRPr lang="en-US" altLang="ko-KR" sz="2000">
+              <a:latin typeface="나눔스퀘어OTF Light" panose="020B0600000101010101" pitchFamily="34" charset="-127"/>
+              <a:ea typeface="나눔스퀘어OTF Light" panose="020B0600000101010101" pitchFamily="34" charset="-127"/>
+            </a:endParaRPr>
+          </a:p>
+          <a:p>
+            <a:r>
+              <a:rPr lang="ko-KR" altLang="en-US" sz="2000">
+                <a:latin typeface="나눔스퀘어OTF Light" panose="020B0600000101010101" pitchFamily="34" charset="-127"/>
+                <a:ea typeface="나눔스퀘어OTF Light" panose="020B0600000101010101" pitchFamily="34" charset="-127"/>
+              </a:rPr>
+              <a:t>소리들을 제어하기 위한 컴포넌트</a:t>
+            </a:r>
+            <a:endParaRPr lang="en-US" altLang="ko-KR" sz="2000">
+              <a:latin typeface="나눔스퀘어OTF Light" panose="020B0600000101010101" pitchFamily="34" charset="-127"/>
+              <a:ea typeface="나눔스퀘어OTF Light" panose="020B0600000101010101" pitchFamily="34" charset="-127"/>
+            </a:endParaRPr>
+          </a:p>
+        </p:txBody>
+      </p:sp>
+      <p:sp>
+        <p:nvSpPr>
+          <p:cNvPr id="12" name="TextBox 11">
+            <a:extLst>
+              <a:ext uri="{FF2B5EF4-FFF2-40B4-BE49-F238E27FC236}">
+                <a16:creationId xmlns:a16="http://schemas.microsoft.com/office/drawing/2014/main" id="{2F806063-039B-4CAB-A0FB-065E606AA0CD}"/>
+              </a:ext>
+            </a:extLst>
+          </p:cNvPr>
+          <p:cNvSpPr txBox="1"/>
+          <p:nvPr/>
+        </p:nvSpPr>
+        <p:spPr>
+          <a:xfrm>
+            <a:off x="1306066" y="3253553"/>
+            <a:ext cx="9579867" cy="1631216"/>
+          </a:xfrm>
+          <a:prstGeom prst="rect">
+            <a:avLst/>
+          </a:prstGeom>
+          <a:noFill/>
+        </p:spPr>
+        <p:txBody>
+          <a:bodyPr wrap="none" rtlCol="0">
+            <a:spAutoFit/>
+          </a:bodyPr>
+          <a:lstStyle/>
+          <a:p>
+            <a:r>
+              <a:rPr lang="en-US" altLang="ko-KR" sz="2000">
+                <a:latin typeface="나눔스퀘어OTF Light" panose="020B0600000101010101" pitchFamily="34" charset="-127"/>
+                <a:ea typeface="나눔스퀘어OTF Light" panose="020B0600000101010101" pitchFamily="34" charset="-127"/>
+              </a:rPr>
+              <a:t>1. DontDestoryOnLoad</a:t>
+            </a:r>
+            <a:r>
+              <a:rPr lang="ko-KR" altLang="en-US" sz="2000">
+                <a:latin typeface="나눔스퀘어OTF Light" panose="020B0600000101010101" pitchFamily="34" charset="-127"/>
+                <a:ea typeface="나눔스퀘어OTF Light" panose="020B0600000101010101" pitchFamily="34" charset="-127"/>
+              </a:rPr>
+              <a:t>로 모든 씬에서 같은 사운드 매니저를 사용하게 할 수 있음</a:t>
+            </a:r>
+            <a:endParaRPr lang="en-US" altLang="ko-KR" sz="2000">
+              <a:latin typeface="나눔스퀘어OTF Light" panose="020B0600000101010101" pitchFamily="34" charset="-127"/>
+              <a:ea typeface="나눔스퀘어OTF Light" panose="020B0600000101010101" pitchFamily="34" charset="-127"/>
+            </a:endParaRPr>
+          </a:p>
+          <a:p>
+            <a:r>
+              <a:rPr lang="en-US" altLang="ko-KR" sz="2000">
+                <a:latin typeface="나눔스퀘어OTF Light" panose="020B0600000101010101" pitchFamily="34" charset="-127"/>
+                <a:ea typeface="나눔스퀘어OTF Light" panose="020B0600000101010101" pitchFamily="34" charset="-127"/>
+              </a:rPr>
+              <a:t>2. </a:t>
+            </a:r>
+            <a:r>
+              <a:rPr lang="ko-KR" altLang="en-US" sz="2000">
+                <a:latin typeface="나눔스퀘어OTF Light" panose="020B0600000101010101" pitchFamily="34" charset="-127"/>
+                <a:ea typeface="나눔스퀘어OTF Light" panose="020B0600000101010101" pitchFamily="34" charset="-127"/>
+              </a:rPr>
+              <a:t>동시에 여러 효과음을 재생할 수 있도록 여러 사운드 소스를 관리하거나 동적으로 생성함</a:t>
+            </a:r>
+            <a:endParaRPr lang="en-US" altLang="ko-KR" sz="2000">
+              <a:latin typeface="나눔스퀘어OTF Light" panose="020B0600000101010101" pitchFamily="34" charset="-127"/>
+              <a:ea typeface="나눔스퀘어OTF Light" panose="020B0600000101010101" pitchFamily="34" charset="-127"/>
+            </a:endParaRPr>
+          </a:p>
+          <a:p>
+            <a:r>
+              <a:rPr lang="en-US" altLang="ko-KR" sz="2000">
+                <a:latin typeface="나눔스퀘어OTF Light" panose="020B0600000101010101" pitchFamily="34" charset="-127"/>
+                <a:ea typeface="나눔스퀘어OTF Light" panose="020B0600000101010101" pitchFamily="34" charset="-127"/>
+              </a:rPr>
+              <a:t>3. </a:t>
+            </a:r>
+            <a:r>
+              <a:rPr lang="ko-KR" altLang="en-US" sz="2000">
+                <a:latin typeface="나눔스퀘어OTF Light" panose="020B0600000101010101" pitchFamily="34" charset="-127"/>
+                <a:ea typeface="나눔스퀘어OTF Light" panose="020B0600000101010101" pitchFamily="34" charset="-127"/>
+              </a:rPr>
+              <a:t>입체 음향을 위해 동적으로 생성된 사운드 소스들의 위치를 지정할 수 있음</a:t>
+            </a:r>
+            <a:endParaRPr lang="en-US" altLang="ko-KR" sz="2000">
+              <a:latin typeface="나눔스퀘어OTF Light" panose="020B0600000101010101" pitchFamily="34" charset="-127"/>
+              <a:ea typeface="나눔스퀘어OTF Light" panose="020B0600000101010101" pitchFamily="34" charset="-127"/>
+            </a:endParaRPr>
+          </a:p>
+          <a:p>
+            <a:r>
+              <a:rPr lang="en-US" altLang="ko-KR" sz="2000">
+                <a:latin typeface="나눔스퀘어OTF Light" panose="020B0600000101010101" pitchFamily="34" charset="-127"/>
+                <a:ea typeface="나눔스퀘어OTF Light" panose="020B0600000101010101" pitchFamily="34" charset="-127"/>
+              </a:rPr>
+              <a:t>4. </a:t>
+            </a:r>
+            <a:r>
+              <a:rPr lang="ko-KR" altLang="en-US" sz="2000">
+                <a:latin typeface="나눔스퀘어OTF Light" panose="020B0600000101010101" pitchFamily="34" charset="-127"/>
+                <a:ea typeface="나눔스퀘어OTF Light" panose="020B0600000101010101" pitchFamily="34" charset="-127"/>
+              </a:rPr>
+              <a:t>미리 소리들을 매니저에 저장시키고</a:t>
+            </a:r>
+            <a:r>
+              <a:rPr lang="en-US" altLang="ko-KR" sz="2000">
+                <a:latin typeface="나눔스퀘어OTF Light" panose="020B0600000101010101" pitchFamily="34" charset="-127"/>
+                <a:ea typeface="나눔스퀘어OTF Light" panose="020B0600000101010101" pitchFamily="34" charset="-127"/>
+              </a:rPr>
+              <a:t>, </a:t>
+            </a:r>
+            <a:r>
+              <a:rPr lang="ko-KR" altLang="en-US" sz="2000">
+                <a:latin typeface="나눔스퀘어OTF Light" panose="020B0600000101010101" pitchFamily="34" charset="-127"/>
+                <a:ea typeface="나눔스퀘어OTF Light" panose="020B0600000101010101" pitchFamily="34" charset="-127"/>
+              </a:rPr>
+              <a:t>호출할 때에는 딕셔너리를 이용할 수 있음</a:t>
+            </a:r>
+            <a:endParaRPr lang="en-US" altLang="ko-KR" sz="2000">
+              <a:latin typeface="나눔스퀘어OTF Light" panose="020B0600000101010101" pitchFamily="34" charset="-127"/>
+              <a:ea typeface="나눔스퀘어OTF Light" panose="020B0600000101010101" pitchFamily="34" charset="-127"/>
+            </a:endParaRPr>
+          </a:p>
+          <a:p>
+            <a:r>
+              <a:rPr lang="en-US" altLang="ko-KR" sz="2000">
+                <a:latin typeface="나눔스퀘어OTF Light" panose="020B0600000101010101" pitchFamily="34" charset="-127"/>
+                <a:ea typeface="나눔스퀘어OTF Light" panose="020B0600000101010101" pitchFamily="34" charset="-127"/>
+              </a:rPr>
+              <a:t>5. </a:t>
+            </a:r>
+            <a:r>
+              <a:rPr lang="ko-KR" altLang="en-US" sz="2000">
+                <a:latin typeface="나눔스퀘어OTF Light" panose="020B0600000101010101" pitchFamily="34" charset="-127"/>
+                <a:ea typeface="나눔스퀘어OTF Light" panose="020B0600000101010101" pitchFamily="34" charset="-127"/>
+              </a:rPr>
+              <a:t>등등</a:t>
+            </a:r>
+            <a:r>
+              <a:rPr lang="en-US" altLang="ko-KR" sz="2000">
+                <a:latin typeface="나눔스퀘어OTF Light" panose="020B0600000101010101" pitchFamily="34" charset="-127"/>
+                <a:ea typeface="나눔스퀘어OTF Light" panose="020B0600000101010101" pitchFamily="34" charset="-127"/>
+              </a:rPr>
+              <a:t>...</a:t>
+            </a:r>
+          </a:p>
+        </p:txBody>
+      </p:sp>
+      <p:sp>
+        <p:nvSpPr>
+          <p:cNvPr id="13" name="TextBox 12">
+            <a:extLst>
+              <a:ext uri="{FF2B5EF4-FFF2-40B4-BE49-F238E27FC236}">
+                <a16:creationId xmlns:a16="http://schemas.microsoft.com/office/drawing/2014/main" id="{29D577E2-B5A0-40A3-96DF-C8DA975FA713}"/>
+              </a:ext>
+            </a:extLst>
+          </p:cNvPr>
+          <p:cNvSpPr txBox="1"/>
+          <p:nvPr/>
+        </p:nvSpPr>
+        <p:spPr>
+          <a:xfrm>
+            <a:off x="6239730" y="5203290"/>
+            <a:ext cx="5952270" cy="707886"/>
+          </a:xfrm>
+          <a:prstGeom prst="rect">
+            <a:avLst/>
+          </a:prstGeom>
+          <a:noFill/>
+        </p:spPr>
+        <p:txBody>
+          <a:bodyPr wrap="none" rtlCol="0">
+            <a:spAutoFit/>
+          </a:bodyPr>
+          <a:lstStyle/>
+          <a:p>
+            <a:r>
+              <a:rPr lang="ko-KR" altLang="en-US" sz="2000">
+                <a:latin typeface="나눔스퀘어OTF Light" panose="020B0600000101010101" pitchFamily="34" charset="-127"/>
+                <a:ea typeface="나눔스퀘어OTF Light" panose="020B0600000101010101" pitchFamily="34" charset="-127"/>
+              </a:rPr>
+              <a:t>사운드 매니저에는 다양한 테크닉들을 사용할 수 있지만</a:t>
+            </a:r>
+            <a:endParaRPr lang="en-US" altLang="ko-KR" sz="2000">
+              <a:latin typeface="나눔스퀘어OTF Light" panose="020B0600000101010101" pitchFamily="34" charset="-127"/>
+              <a:ea typeface="나눔스퀘어OTF Light" panose="020B0600000101010101" pitchFamily="34" charset="-127"/>
+            </a:endParaRPr>
+          </a:p>
+          <a:p>
+            <a:r>
+              <a:rPr lang="ko-KR" altLang="en-US" sz="2000">
+                <a:latin typeface="나눔스퀘어OTF Light" panose="020B0600000101010101" pitchFamily="34" charset="-127"/>
+                <a:ea typeface="나눔스퀘어OTF Light" panose="020B0600000101010101" pitchFamily="34" charset="-127"/>
+              </a:rPr>
+              <a:t>분량 관계상 이들은 생략하도록 합니다</a:t>
+            </a:r>
+            <a:r>
+              <a:rPr lang="en-US" altLang="ko-KR" sz="2000">
+                <a:latin typeface="나눔스퀘어OTF Light" panose="020B0600000101010101" pitchFamily="34" charset="-127"/>
+                <a:ea typeface="나눔스퀘어OTF Light" panose="020B0600000101010101" pitchFamily="34" charset="-127"/>
+              </a:rPr>
+              <a:t>.</a:t>
+            </a:r>
+          </a:p>
+        </p:txBody>
+      </p:sp>
+    </p:spTree>
+    <p:extLst>
+      <p:ext uri="{BB962C8B-B14F-4D97-AF65-F5344CB8AC3E}">
+        <p14:creationId xmlns:p14="http://schemas.microsoft.com/office/powerpoint/2010/main" val="2600115576"/>
+      </p:ext>
+    </p:extLst>
+  </p:cSld>
+  <p:clrMapOvr>
+    <a:masterClrMapping/>
+  </p:clrMapOvr>
+</p:sld>
+</file>
+
+<file path=ppt/slides/slide33.xml><?xml version="1.0" encoding="utf-8"?>
+<p:sld xmlns:a="http://schemas.openxmlformats.org/drawingml/2006/main" xmlns:r="http://schemas.openxmlformats.org/officeDocument/2006/relationships" xmlns:p="http://schemas.openxmlformats.org/presentationml/2006/main">
+  <p:cSld>
+    <p:spTree>
+      <p:nvGrpSpPr>
+        <p:cNvPr id="1" name=""/>
+        <p:cNvGrpSpPr/>
+        <p:nvPr/>
+      </p:nvGrpSpPr>
+      <p:grpSpPr>
+        <a:xfrm>
+          <a:off x="0" y="0"/>
+          <a:ext cx="0" cy="0"/>
+          <a:chOff x="0" y="0"/>
+          <a:chExt cx="0" cy="0"/>
+        </a:xfrm>
+      </p:grpSpPr>
+      <p:sp>
+        <p:nvSpPr>
+          <p:cNvPr id="6" name="TextBox 5">
+            <a:extLst>
+              <a:ext uri="{FF2B5EF4-FFF2-40B4-BE49-F238E27FC236}">
+                <a16:creationId xmlns:a16="http://schemas.microsoft.com/office/drawing/2014/main" id="{F453C929-8CA3-4E79-AF5D-99EC8407C6CF}"/>
+              </a:ext>
+            </a:extLst>
+          </p:cNvPr>
+          <p:cNvSpPr txBox="1"/>
+          <p:nvPr/>
+        </p:nvSpPr>
+        <p:spPr>
+          <a:xfrm>
+            <a:off x="5770431" y="2629032"/>
+            <a:ext cx="651140" cy="707886"/>
+          </a:xfrm>
+          <a:prstGeom prst="rect">
+            <a:avLst/>
+          </a:prstGeom>
+          <a:noFill/>
+        </p:spPr>
+        <p:txBody>
+          <a:bodyPr wrap="none" rtlCol="0">
+            <a:spAutoFit/>
+          </a:bodyPr>
+          <a:lstStyle/>
+          <a:p>
+            <a:pPr algn="ctr"/>
+            <a:r>
+              <a:rPr lang="ko-KR" altLang="en-US" sz="4000">
+                <a:latin typeface="나눔스퀘어OTF Light" panose="020B0600000101010101" pitchFamily="34" charset="-127"/>
+                <a:ea typeface="나눔스퀘어OTF Light" panose="020B0600000101010101" pitchFamily="34" charset="-127"/>
+              </a:rPr>
+              <a:t>끝</a:t>
+            </a:r>
+          </a:p>
+        </p:txBody>
+      </p:sp>
+      <p:sp>
+        <p:nvSpPr>
+          <p:cNvPr id="3" name="TextBox 2">
+            <a:extLst>
+              <a:ext uri="{FF2B5EF4-FFF2-40B4-BE49-F238E27FC236}">
+                <a16:creationId xmlns:a16="http://schemas.microsoft.com/office/drawing/2014/main" id="{3D4DB731-0D09-4D43-B30D-F113660223A3}"/>
+              </a:ext>
+            </a:extLst>
+          </p:cNvPr>
+          <p:cNvSpPr txBox="1"/>
+          <p:nvPr/>
+        </p:nvSpPr>
+        <p:spPr>
+          <a:xfrm>
+            <a:off x="3595155" y="3336918"/>
+            <a:ext cx="917239" cy="400110"/>
+          </a:xfrm>
+          <a:prstGeom prst="rect">
+            <a:avLst/>
+          </a:prstGeom>
+          <a:noFill/>
+        </p:spPr>
+        <p:txBody>
+          <a:bodyPr wrap="none" rtlCol="0">
+            <a:spAutoFit/>
+          </a:bodyPr>
+          <a:lstStyle/>
+          <a:p>
+            <a:r>
+              <a:rPr lang="en-US" altLang="ko-KR" sz="2000">
+                <a:latin typeface="나눔스퀘어OTF Light" panose="020B0600000101010101" pitchFamily="34" charset="-127"/>
+                <a:ea typeface="나눔스퀘어OTF Light" panose="020B0600000101010101" pitchFamily="34" charset="-127"/>
+              </a:rPr>
+              <a:t>1. </a:t>
+            </a:r>
+            <a:r>
+              <a:rPr lang="ko-KR" altLang="en-US" sz="2000">
+                <a:latin typeface="나눔스퀘어OTF Light" panose="020B0600000101010101" pitchFamily="34" charset="-127"/>
+                <a:ea typeface="나눔스퀘어OTF Light" panose="020B0600000101010101" pitchFamily="34" charset="-127"/>
+              </a:rPr>
+              <a:t>소리</a:t>
+            </a:r>
+          </a:p>
+        </p:txBody>
+      </p:sp>
+      <p:cxnSp>
+        <p:nvCxnSpPr>
+          <p:cNvPr id="4" name="직선 연결선 3">
+            <a:extLst>
+              <a:ext uri="{FF2B5EF4-FFF2-40B4-BE49-F238E27FC236}">
+                <a16:creationId xmlns:a16="http://schemas.microsoft.com/office/drawing/2014/main" id="{7442459B-3DED-44F0-9E4C-B50601FEB425}"/>
+              </a:ext>
+            </a:extLst>
+          </p:cNvPr>
+          <p:cNvCxnSpPr/>
+          <p:nvPr/>
+        </p:nvCxnSpPr>
+        <p:spPr>
+          <a:xfrm>
+            <a:off x="3642861" y="3328967"/>
+            <a:ext cx="4858247" cy="0"/>
+          </a:xfrm>
+          <a:prstGeom prst="line">
+            <a:avLst/>
+          </a:prstGeom>
+          <a:ln>
+            <a:solidFill>
+              <a:schemeClr val="tx1"/>
+            </a:solidFill>
+          </a:ln>
+        </p:spPr>
+        <p:style>
+          <a:lnRef idx="1">
+            <a:schemeClr val="accent1"/>
+          </a:lnRef>
+          <a:fillRef idx="0">
+            <a:schemeClr val="accent1"/>
+          </a:fillRef>
+          <a:effectRef idx="0">
+            <a:schemeClr val="accent1"/>
+          </a:effectRef>
+          <a:fontRef idx="minor">
+            <a:schemeClr val="tx1"/>
+          </a:fontRef>
+        </p:style>
+      </p:cxnSp>
+    </p:spTree>
+    <p:extLst>
+      <p:ext uri="{BB962C8B-B14F-4D97-AF65-F5344CB8AC3E}">
+        <p14:creationId xmlns:p14="http://schemas.microsoft.com/office/powerpoint/2010/main" val="1544407394"/>
       </p:ext>
     </p:extLst>
   </p:cSld>

--- a/1 - 소리.pptx
+++ b/1 - 소리.pptx
@@ -313,7 +313,7 @@
           <a:p>
             <a:fld id="{3BAD717E-5B48-41D6-98B3-DB23E84BF0BC}" type="datetimeFigureOut">
               <a:rPr lang="ko-KR" altLang="en-US" smtClean="0"/>
-              <a:t>2022-01-23</a:t>
+              <a:t>2022-01-24</a:t>
             </a:fld>
             <a:endParaRPr lang="ko-KR" altLang="en-US"/>
           </a:p>
@@ -511,7 +511,7 @@
           <a:p>
             <a:fld id="{3BAD717E-5B48-41D6-98B3-DB23E84BF0BC}" type="datetimeFigureOut">
               <a:rPr lang="ko-KR" altLang="en-US" smtClean="0"/>
-              <a:t>2022-01-23</a:t>
+              <a:t>2022-01-24</a:t>
             </a:fld>
             <a:endParaRPr lang="ko-KR" altLang="en-US"/>
           </a:p>
@@ -719,7 +719,7 @@
           <a:p>
             <a:fld id="{3BAD717E-5B48-41D6-98B3-DB23E84BF0BC}" type="datetimeFigureOut">
               <a:rPr lang="ko-KR" altLang="en-US" smtClean="0"/>
-              <a:t>2022-01-23</a:t>
+              <a:t>2022-01-24</a:t>
             </a:fld>
             <a:endParaRPr lang="ko-KR" altLang="en-US"/>
           </a:p>
@@ -917,7 +917,7 @@
           <a:p>
             <a:fld id="{3BAD717E-5B48-41D6-98B3-DB23E84BF0BC}" type="datetimeFigureOut">
               <a:rPr lang="ko-KR" altLang="en-US" smtClean="0"/>
-              <a:t>2022-01-23</a:t>
+              <a:t>2022-01-24</a:t>
             </a:fld>
             <a:endParaRPr lang="ko-KR" altLang="en-US"/>
           </a:p>
@@ -1192,7 +1192,7 @@
           <a:p>
             <a:fld id="{3BAD717E-5B48-41D6-98B3-DB23E84BF0BC}" type="datetimeFigureOut">
               <a:rPr lang="ko-KR" altLang="en-US" smtClean="0"/>
-              <a:t>2022-01-23</a:t>
+              <a:t>2022-01-24</a:t>
             </a:fld>
             <a:endParaRPr lang="ko-KR" altLang="en-US"/>
           </a:p>
@@ -1457,7 +1457,7 @@
           <a:p>
             <a:fld id="{3BAD717E-5B48-41D6-98B3-DB23E84BF0BC}" type="datetimeFigureOut">
               <a:rPr lang="ko-KR" altLang="en-US" smtClean="0"/>
-              <a:t>2022-01-23</a:t>
+              <a:t>2022-01-24</a:t>
             </a:fld>
             <a:endParaRPr lang="ko-KR" altLang="en-US"/>
           </a:p>
@@ -1869,7 +1869,7 @@
           <a:p>
             <a:fld id="{3BAD717E-5B48-41D6-98B3-DB23E84BF0BC}" type="datetimeFigureOut">
               <a:rPr lang="ko-KR" altLang="en-US" smtClean="0"/>
-              <a:t>2022-01-23</a:t>
+              <a:t>2022-01-24</a:t>
             </a:fld>
             <a:endParaRPr lang="ko-KR" altLang="en-US"/>
           </a:p>
@@ -2010,7 +2010,7 @@
           <a:p>
             <a:fld id="{3BAD717E-5B48-41D6-98B3-DB23E84BF0BC}" type="datetimeFigureOut">
               <a:rPr lang="ko-KR" altLang="en-US" smtClean="0"/>
-              <a:t>2022-01-23</a:t>
+              <a:t>2022-01-24</a:t>
             </a:fld>
             <a:endParaRPr lang="ko-KR" altLang="en-US"/>
           </a:p>
@@ -2123,7 +2123,7 @@
           <a:p>
             <a:fld id="{3BAD717E-5B48-41D6-98B3-DB23E84BF0BC}" type="datetimeFigureOut">
               <a:rPr lang="ko-KR" altLang="en-US" smtClean="0"/>
-              <a:t>2022-01-23</a:t>
+              <a:t>2022-01-24</a:t>
             </a:fld>
             <a:endParaRPr lang="ko-KR" altLang="en-US"/>
           </a:p>
@@ -2434,7 +2434,7 @@
           <a:p>
             <a:fld id="{3BAD717E-5B48-41D6-98B3-DB23E84BF0BC}" type="datetimeFigureOut">
               <a:rPr lang="ko-KR" altLang="en-US" smtClean="0"/>
-              <a:t>2022-01-23</a:t>
+              <a:t>2022-01-24</a:t>
             </a:fld>
             <a:endParaRPr lang="ko-KR" altLang="en-US"/>
           </a:p>
@@ -2722,7 +2722,7 @@
           <a:p>
             <a:fld id="{3BAD717E-5B48-41D6-98B3-DB23E84BF0BC}" type="datetimeFigureOut">
               <a:rPr lang="ko-KR" altLang="en-US" smtClean="0"/>
-              <a:t>2022-01-23</a:t>
+              <a:t>2022-01-24</a:t>
             </a:fld>
             <a:endParaRPr lang="ko-KR" altLang="en-US"/>
           </a:p>
@@ -2963,7 +2963,7 @@
           <a:p>
             <a:fld id="{3BAD717E-5B48-41D6-98B3-DB23E84BF0BC}" type="datetimeFigureOut">
               <a:rPr lang="ko-KR" altLang="en-US" smtClean="0"/>
-              <a:t>2022-01-23</a:t>
+              <a:t>2022-01-24</a:t>
             </a:fld>
             <a:endParaRPr lang="ko-KR" altLang="en-US"/>
           </a:p>
